--- a/SiriusCyberneticsCorp.ComplaintsDevision.pptx
+++ b/SiriusCyberneticsCorp.ComplaintsDevision.pptx
@@ -290,7 +290,7 @@
           <a:p>
             <a:fld id="{4CE2CE21-8E88-45A7-8312-239BEB16CE9A}" type="datetimeFigureOut">
               <a:rPr lang="de-CH" smtClean="0"/>
-              <a:t>17.09.2012</a:t>
+              <a:t>18.09.2012</a:t>
             </a:fld>
             <a:endParaRPr lang="de-CH"/>
           </a:p>
@@ -460,7 +460,7 @@
           <a:p>
             <a:fld id="{4CE2CE21-8E88-45A7-8312-239BEB16CE9A}" type="datetimeFigureOut">
               <a:rPr lang="de-CH" smtClean="0"/>
-              <a:t>17.09.2012</a:t>
+              <a:t>18.09.2012</a:t>
             </a:fld>
             <a:endParaRPr lang="de-CH"/>
           </a:p>
@@ -640,7 +640,7 @@
           <a:p>
             <a:fld id="{4CE2CE21-8E88-45A7-8312-239BEB16CE9A}" type="datetimeFigureOut">
               <a:rPr lang="de-CH" smtClean="0"/>
-              <a:t>17.09.2012</a:t>
+              <a:t>18.09.2012</a:t>
             </a:fld>
             <a:endParaRPr lang="de-CH"/>
           </a:p>
@@ -810,7 +810,7 @@
           <a:p>
             <a:fld id="{4CE2CE21-8E88-45A7-8312-239BEB16CE9A}" type="datetimeFigureOut">
               <a:rPr lang="de-CH" smtClean="0"/>
-              <a:t>17.09.2012</a:t>
+              <a:t>18.09.2012</a:t>
             </a:fld>
             <a:endParaRPr lang="de-CH"/>
           </a:p>
@@ -1056,7 +1056,7 @@
           <a:p>
             <a:fld id="{4CE2CE21-8E88-45A7-8312-239BEB16CE9A}" type="datetimeFigureOut">
               <a:rPr lang="de-CH" smtClean="0"/>
-              <a:t>17.09.2012</a:t>
+              <a:t>18.09.2012</a:t>
             </a:fld>
             <a:endParaRPr lang="de-CH"/>
           </a:p>
@@ -1344,7 +1344,7 @@
           <a:p>
             <a:fld id="{4CE2CE21-8E88-45A7-8312-239BEB16CE9A}" type="datetimeFigureOut">
               <a:rPr lang="de-CH" smtClean="0"/>
-              <a:t>17.09.2012</a:t>
+              <a:t>18.09.2012</a:t>
             </a:fld>
             <a:endParaRPr lang="de-CH"/>
           </a:p>
@@ -1766,7 +1766,7 @@
           <a:p>
             <a:fld id="{4CE2CE21-8E88-45A7-8312-239BEB16CE9A}" type="datetimeFigureOut">
               <a:rPr lang="de-CH" smtClean="0"/>
-              <a:t>17.09.2012</a:t>
+              <a:t>18.09.2012</a:t>
             </a:fld>
             <a:endParaRPr lang="de-CH"/>
           </a:p>
@@ -1884,7 +1884,7 @@
           <a:p>
             <a:fld id="{4CE2CE21-8E88-45A7-8312-239BEB16CE9A}" type="datetimeFigureOut">
               <a:rPr lang="de-CH" smtClean="0"/>
-              <a:t>17.09.2012</a:t>
+              <a:t>18.09.2012</a:t>
             </a:fld>
             <a:endParaRPr lang="de-CH"/>
           </a:p>
@@ -1979,7 +1979,7 @@
           <a:p>
             <a:fld id="{4CE2CE21-8E88-45A7-8312-239BEB16CE9A}" type="datetimeFigureOut">
               <a:rPr lang="de-CH" smtClean="0"/>
-              <a:t>17.09.2012</a:t>
+              <a:t>18.09.2012</a:t>
             </a:fld>
             <a:endParaRPr lang="de-CH"/>
           </a:p>
@@ -2256,7 +2256,7 @@
           <a:p>
             <a:fld id="{4CE2CE21-8E88-45A7-8312-239BEB16CE9A}" type="datetimeFigureOut">
               <a:rPr lang="de-CH" smtClean="0"/>
-              <a:t>17.09.2012</a:t>
+              <a:t>18.09.2012</a:t>
             </a:fld>
             <a:endParaRPr lang="de-CH"/>
           </a:p>
@@ -2509,7 +2509,7 @@
           <a:p>
             <a:fld id="{4CE2CE21-8E88-45A7-8312-239BEB16CE9A}" type="datetimeFigureOut">
               <a:rPr lang="de-CH" smtClean="0"/>
-              <a:t>17.09.2012</a:t>
+              <a:t>18.09.2012</a:t>
             </a:fld>
             <a:endParaRPr lang="de-CH"/>
           </a:p>
@@ -2722,7 +2722,7 @@
           <a:p>
             <a:fld id="{4CE2CE21-8E88-45A7-8312-239BEB16CE9A}" type="datetimeFigureOut">
               <a:rPr lang="de-CH" smtClean="0"/>
-              <a:t>17.09.2012</a:t>
+              <a:t>18.09.2012</a:t>
             </a:fld>
             <a:endParaRPr lang="de-CH"/>
           </a:p>
@@ -3240,7 +3240,6 @@
               <a:rPr lang="en-US" dirty="0" smtClean="0"/>
               <a:t>[…]</a:t>
             </a:r>
-            <a:endParaRPr lang="en-US" dirty="0" smtClean="0"/>
           </a:p>
           <a:p>
             <a:r>
@@ -3359,6 +3358,13 @@
   <p:clrMapOvr>
     <a:masterClrMapping/>
   </p:clrMapOvr>
+  <p:timing>
+    <p:tnLst>
+      <p:par>
+        <p:cTn id="1" dur="indefinite" restart="never" nodeType="tmRoot"/>
+      </p:par>
+    </p:tnLst>
+  </p:timing>
 </p:sld>
 </file>
 
@@ -3455,6 +3461,13 @@
   <p:clrMapOvr>
     <a:masterClrMapping/>
   </p:clrMapOvr>
+  <p:timing>
+    <p:tnLst>
+      <p:par>
+        <p:cTn id="1" dur="indefinite" restart="never" nodeType="tmRoot"/>
+      </p:par>
+    </p:tnLst>
+  </p:timing>
 </p:sld>
 </file>
 
@@ -4220,7 +4233,7 @@
         </p:nvCxnSpPr>
         <p:spPr>
           <a:xfrm rot="5400000">
-            <a:off x="3713975" y="3429000"/>
+            <a:off x="4139952" y="3428999"/>
             <a:ext cx="1008112" cy="0"/>
           </a:xfrm>
           <a:prstGeom prst="straightConnector1">
@@ -4256,7 +4269,7 @@
         </p:nvSpPr>
         <p:spPr>
           <a:xfrm rot="5400000">
-            <a:off x="3999017" y="3275111"/>
+            <a:off x="4424994" y="3275110"/>
             <a:ext cx="805670" cy="307777"/>
           </a:xfrm>
           <a:prstGeom prst="rect">
@@ -4752,6 +4765,204 @@
           </a:p>
         </p:txBody>
       </p:sp>
+      <p:cxnSp>
+        <p:nvCxnSpPr>
+          <p:cNvPr id="34" name="Straight Arrow Connector 33"/>
+          <p:cNvCxnSpPr/>
+          <p:nvPr/>
+        </p:nvCxnSpPr>
+        <p:spPr>
+          <a:xfrm>
+            <a:off x="5076056" y="2105719"/>
+            <a:ext cx="1008112" cy="0"/>
+          </a:xfrm>
+          <a:prstGeom prst="straightConnector1">
+            <a:avLst/>
+          </a:prstGeom>
+          <a:ln w="28575">
+            <a:solidFill>
+              <a:schemeClr val="accent2"/>
+            </a:solidFill>
+            <a:tailEnd type="arrow"/>
+          </a:ln>
+        </p:spPr>
+        <p:style>
+          <a:lnRef idx="1">
+            <a:schemeClr val="accent1"/>
+          </a:lnRef>
+          <a:fillRef idx="0">
+            <a:schemeClr val="accent1"/>
+          </a:fillRef>
+          <a:effectRef idx="0">
+            <a:schemeClr val="accent1"/>
+          </a:effectRef>
+          <a:fontRef idx="minor">
+            <a:schemeClr val="tx1"/>
+          </a:fontRef>
+        </p:style>
+      </p:cxnSp>
+      <p:sp>
+        <p:nvSpPr>
+          <p:cNvPr id="42" name="TextBox 41"/>
+          <p:cNvSpPr txBox="1"/>
+          <p:nvPr/>
+        </p:nvSpPr>
+        <p:spPr>
+          <a:xfrm>
+            <a:off x="4465864" y="1735806"/>
+            <a:ext cx="1510350" cy="307777"/>
+          </a:xfrm>
+          <a:prstGeom prst="rect">
+            <a:avLst/>
+          </a:prstGeom>
+          <a:noFill/>
+        </p:spPr>
+        <p:txBody>
+          <a:bodyPr wrap="none" rtlCol="0">
+            <a:spAutoFit/>
+          </a:bodyPr>
+          <a:lstStyle/>
+          <a:p>
+            <a:r>
+              <a:rPr lang="en-US" sz="1400" dirty="0" err="1" smtClean="0"/>
+              <a:t>ComplainedAbout</a:t>
+            </a:r>
+            <a:endParaRPr lang="de-CH" sz="1400" dirty="0"/>
+          </a:p>
+        </p:txBody>
+      </p:sp>
+      <p:cxnSp>
+        <p:nvCxnSpPr>
+          <p:cNvPr id="43" name="Straight Arrow Connector 42"/>
+          <p:cNvCxnSpPr/>
+          <p:nvPr/>
+        </p:nvCxnSpPr>
+        <p:spPr>
+          <a:xfrm rot="5400000">
+            <a:off x="3217449" y="3428998"/>
+            <a:ext cx="1008112" cy="0"/>
+          </a:xfrm>
+          <a:prstGeom prst="straightConnector1">
+            <a:avLst/>
+          </a:prstGeom>
+          <a:ln w="28575">
+            <a:solidFill>
+              <a:schemeClr val="accent2"/>
+            </a:solidFill>
+            <a:tailEnd type="arrow"/>
+          </a:ln>
+        </p:spPr>
+        <p:style>
+          <a:lnRef idx="1">
+            <a:schemeClr val="accent1"/>
+          </a:lnRef>
+          <a:fillRef idx="0">
+            <a:schemeClr val="accent1"/>
+          </a:fillRef>
+          <a:effectRef idx="0">
+            <a:schemeClr val="accent1"/>
+          </a:effectRef>
+          <a:fontRef idx="minor">
+            <a:schemeClr val="tx1"/>
+          </a:fontRef>
+        </p:style>
+      </p:cxnSp>
+      <p:sp>
+        <p:nvSpPr>
+          <p:cNvPr id="44" name="TextBox 43"/>
+          <p:cNvSpPr txBox="1"/>
+          <p:nvPr/>
+        </p:nvSpPr>
+        <p:spPr>
+          <a:xfrm rot="5400000">
+            <a:off x="3026050" y="2863947"/>
+            <a:ext cx="1758558" cy="307777"/>
+          </a:xfrm>
+          <a:prstGeom prst="rect">
+            <a:avLst/>
+          </a:prstGeom>
+          <a:noFill/>
+        </p:spPr>
+        <p:txBody>
+          <a:bodyPr wrap="none" rtlCol="0">
+            <a:spAutoFit/>
+          </a:bodyPr>
+          <a:lstStyle/>
+          <a:p>
+            <a:r>
+              <a:rPr lang="en-US" sz="1400" dirty="0" err="1" smtClean="0"/>
+              <a:t>MotivationDecreased</a:t>
+            </a:r>
+            <a:endParaRPr lang="de-CH" sz="1400" dirty="0"/>
+          </a:p>
+        </p:txBody>
+      </p:sp>
+      <p:cxnSp>
+        <p:nvCxnSpPr>
+          <p:cNvPr id="45" name="Straight Arrow Connector 44"/>
+          <p:cNvCxnSpPr/>
+          <p:nvPr/>
+        </p:nvCxnSpPr>
+        <p:spPr>
+          <a:xfrm rot="5400000">
+            <a:off x="3649497" y="3442545"/>
+            <a:ext cx="1008112" cy="0"/>
+          </a:xfrm>
+          <a:prstGeom prst="straightConnector1">
+            <a:avLst/>
+          </a:prstGeom>
+          <a:ln w="28575">
+            <a:solidFill>
+              <a:schemeClr val="accent2"/>
+            </a:solidFill>
+            <a:tailEnd type="arrow"/>
+          </a:ln>
+        </p:spPr>
+        <p:style>
+          <a:lnRef idx="1">
+            <a:schemeClr val="accent1"/>
+          </a:lnRef>
+          <a:fillRef idx="0">
+            <a:schemeClr val="accent1"/>
+          </a:fillRef>
+          <a:effectRef idx="0">
+            <a:schemeClr val="accent1"/>
+          </a:effectRef>
+          <a:fontRef idx="minor">
+            <a:schemeClr val="tx1"/>
+          </a:fontRef>
+        </p:style>
+      </p:cxnSp>
+      <p:sp>
+        <p:nvSpPr>
+          <p:cNvPr id="46" name="TextBox 45"/>
+          <p:cNvSpPr txBox="1"/>
+          <p:nvPr/>
+        </p:nvSpPr>
+        <p:spPr>
+          <a:xfrm rot="5400000">
+            <a:off x="3481054" y="2913920"/>
+            <a:ext cx="1712648" cy="307777"/>
+          </a:xfrm>
+          <a:prstGeom prst="rect">
+            <a:avLst/>
+          </a:prstGeom>
+          <a:noFill/>
+        </p:spPr>
+        <p:txBody>
+          <a:bodyPr wrap="none" rtlCol="0">
+            <a:spAutoFit/>
+          </a:bodyPr>
+          <a:lstStyle/>
+          <a:p>
+            <a:r>
+              <a:rPr lang="en-US" sz="1400" dirty="0" err="1" smtClean="0"/>
+              <a:t>BecameDemotivated</a:t>
+            </a:r>
+            <a:endParaRPr lang="de-CH" sz="1400" dirty="0"/>
+          </a:p>
+        </p:txBody>
+      </p:sp>
     </p:spTree>
     <p:extLst>
       <p:ext uri="{BB962C8B-B14F-4D97-AF65-F5344CB8AC3E}">
@@ -4762,6 +4973,13 @@
   <p:clrMapOvr>
     <a:masterClrMapping/>
   </p:clrMapOvr>
+  <p:timing>
+    <p:tnLst>
+      <p:par>
+        <p:cTn id="1" dur="indefinite" restart="never" nodeType="tmRoot"/>
+      </p:par>
+    </p:tnLst>
+  </p:timing>
 </p:sld>
 </file>
 

--- a/SiriusCyberneticsCorp.ComplaintsDevision.pptx
+++ b/SiriusCyberneticsCorp.ComplaintsDevision.pptx
@@ -8,6 +8,7 @@
     <p:sldId id="256" r:id="rId2"/>
     <p:sldId id="258" r:id="rId3"/>
     <p:sldId id="257" r:id="rId4"/>
+    <p:sldId id="259" r:id="rId5"/>
   </p:sldIdLst>
   <p:sldSz cx="9144000" cy="6858000" type="screen4x3"/>
   <p:notesSz cx="6858000" cy="9144000"/>
@@ -290,7 +291,7 @@
           <a:p>
             <a:fld id="{4CE2CE21-8E88-45A7-8312-239BEB16CE9A}" type="datetimeFigureOut">
               <a:rPr lang="de-CH" smtClean="0"/>
-              <a:t>18.09.2012</a:t>
+              <a:t>20.09.2012</a:t>
             </a:fld>
             <a:endParaRPr lang="de-CH"/>
           </a:p>
@@ -460,7 +461,7 @@
           <a:p>
             <a:fld id="{4CE2CE21-8E88-45A7-8312-239BEB16CE9A}" type="datetimeFigureOut">
               <a:rPr lang="de-CH" smtClean="0"/>
-              <a:t>18.09.2012</a:t>
+              <a:t>20.09.2012</a:t>
             </a:fld>
             <a:endParaRPr lang="de-CH"/>
           </a:p>
@@ -640,7 +641,7 @@
           <a:p>
             <a:fld id="{4CE2CE21-8E88-45A7-8312-239BEB16CE9A}" type="datetimeFigureOut">
               <a:rPr lang="de-CH" smtClean="0"/>
-              <a:t>18.09.2012</a:t>
+              <a:t>20.09.2012</a:t>
             </a:fld>
             <a:endParaRPr lang="de-CH"/>
           </a:p>
@@ -810,7 +811,7 @@
           <a:p>
             <a:fld id="{4CE2CE21-8E88-45A7-8312-239BEB16CE9A}" type="datetimeFigureOut">
               <a:rPr lang="de-CH" smtClean="0"/>
-              <a:t>18.09.2012</a:t>
+              <a:t>20.09.2012</a:t>
             </a:fld>
             <a:endParaRPr lang="de-CH"/>
           </a:p>
@@ -1056,7 +1057,7 @@
           <a:p>
             <a:fld id="{4CE2CE21-8E88-45A7-8312-239BEB16CE9A}" type="datetimeFigureOut">
               <a:rPr lang="de-CH" smtClean="0"/>
-              <a:t>18.09.2012</a:t>
+              <a:t>20.09.2012</a:t>
             </a:fld>
             <a:endParaRPr lang="de-CH"/>
           </a:p>
@@ -1344,7 +1345,7 @@
           <a:p>
             <a:fld id="{4CE2CE21-8E88-45A7-8312-239BEB16CE9A}" type="datetimeFigureOut">
               <a:rPr lang="de-CH" smtClean="0"/>
-              <a:t>18.09.2012</a:t>
+              <a:t>20.09.2012</a:t>
             </a:fld>
             <a:endParaRPr lang="de-CH"/>
           </a:p>
@@ -1766,7 +1767,7 @@
           <a:p>
             <a:fld id="{4CE2CE21-8E88-45A7-8312-239BEB16CE9A}" type="datetimeFigureOut">
               <a:rPr lang="de-CH" smtClean="0"/>
-              <a:t>18.09.2012</a:t>
+              <a:t>20.09.2012</a:t>
             </a:fld>
             <a:endParaRPr lang="de-CH"/>
           </a:p>
@@ -1884,7 +1885,7 @@
           <a:p>
             <a:fld id="{4CE2CE21-8E88-45A7-8312-239BEB16CE9A}" type="datetimeFigureOut">
               <a:rPr lang="de-CH" smtClean="0"/>
-              <a:t>18.09.2012</a:t>
+              <a:t>20.09.2012</a:t>
             </a:fld>
             <a:endParaRPr lang="de-CH"/>
           </a:p>
@@ -1979,7 +1980,7 @@
           <a:p>
             <a:fld id="{4CE2CE21-8E88-45A7-8312-239BEB16CE9A}" type="datetimeFigureOut">
               <a:rPr lang="de-CH" smtClean="0"/>
-              <a:t>18.09.2012</a:t>
+              <a:t>20.09.2012</a:t>
             </a:fld>
             <a:endParaRPr lang="de-CH"/>
           </a:p>
@@ -2256,7 +2257,7 @@
           <a:p>
             <a:fld id="{4CE2CE21-8E88-45A7-8312-239BEB16CE9A}" type="datetimeFigureOut">
               <a:rPr lang="de-CH" smtClean="0"/>
-              <a:t>18.09.2012</a:t>
+              <a:t>20.09.2012</a:t>
             </a:fld>
             <a:endParaRPr lang="de-CH"/>
           </a:p>
@@ -2509,7 +2510,7 @@
           <a:p>
             <a:fld id="{4CE2CE21-8E88-45A7-8312-239BEB16CE9A}" type="datetimeFigureOut">
               <a:rPr lang="de-CH" smtClean="0"/>
-              <a:t>18.09.2012</a:t>
+              <a:t>20.09.2012</a:t>
             </a:fld>
             <a:endParaRPr lang="de-CH"/>
           </a:p>
@@ -2722,7 +2723,7 @@
           <a:p>
             <a:fld id="{4CE2CE21-8E88-45A7-8312-239BEB16CE9A}" type="datetimeFigureOut">
               <a:rPr lang="de-CH" smtClean="0"/>
-              <a:t>18.09.2012</a:t>
+              <a:t>20.09.2012</a:t>
             </a:fld>
             <a:endParaRPr lang="de-CH"/>
           </a:p>
@@ -4983,6 +4984,96 @@
 </p:sld>
 </file>
 
+<file path=ppt/slides/slide4.xml><?xml version="1.0" encoding="utf-8"?>
+<p:sld xmlns:a="http://schemas.openxmlformats.org/drawingml/2006/main" xmlns:r="http://schemas.openxmlformats.org/officeDocument/2006/relationships" xmlns:p="http://schemas.openxmlformats.org/presentationml/2006/main">
+  <p:cSld>
+    <p:spTree>
+      <p:nvGrpSpPr>
+        <p:cNvPr id="1" name=""/>
+        <p:cNvGrpSpPr/>
+        <p:nvPr/>
+      </p:nvGrpSpPr>
+      <p:grpSpPr>
+        <a:xfrm>
+          <a:off x="0" y="0"/>
+          <a:ext cx="0" cy="0"/>
+          <a:chOff x="0" y="0"/>
+          <a:chExt cx="0" cy="0"/>
+        </a:xfrm>
+      </p:grpSpPr>
+      <p:sp>
+        <p:nvSpPr>
+          <p:cNvPr id="2" name="Title 1"/>
+          <p:cNvSpPr>
+            <a:spLocks noGrp="1"/>
+          </p:cNvSpPr>
+          <p:nvPr>
+            <p:ph type="title"/>
+          </p:nvPr>
+        </p:nvSpPr>
+        <p:spPr/>
+        <p:txBody>
+          <a:bodyPr/>
+          <a:lstStyle/>
+          <a:p>
+            <a:r>
+              <a:rPr lang="en-US" dirty="0" smtClean="0"/>
+              <a:t>Future Wishes</a:t>
+            </a:r>
+            <a:endParaRPr lang="de-CH" dirty="0"/>
+          </a:p>
+        </p:txBody>
+      </p:sp>
+      <p:sp>
+        <p:nvSpPr>
+          <p:cNvPr id="3" name="Content Placeholder 2"/>
+          <p:cNvSpPr>
+            <a:spLocks noGrp="1"/>
+          </p:cNvSpPr>
+          <p:nvPr>
+            <p:ph idx="1"/>
+          </p:nvPr>
+        </p:nvSpPr>
+        <p:spPr/>
+        <p:txBody>
+          <a:bodyPr/>
+          <a:lstStyle/>
+          <a:p>
+            <a:r>
+              <a:rPr lang="en-US" dirty="0" err="1" smtClean="0"/>
+              <a:t>Sales.Frontend</a:t>
+            </a:r>
+            <a:r>
+              <a:rPr lang="en-US" dirty="0" smtClean="0"/>
+              <a:t> should have a drop down list of facility categories</a:t>
+            </a:r>
+          </a:p>
+          <a:p>
+            <a:r>
+              <a:rPr lang="en-US" dirty="0" smtClean="0"/>
+              <a:t>When an order is accepted and the facility management is down longer than the order timeout facility should not process </a:t>
+            </a:r>
+            <a:r>
+              <a:rPr lang="en-US" smtClean="0"/>
+              <a:t>the order</a:t>
+            </a:r>
+            <a:endParaRPr lang="de-CH"/>
+          </a:p>
+        </p:txBody>
+      </p:sp>
+    </p:spTree>
+    <p:extLst>
+      <p:ext uri="{BB962C8B-B14F-4D97-AF65-F5344CB8AC3E}">
+        <p14:creationId xmlns:p14="http://schemas.microsoft.com/office/powerpoint/2010/main" val="2043259236"/>
+      </p:ext>
+    </p:extLst>
+  </p:cSld>
+  <p:clrMapOvr>
+    <a:masterClrMapping/>
+  </p:clrMapOvr>
+</p:sld>
+</file>
+
 <file path=ppt/theme/theme1.xml><?xml version="1.0" encoding="utf-8"?>
 <a:theme xmlns:a="http://schemas.openxmlformats.org/drawingml/2006/main" name="Office Theme">
   <a:themeElements>

--- a/SiriusCyberneticsCorp.ComplaintsDevision.pptx
+++ b/SiriusCyberneticsCorp.ComplaintsDevision.pptx
@@ -4,11 +4,18 @@
   <p:sldMasterIdLst>
     <p:sldMasterId id="2147483648" r:id="rId1"/>
   </p:sldMasterIdLst>
+  <p:notesMasterIdLst>
+    <p:notesMasterId r:id="rId10"/>
+  </p:notesMasterIdLst>
   <p:sldIdLst>
     <p:sldId id="256" r:id="rId2"/>
     <p:sldId id="258" r:id="rId3"/>
     <p:sldId id="257" r:id="rId4"/>
-    <p:sldId id="259" r:id="rId5"/>
+    <p:sldId id="260" r:id="rId5"/>
+    <p:sldId id="261" r:id="rId6"/>
+    <p:sldId id="262" r:id="rId7"/>
+    <p:sldId id="263" r:id="rId8"/>
+    <p:sldId id="259" r:id="rId9"/>
   </p:sldIdLst>
   <p:sldSz cx="9144000" cy="6858000" type="screen4x3"/>
   <p:notesSz cx="6858000" cy="9144000"/>
@@ -108,6 +115,777 @@
     </a:lvl9pPr>
   </p:defaultTextStyle>
 </p:presentation>
+</file>
+
+<file path=ppt/notesMasters/notesMaster1.xml><?xml version="1.0" encoding="utf-8"?>
+<p:notesMaster xmlns:a="http://schemas.openxmlformats.org/drawingml/2006/main" xmlns:r="http://schemas.openxmlformats.org/officeDocument/2006/relationships" xmlns:p="http://schemas.openxmlformats.org/presentationml/2006/main">
+  <p:cSld>
+    <p:bg>
+      <p:bgRef idx="1001">
+        <a:schemeClr val="bg1"/>
+      </p:bgRef>
+    </p:bg>
+    <p:spTree>
+      <p:nvGrpSpPr>
+        <p:cNvPr id="1" name=""/>
+        <p:cNvGrpSpPr/>
+        <p:nvPr/>
+      </p:nvGrpSpPr>
+      <p:grpSpPr>
+        <a:xfrm>
+          <a:off x="0" y="0"/>
+          <a:ext cx="0" cy="0"/>
+          <a:chOff x="0" y="0"/>
+          <a:chExt cx="0" cy="0"/>
+        </a:xfrm>
+      </p:grpSpPr>
+      <p:sp>
+        <p:nvSpPr>
+          <p:cNvPr id="2" name="Header Placeholder 1"/>
+          <p:cNvSpPr>
+            <a:spLocks noGrp="1"/>
+          </p:cNvSpPr>
+          <p:nvPr>
+            <p:ph type="hdr" sz="quarter"/>
+          </p:nvPr>
+        </p:nvSpPr>
+        <p:spPr>
+          <a:xfrm>
+            <a:off x="0" y="0"/>
+            <a:ext cx="2971800" cy="457200"/>
+          </a:xfrm>
+          <a:prstGeom prst="rect">
+            <a:avLst/>
+          </a:prstGeom>
+        </p:spPr>
+        <p:txBody>
+          <a:bodyPr vert="horz" lIns="91440" tIns="45720" rIns="91440" bIns="45720" rtlCol="0"/>
+          <a:lstStyle>
+            <a:lvl1pPr algn="l">
+              <a:defRPr sz="1200"/>
+            </a:lvl1pPr>
+          </a:lstStyle>
+          <a:p>
+            <a:endParaRPr lang="de-CH"/>
+          </a:p>
+        </p:txBody>
+      </p:sp>
+      <p:sp>
+        <p:nvSpPr>
+          <p:cNvPr id="3" name="Date Placeholder 2"/>
+          <p:cNvSpPr>
+            <a:spLocks noGrp="1"/>
+          </p:cNvSpPr>
+          <p:nvPr>
+            <p:ph type="dt" idx="1"/>
+          </p:nvPr>
+        </p:nvSpPr>
+        <p:spPr>
+          <a:xfrm>
+            <a:off x="3884613" y="0"/>
+            <a:ext cx="2971800" cy="457200"/>
+          </a:xfrm>
+          <a:prstGeom prst="rect">
+            <a:avLst/>
+          </a:prstGeom>
+        </p:spPr>
+        <p:txBody>
+          <a:bodyPr vert="horz" lIns="91440" tIns="45720" rIns="91440" bIns="45720" rtlCol="0"/>
+          <a:lstStyle>
+            <a:lvl1pPr algn="r">
+              <a:defRPr sz="1200"/>
+            </a:lvl1pPr>
+          </a:lstStyle>
+          <a:p>
+            <a:fld id="{9BCC8486-670A-4C00-AE60-61D7276FEF41}" type="datetimeFigureOut">
+              <a:rPr lang="de-CH" smtClean="0"/>
+              <a:t>20.09.2012</a:t>
+            </a:fld>
+            <a:endParaRPr lang="de-CH"/>
+          </a:p>
+        </p:txBody>
+      </p:sp>
+      <p:sp>
+        <p:nvSpPr>
+          <p:cNvPr id="4" name="Slide Image Placeholder 3"/>
+          <p:cNvSpPr>
+            <a:spLocks noGrp="1" noRot="1" noChangeAspect="1"/>
+          </p:cNvSpPr>
+          <p:nvPr>
+            <p:ph type="sldImg" idx="2"/>
+          </p:nvPr>
+        </p:nvSpPr>
+        <p:spPr>
+          <a:xfrm>
+            <a:off x="1143000" y="685800"/>
+            <a:ext cx="4572000" cy="3429000"/>
+          </a:xfrm>
+          <a:prstGeom prst="rect">
+            <a:avLst/>
+          </a:prstGeom>
+          <a:noFill/>
+          <a:ln w="12700">
+            <a:solidFill>
+              <a:prstClr val="black"/>
+            </a:solidFill>
+          </a:ln>
+        </p:spPr>
+        <p:txBody>
+          <a:bodyPr vert="horz" lIns="91440" tIns="45720" rIns="91440" bIns="45720" rtlCol="0" anchor="ctr"/>
+          <a:lstStyle/>
+          <a:p>
+            <a:endParaRPr lang="de-CH"/>
+          </a:p>
+        </p:txBody>
+      </p:sp>
+      <p:sp>
+        <p:nvSpPr>
+          <p:cNvPr id="5" name="Notes Placeholder 4"/>
+          <p:cNvSpPr>
+            <a:spLocks noGrp="1"/>
+          </p:cNvSpPr>
+          <p:nvPr>
+            <p:ph type="body" sz="quarter" idx="3"/>
+          </p:nvPr>
+        </p:nvSpPr>
+        <p:spPr>
+          <a:xfrm>
+            <a:off x="685800" y="4343400"/>
+            <a:ext cx="5486400" cy="4114800"/>
+          </a:xfrm>
+          <a:prstGeom prst="rect">
+            <a:avLst/>
+          </a:prstGeom>
+        </p:spPr>
+        <p:txBody>
+          <a:bodyPr vert="horz" lIns="91440" tIns="45720" rIns="91440" bIns="45720" rtlCol="0"/>
+          <a:lstStyle/>
+          <a:p>
+            <a:pPr lvl="0"/>
+            <a:r>
+              <a:rPr lang="en-US" smtClean="0"/>
+              <a:t>Click to edit Master text styles</a:t>
+            </a:r>
+          </a:p>
+          <a:p>
+            <a:pPr lvl="1"/>
+            <a:r>
+              <a:rPr lang="en-US" smtClean="0"/>
+              <a:t>Second level</a:t>
+            </a:r>
+          </a:p>
+          <a:p>
+            <a:pPr lvl="2"/>
+            <a:r>
+              <a:rPr lang="en-US" smtClean="0"/>
+              <a:t>Third level</a:t>
+            </a:r>
+          </a:p>
+          <a:p>
+            <a:pPr lvl="3"/>
+            <a:r>
+              <a:rPr lang="en-US" smtClean="0"/>
+              <a:t>Fourth level</a:t>
+            </a:r>
+          </a:p>
+          <a:p>
+            <a:pPr lvl="4"/>
+            <a:r>
+              <a:rPr lang="en-US" smtClean="0"/>
+              <a:t>Fifth level</a:t>
+            </a:r>
+            <a:endParaRPr lang="de-CH"/>
+          </a:p>
+        </p:txBody>
+      </p:sp>
+      <p:sp>
+        <p:nvSpPr>
+          <p:cNvPr id="6" name="Footer Placeholder 5"/>
+          <p:cNvSpPr>
+            <a:spLocks noGrp="1"/>
+          </p:cNvSpPr>
+          <p:nvPr>
+            <p:ph type="ftr" sz="quarter" idx="4"/>
+          </p:nvPr>
+        </p:nvSpPr>
+        <p:spPr>
+          <a:xfrm>
+            <a:off x="0" y="8685213"/>
+            <a:ext cx="2971800" cy="457200"/>
+          </a:xfrm>
+          <a:prstGeom prst="rect">
+            <a:avLst/>
+          </a:prstGeom>
+        </p:spPr>
+        <p:txBody>
+          <a:bodyPr vert="horz" lIns="91440" tIns="45720" rIns="91440" bIns="45720" rtlCol="0" anchor="b"/>
+          <a:lstStyle>
+            <a:lvl1pPr algn="l">
+              <a:defRPr sz="1200"/>
+            </a:lvl1pPr>
+          </a:lstStyle>
+          <a:p>
+            <a:endParaRPr lang="de-CH"/>
+          </a:p>
+        </p:txBody>
+      </p:sp>
+      <p:sp>
+        <p:nvSpPr>
+          <p:cNvPr id="7" name="Slide Number Placeholder 6"/>
+          <p:cNvSpPr>
+            <a:spLocks noGrp="1"/>
+          </p:cNvSpPr>
+          <p:nvPr>
+            <p:ph type="sldNum" sz="quarter" idx="5"/>
+          </p:nvPr>
+        </p:nvSpPr>
+        <p:spPr>
+          <a:xfrm>
+            <a:off x="3884613" y="8685213"/>
+            <a:ext cx="2971800" cy="457200"/>
+          </a:xfrm>
+          <a:prstGeom prst="rect">
+            <a:avLst/>
+          </a:prstGeom>
+        </p:spPr>
+        <p:txBody>
+          <a:bodyPr vert="horz" lIns="91440" tIns="45720" rIns="91440" bIns="45720" rtlCol="0" anchor="b"/>
+          <a:lstStyle>
+            <a:lvl1pPr algn="r">
+              <a:defRPr sz="1200"/>
+            </a:lvl1pPr>
+          </a:lstStyle>
+          <a:p>
+            <a:fld id="{ABC10AD5-0C56-4843-AD95-5421DF391F7B}" type="slidenum">
+              <a:rPr lang="de-CH" smtClean="0"/>
+              <a:t>‹#›</a:t>
+            </a:fld>
+            <a:endParaRPr lang="de-CH"/>
+          </a:p>
+        </p:txBody>
+      </p:sp>
+    </p:spTree>
+    <p:extLst>
+      <p:ext uri="{BB962C8B-B14F-4D97-AF65-F5344CB8AC3E}">
+        <p14:creationId xmlns:p14="http://schemas.microsoft.com/office/powerpoint/2010/main" val="1138734689"/>
+      </p:ext>
+    </p:extLst>
+  </p:cSld>
+  <p:clrMap bg1="lt1" tx1="dk1" bg2="lt2" tx2="dk2" accent1="accent1" accent2="accent2" accent3="accent3" accent4="accent4" accent5="accent5" accent6="accent6" hlink="hlink" folHlink="folHlink"/>
+  <p:notesStyle>
+    <a:lvl1pPr marL="0" algn="l" defTabSz="914400" rtl="0" eaLnBrk="1" latinLnBrk="0" hangingPunct="1">
+      <a:defRPr sz="1200" kern="1200">
+        <a:solidFill>
+          <a:schemeClr val="tx1"/>
+        </a:solidFill>
+        <a:latin typeface="+mn-lt"/>
+        <a:ea typeface="+mn-ea"/>
+        <a:cs typeface="+mn-cs"/>
+      </a:defRPr>
+    </a:lvl1pPr>
+    <a:lvl2pPr marL="457200" algn="l" defTabSz="914400" rtl="0" eaLnBrk="1" latinLnBrk="0" hangingPunct="1">
+      <a:defRPr sz="1200" kern="1200">
+        <a:solidFill>
+          <a:schemeClr val="tx1"/>
+        </a:solidFill>
+        <a:latin typeface="+mn-lt"/>
+        <a:ea typeface="+mn-ea"/>
+        <a:cs typeface="+mn-cs"/>
+      </a:defRPr>
+    </a:lvl2pPr>
+    <a:lvl3pPr marL="914400" algn="l" defTabSz="914400" rtl="0" eaLnBrk="1" latinLnBrk="0" hangingPunct="1">
+      <a:defRPr sz="1200" kern="1200">
+        <a:solidFill>
+          <a:schemeClr val="tx1"/>
+        </a:solidFill>
+        <a:latin typeface="+mn-lt"/>
+        <a:ea typeface="+mn-ea"/>
+        <a:cs typeface="+mn-cs"/>
+      </a:defRPr>
+    </a:lvl3pPr>
+    <a:lvl4pPr marL="1371600" algn="l" defTabSz="914400" rtl="0" eaLnBrk="1" latinLnBrk="0" hangingPunct="1">
+      <a:defRPr sz="1200" kern="1200">
+        <a:solidFill>
+          <a:schemeClr val="tx1"/>
+        </a:solidFill>
+        <a:latin typeface="+mn-lt"/>
+        <a:ea typeface="+mn-ea"/>
+        <a:cs typeface="+mn-cs"/>
+      </a:defRPr>
+    </a:lvl4pPr>
+    <a:lvl5pPr marL="1828800" algn="l" defTabSz="914400" rtl="0" eaLnBrk="1" latinLnBrk="0" hangingPunct="1">
+      <a:defRPr sz="1200" kern="1200">
+        <a:solidFill>
+          <a:schemeClr val="tx1"/>
+        </a:solidFill>
+        <a:latin typeface="+mn-lt"/>
+        <a:ea typeface="+mn-ea"/>
+        <a:cs typeface="+mn-cs"/>
+      </a:defRPr>
+    </a:lvl5pPr>
+    <a:lvl6pPr marL="2286000" algn="l" defTabSz="914400" rtl="0" eaLnBrk="1" latinLnBrk="0" hangingPunct="1">
+      <a:defRPr sz="1200" kern="1200">
+        <a:solidFill>
+          <a:schemeClr val="tx1"/>
+        </a:solidFill>
+        <a:latin typeface="+mn-lt"/>
+        <a:ea typeface="+mn-ea"/>
+        <a:cs typeface="+mn-cs"/>
+      </a:defRPr>
+    </a:lvl6pPr>
+    <a:lvl7pPr marL="2743200" algn="l" defTabSz="914400" rtl="0" eaLnBrk="1" latinLnBrk="0" hangingPunct="1">
+      <a:defRPr sz="1200" kern="1200">
+        <a:solidFill>
+          <a:schemeClr val="tx1"/>
+        </a:solidFill>
+        <a:latin typeface="+mn-lt"/>
+        <a:ea typeface="+mn-ea"/>
+        <a:cs typeface="+mn-cs"/>
+      </a:defRPr>
+    </a:lvl7pPr>
+    <a:lvl8pPr marL="3200400" algn="l" defTabSz="914400" rtl="0" eaLnBrk="1" latinLnBrk="0" hangingPunct="1">
+      <a:defRPr sz="1200" kern="1200">
+        <a:solidFill>
+          <a:schemeClr val="tx1"/>
+        </a:solidFill>
+        <a:latin typeface="+mn-lt"/>
+        <a:ea typeface="+mn-ea"/>
+        <a:cs typeface="+mn-cs"/>
+      </a:defRPr>
+    </a:lvl8pPr>
+    <a:lvl9pPr marL="3657600" algn="l" defTabSz="914400" rtl="0" eaLnBrk="1" latinLnBrk="0" hangingPunct="1">
+      <a:defRPr sz="1200" kern="1200">
+        <a:solidFill>
+          <a:schemeClr val="tx1"/>
+        </a:solidFill>
+        <a:latin typeface="+mn-lt"/>
+        <a:ea typeface="+mn-ea"/>
+        <a:cs typeface="+mn-cs"/>
+      </a:defRPr>
+    </a:lvl9pPr>
+  </p:notesStyle>
+</p:notesMaster>
+</file>
+
+<file path=ppt/notesSlides/notesSlide1.xml><?xml version="1.0" encoding="utf-8"?>
+<p:notes xmlns:a="http://schemas.openxmlformats.org/drawingml/2006/main" xmlns:r="http://schemas.openxmlformats.org/officeDocument/2006/relationships" xmlns:p="http://schemas.openxmlformats.org/presentationml/2006/main">
+  <p:cSld>
+    <p:spTree>
+      <p:nvGrpSpPr>
+        <p:cNvPr id="1" name=""/>
+        <p:cNvGrpSpPr/>
+        <p:nvPr/>
+      </p:nvGrpSpPr>
+      <p:grpSpPr>
+        <a:xfrm>
+          <a:off x="0" y="0"/>
+          <a:ext cx="0" cy="0"/>
+          <a:chOff x="0" y="0"/>
+          <a:chExt cx="0" cy="0"/>
+        </a:xfrm>
+      </p:grpSpPr>
+      <p:sp>
+        <p:nvSpPr>
+          <p:cNvPr id="2" name="Slide Image Placeholder 1"/>
+          <p:cNvSpPr>
+            <a:spLocks noGrp="1" noRot="1" noChangeAspect="1"/>
+          </p:cNvSpPr>
+          <p:nvPr>
+            <p:ph type="sldImg"/>
+          </p:nvPr>
+        </p:nvSpPr>
+        <p:spPr/>
+      </p:sp>
+      <p:sp>
+        <p:nvSpPr>
+          <p:cNvPr id="3" name="Notes Placeholder 2"/>
+          <p:cNvSpPr>
+            <a:spLocks noGrp="1"/>
+          </p:cNvSpPr>
+          <p:nvPr>
+            <p:ph type="body" idx="1"/>
+          </p:nvPr>
+        </p:nvSpPr>
+        <p:spPr/>
+        <p:txBody>
+          <a:bodyPr/>
+          <a:lstStyle/>
+          <a:p>
+            <a:r>
+              <a:rPr lang="de-CH" dirty="0" smtClean="0"/>
+              <a:t>Service Bus</a:t>
+            </a:r>
+          </a:p>
+          <a:p>
+            <a:endParaRPr lang="de-CH" dirty="0" smtClean="0"/>
+          </a:p>
+          <a:p>
+            <a:r>
+              <a:rPr lang="de-CH" dirty="0" err="1" smtClean="0"/>
+              <a:t>How</a:t>
+            </a:r>
+            <a:r>
+              <a:rPr lang="de-CH" dirty="0" smtClean="0"/>
+              <a:t> </a:t>
+            </a:r>
+            <a:r>
+              <a:rPr lang="de-CH" dirty="0" err="1" smtClean="0"/>
+              <a:t>to</a:t>
+            </a:r>
+            <a:r>
+              <a:rPr lang="de-CH" dirty="0" smtClean="0"/>
+              <a:t> </a:t>
+            </a:r>
+            <a:r>
+              <a:rPr lang="de-CH" dirty="0" err="1" smtClean="0"/>
+              <a:t>get</a:t>
+            </a:r>
+            <a:r>
+              <a:rPr lang="de-CH" dirty="0" smtClean="0"/>
+              <a:t> on </a:t>
+            </a:r>
+            <a:r>
+              <a:rPr lang="de-CH" dirty="0" err="1" smtClean="0"/>
+              <a:t>the</a:t>
+            </a:r>
+            <a:r>
+              <a:rPr lang="de-CH" dirty="0" smtClean="0"/>
+              <a:t> </a:t>
+            </a:r>
+            <a:r>
+              <a:rPr lang="de-CH" dirty="0" err="1" smtClean="0"/>
+              <a:t>bus</a:t>
+            </a:r>
+            <a:r>
+              <a:rPr lang="de-CH" dirty="0" smtClean="0"/>
+              <a:t>.</a:t>
+            </a:r>
+            <a:endParaRPr lang="de-CH" dirty="0"/>
+          </a:p>
+        </p:txBody>
+      </p:sp>
+      <p:sp>
+        <p:nvSpPr>
+          <p:cNvPr id="4" name="Slide Number Placeholder 3"/>
+          <p:cNvSpPr>
+            <a:spLocks noGrp="1"/>
+          </p:cNvSpPr>
+          <p:nvPr>
+            <p:ph type="sldNum" sz="quarter" idx="10"/>
+          </p:nvPr>
+        </p:nvSpPr>
+        <p:spPr/>
+        <p:txBody>
+          <a:bodyPr/>
+          <a:lstStyle/>
+          <a:p>
+            <a:fld id="{ABC10AD5-0C56-4843-AD95-5421DF391F7B}" type="slidenum">
+              <a:rPr lang="de-CH" smtClean="0"/>
+              <a:t>4</a:t>
+            </a:fld>
+            <a:endParaRPr lang="de-CH"/>
+          </a:p>
+        </p:txBody>
+      </p:sp>
+    </p:spTree>
+    <p:extLst>
+      <p:ext uri="{BB962C8B-B14F-4D97-AF65-F5344CB8AC3E}">
+        <p14:creationId xmlns:p14="http://schemas.microsoft.com/office/powerpoint/2010/main" val="3422016441"/>
+      </p:ext>
+    </p:extLst>
+  </p:cSld>
+  <p:clrMapOvr>
+    <a:masterClrMapping/>
+  </p:clrMapOvr>
+</p:notes>
+</file>
+
+<file path=ppt/notesSlides/notesSlide2.xml><?xml version="1.0" encoding="utf-8"?>
+<p:notes xmlns:a="http://schemas.openxmlformats.org/drawingml/2006/main" xmlns:r="http://schemas.openxmlformats.org/officeDocument/2006/relationships" xmlns:p="http://schemas.openxmlformats.org/presentationml/2006/main">
+  <p:cSld>
+    <p:spTree>
+      <p:nvGrpSpPr>
+        <p:cNvPr id="1" name=""/>
+        <p:cNvGrpSpPr/>
+        <p:nvPr/>
+      </p:nvGrpSpPr>
+      <p:grpSpPr>
+        <a:xfrm>
+          <a:off x="0" y="0"/>
+          <a:ext cx="0" cy="0"/>
+          <a:chOff x="0" y="0"/>
+          <a:chExt cx="0" cy="0"/>
+        </a:xfrm>
+      </p:grpSpPr>
+      <p:sp>
+        <p:nvSpPr>
+          <p:cNvPr id="2" name="Slide Image Placeholder 1"/>
+          <p:cNvSpPr>
+            <a:spLocks noGrp="1" noRot="1" noChangeAspect="1"/>
+          </p:cNvSpPr>
+          <p:nvPr>
+            <p:ph type="sldImg"/>
+          </p:nvPr>
+        </p:nvSpPr>
+        <p:spPr/>
+      </p:sp>
+      <p:sp>
+        <p:nvSpPr>
+          <p:cNvPr id="3" name="Notes Placeholder 2"/>
+          <p:cNvSpPr>
+            <a:spLocks noGrp="1"/>
+          </p:cNvSpPr>
+          <p:nvPr>
+            <p:ph type="body" idx="1"/>
+          </p:nvPr>
+        </p:nvSpPr>
+        <p:spPr/>
+        <p:txBody>
+          <a:bodyPr/>
+          <a:lstStyle/>
+          <a:p>
+            <a:r>
+              <a:rPr lang="de-CH" dirty="0" err="1" smtClean="0"/>
+              <a:t>Reliability</a:t>
+            </a:r>
+            <a:r>
+              <a:rPr lang="de-CH" dirty="0" smtClean="0"/>
+              <a:t> </a:t>
+            </a:r>
+            <a:r>
+              <a:rPr lang="de-CH" dirty="0" err="1" smtClean="0"/>
+              <a:t>and</a:t>
+            </a:r>
+            <a:r>
+              <a:rPr lang="de-CH" dirty="0" smtClean="0"/>
+              <a:t> </a:t>
+            </a:r>
+            <a:r>
+              <a:rPr lang="de-CH" dirty="0" err="1" smtClean="0"/>
+              <a:t>Commands</a:t>
+            </a:r>
+            <a:endParaRPr lang="de-CH" dirty="0"/>
+          </a:p>
+        </p:txBody>
+      </p:sp>
+      <p:sp>
+        <p:nvSpPr>
+          <p:cNvPr id="4" name="Slide Number Placeholder 3"/>
+          <p:cNvSpPr>
+            <a:spLocks noGrp="1"/>
+          </p:cNvSpPr>
+          <p:nvPr>
+            <p:ph type="sldNum" sz="quarter" idx="10"/>
+          </p:nvPr>
+        </p:nvSpPr>
+        <p:spPr/>
+        <p:txBody>
+          <a:bodyPr/>
+          <a:lstStyle/>
+          <a:p>
+            <a:fld id="{ABC10AD5-0C56-4843-AD95-5421DF391F7B}" type="slidenum">
+              <a:rPr lang="de-CH" smtClean="0"/>
+              <a:t>5</a:t>
+            </a:fld>
+            <a:endParaRPr lang="de-CH"/>
+          </a:p>
+        </p:txBody>
+      </p:sp>
+    </p:spTree>
+    <p:extLst>
+      <p:ext uri="{BB962C8B-B14F-4D97-AF65-F5344CB8AC3E}">
+        <p14:creationId xmlns:p14="http://schemas.microsoft.com/office/powerpoint/2010/main" val="3910899848"/>
+      </p:ext>
+    </p:extLst>
+  </p:cSld>
+  <p:clrMapOvr>
+    <a:masterClrMapping/>
+  </p:clrMapOvr>
+</p:notes>
+</file>
+
+<file path=ppt/notesSlides/notesSlide3.xml><?xml version="1.0" encoding="utf-8"?>
+<p:notes xmlns:a="http://schemas.openxmlformats.org/drawingml/2006/main" xmlns:r="http://schemas.openxmlformats.org/officeDocument/2006/relationships" xmlns:p="http://schemas.openxmlformats.org/presentationml/2006/main">
+  <p:cSld>
+    <p:spTree>
+      <p:nvGrpSpPr>
+        <p:cNvPr id="1" name=""/>
+        <p:cNvGrpSpPr/>
+        <p:nvPr/>
+      </p:nvGrpSpPr>
+      <p:grpSpPr>
+        <a:xfrm>
+          <a:off x="0" y="0"/>
+          <a:ext cx="0" cy="0"/>
+          <a:chOff x="0" y="0"/>
+          <a:chExt cx="0" cy="0"/>
+        </a:xfrm>
+      </p:grpSpPr>
+      <p:sp>
+        <p:nvSpPr>
+          <p:cNvPr id="2" name="Slide Image Placeholder 1"/>
+          <p:cNvSpPr>
+            <a:spLocks noGrp="1" noRot="1" noChangeAspect="1"/>
+          </p:cNvSpPr>
+          <p:nvPr>
+            <p:ph type="sldImg"/>
+          </p:nvPr>
+        </p:nvSpPr>
+        <p:spPr/>
+      </p:sp>
+      <p:sp>
+        <p:nvSpPr>
+          <p:cNvPr id="3" name="Notes Placeholder 2"/>
+          <p:cNvSpPr>
+            <a:spLocks noGrp="1"/>
+          </p:cNvSpPr>
+          <p:nvPr>
+            <p:ph type="body" idx="1"/>
+          </p:nvPr>
+        </p:nvSpPr>
+        <p:spPr/>
+        <p:txBody>
+          <a:bodyPr/>
+          <a:lstStyle/>
+          <a:p>
+            <a:r>
+              <a:rPr lang="de-CH" dirty="0" err="1" smtClean="0"/>
+              <a:t>Publish</a:t>
+            </a:r>
+            <a:r>
+              <a:rPr lang="de-CH" dirty="0" smtClean="0"/>
+              <a:t> / </a:t>
+            </a:r>
+            <a:r>
+              <a:rPr lang="de-CH" dirty="0" err="1" smtClean="0"/>
+              <a:t>Subscribe</a:t>
+            </a:r>
+            <a:endParaRPr lang="de-CH" dirty="0"/>
+          </a:p>
+        </p:txBody>
+      </p:sp>
+      <p:sp>
+        <p:nvSpPr>
+          <p:cNvPr id="4" name="Slide Number Placeholder 3"/>
+          <p:cNvSpPr>
+            <a:spLocks noGrp="1"/>
+          </p:cNvSpPr>
+          <p:nvPr>
+            <p:ph type="sldNum" sz="quarter" idx="10"/>
+          </p:nvPr>
+        </p:nvSpPr>
+        <p:spPr/>
+        <p:txBody>
+          <a:bodyPr/>
+          <a:lstStyle/>
+          <a:p>
+            <a:fld id="{ABC10AD5-0C56-4843-AD95-5421DF391F7B}" type="slidenum">
+              <a:rPr lang="de-CH" smtClean="0"/>
+              <a:t>6</a:t>
+            </a:fld>
+            <a:endParaRPr lang="de-CH"/>
+          </a:p>
+        </p:txBody>
+      </p:sp>
+    </p:spTree>
+    <p:extLst>
+      <p:ext uri="{BB962C8B-B14F-4D97-AF65-F5344CB8AC3E}">
+        <p14:creationId xmlns:p14="http://schemas.microsoft.com/office/powerpoint/2010/main" val="626795274"/>
+      </p:ext>
+    </p:extLst>
+  </p:cSld>
+  <p:clrMapOvr>
+    <a:masterClrMapping/>
+  </p:clrMapOvr>
+</p:notes>
+</file>
+
+<file path=ppt/notesSlides/notesSlide4.xml><?xml version="1.0" encoding="utf-8"?>
+<p:notes xmlns:a="http://schemas.openxmlformats.org/drawingml/2006/main" xmlns:r="http://schemas.openxmlformats.org/officeDocument/2006/relationships" xmlns:p="http://schemas.openxmlformats.org/presentationml/2006/main">
+  <p:cSld>
+    <p:spTree>
+      <p:nvGrpSpPr>
+        <p:cNvPr id="1" name=""/>
+        <p:cNvGrpSpPr/>
+        <p:nvPr/>
+      </p:nvGrpSpPr>
+      <p:grpSpPr>
+        <a:xfrm>
+          <a:off x="0" y="0"/>
+          <a:ext cx="0" cy="0"/>
+          <a:chOff x="0" y="0"/>
+          <a:chExt cx="0" cy="0"/>
+        </a:xfrm>
+      </p:grpSpPr>
+      <p:sp>
+        <p:nvSpPr>
+          <p:cNvPr id="2" name="Slide Image Placeholder 1"/>
+          <p:cNvSpPr>
+            <a:spLocks noGrp="1" noRot="1" noChangeAspect="1"/>
+          </p:cNvSpPr>
+          <p:nvPr>
+            <p:ph type="sldImg"/>
+          </p:nvPr>
+        </p:nvSpPr>
+        <p:spPr/>
+      </p:sp>
+      <p:sp>
+        <p:nvSpPr>
+          <p:cNvPr id="3" name="Notes Placeholder 2"/>
+          <p:cNvSpPr>
+            <a:spLocks noGrp="1"/>
+          </p:cNvSpPr>
+          <p:nvPr>
+            <p:ph type="body" idx="1"/>
+          </p:nvPr>
+        </p:nvSpPr>
+        <p:spPr/>
+        <p:txBody>
+          <a:bodyPr/>
+          <a:lstStyle/>
+          <a:p>
+            <a:r>
+              <a:rPr lang="de-CH" smtClean="0"/>
+              <a:t>Sagas</a:t>
+            </a:r>
+            <a:endParaRPr lang="de-CH"/>
+          </a:p>
+        </p:txBody>
+      </p:sp>
+      <p:sp>
+        <p:nvSpPr>
+          <p:cNvPr id="4" name="Slide Number Placeholder 3"/>
+          <p:cNvSpPr>
+            <a:spLocks noGrp="1"/>
+          </p:cNvSpPr>
+          <p:nvPr>
+            <p:ph type="sldNum" sz="quarter" idx="10"/>
+          </p:nvPr>
+        </p:nvSpPr>
+        <p:spPr/>
+        <p:txBody>
+          <a:bodyPr/>
+          <a:lstStyle/>
+          <a:p>
+            <a:fld id="{ABC10AD5-0C56-4843-AD95-5421DF391F7B}" type="slidenum">
+              <a:rPr lang="de-CH" smtClean="0"/>
+              <a:t>7</a:t>
+            </a:fld>
+            <a:endParaRPr lang="de-CH"/>
+          </a:p>
+        </p:txBody>
+      </p:sp>
+    </p:spTree>
+    <p:extLst>
+      <p:ext uri="{BB962C8B-B14F-4D97-AF65-F5344CB8AC3E}">
+        <p14:creationId xmlns:p14="http://schemas.microsoft.com/office/powerpoint/2010/main" val="3067742746"/>
+      </p:ext>
+    </p:extLst>
+  </p:cSld>
+  <p:clrMapOvr>
+    <a:masterClrMapping/>
+  </p:clrMapOvr>
+</p:notes>
 </file>
 
 <file path=ppt/slideLayouts/slideLayout1.xml><?xml version="1.0" encoding="utf-8"?>
@@ -4985,6 +5763,3652 @@
 </file>
 
 <file path=ppt/slides/slide4.xml><?xml version="1.0" encoding="utf-8"?>
+<p:sld xmlns:a="http://schemas.openxmlformats.org/drawingml/2006/main" xmlns:r="http://schemas.openxmlformats.org/officeDocument/2006/relationships" xmlns:p="http://schemas.openxmlformats.org/presentationml/2006/main">
+  <p:cSld>
+    <p:spTree>
+      <p:nvGrpSpPr>
+        <p:cNvPr id="1" name=""/>
+        <p:cNvGrpSpPr/>
+        <p:nvPr/>
+      </p:nvGrpSpPr>
+      <p:grpSpPr>
+        <a:xfrm>
+          <a:off x="0" y="0"/>
+          <a:ext cx="0" cy="0"/>
+          <a:chOff x="0" y="0"/>
+          <a:chExt cx="0" cy="0"/>
+        </a:xfrm>
+      </p:grpSpPr>
+      <p:sp>
+        <p:nvSpPr>
+          <p:cNvPr id="4" name="Rectangle 3"/>
+          <p:cNvSpPr/>
+          <p:nvPr/>
+        </p:nvSpPr>
+        <p:spPr>
+          <a:xfrm>
+            <a:off x="3563888" y="3933056"/>
+            <a:ext cx="1368152" cy="1728192"/>
+          </a:xfrm>
+          <a:prstGeom prst="rect">
+            <a:avLst/>
+          </a:prstGeom>
+          <a:solidFill>
+            <a:schemeClr val="accent6">
+              <a:lumMod val="60000"/>
+              <a:lumOff val="40000"/>
+            </a:schemeClr>
+          </a:solidFill>
+          <a:ln>
+            <a:noFill/>
+          </a:ln>
+        </p:spPr>
+        <p:style>
+          <a:lnRef idx="2">
+            <a:schemeClr val="accent1">
+              <a:shade val="50000"/>
+            </a:schemeClr>
+          </a:lnRef>
+          <a:fillRef idx="1">
+            <a:schemeClr val="accent1"/>
+          </a:fillRef>
+          <a:effectRef idx="0">
+            <a:schemeClr val="accent1"/>
+          </a:effectRef>
+          <a:fontRef idx="minor">
+            <a:schemeClr val="lt1"/>
+          </a:fontRef>
+        </p:style>
+        <p:txBody>
+          <a:bodyPr rtlCol="0" anchor="ctr"/>
+          <a:lstStyle/>
+          <a:p>
+            <a:pPr algn="ctr"/>
+            <a:r>
+              <a:rPr lang="en-US" dirty="0" smtClean="0">
+                <a:solidFill>
+                  <a:schemeClr val="tx1">
+                    <a:lumMod val="95000"/>
+                    <a:lumOff val="5000"/>
+                  </a:schemeClr>
+                </a:solidFill>
+              </a:rPr>
+              <a:t>Complaint</a:t>
+            </a:r>
+            <a:endParaRPr lang="de-CH" dirty="0">
+              <a:solidFill>
+                <a:schemeClr val="tx1">
+                  <a:lumMod val="95000"/>
+                  <a:lumOff val="5000"/>
+                </a:schemeClr>
+              </a:solidFill>
+            </a:endParaRPr>
+          </a:p>
+        </p:txBody>
+      </p:sp>
+      <p:grpSp>
+        <p:nvGrpSpPr>
+          <p:cNvPr id="23" name="Group 22"/>
+          <p:cNvGrpSpPr/>
+          <p:nvPr/>
+        </p:nvGrpSpPr>
+        <p:grpSpPr>
+          <a:xfrm>
+            <a:off x="6557754" y="5359063"/>
+            <a:ext cx="2375756" cy="1296144"/>
+            <a:chOff x="6768244" y="4005064"/>
+            <a:chExt cx="2375756" cy="1296144"/>
+          </a:xfrm>
+        </p:grpSpPr>
+        <p:sp>
+          <p:nvSpPr>
+            <p:cNvPr id="24" name="Rectangle 23"/>
+            <p:cNvSpPr/>
+            <p:nvPr/>
+          </p:nvSpPr>
+          <p:spPr>
+            <a:xfrm>
+              <a:off x="6768244" y="4005064"/>
+              <a:ext cx="2375756" cy="1296144"/>
+            </a:xfrm>
+            <a:prstGeom prst="rect">
+              <a:avLst/>
+            </a:prstGeom>
+            <a:solidFill>
+              <a:schemeClr val="bg1">
+                <a:lumMod val="85000"/>
+              </a:schemeClr>
+            </a:solidFill>
+            <a:ln>
+              <a:noFill/>
+            </a:ln>
+          </p:spPr>
+          <p:style>
+            <a:lnRef idx="2">
+              <a:schemeClr val="accent1">
+                <a:shade val="50000"/>
+              </a:schemeClr>
+            </a:lnRef>
+            <a:fillRef idx="1">
+              <a:schemeClr val="accent1"/>
+            </a:fillRef>
+            <a:effectRef idx="0">
+              <a:schemeClr val="accent1"/>
+            </a:effectRef>
+            <a:fontRef idx="minor">
+              <a:schemeClr val="lt1"/>
+            </a:fontRef>
+          </p:style>
+          <p:txBody>
+            <a:bodyPr rtlCol="0" anchor="ctr"/>
+            <a:lstStyle/>
+            <a:p>
+              <a:pPr algn="ctr"/>
+              <a:endParaRPr lang="de-CH"/>
+            </a:p>
+          </p:txBody>
+        </p:sp>
+        <p:cxnSp>
+          <p:nvCxnSpPr>
+            <p:cNvPr id="25" name="Straight Arrow Connector 24"/>
+            <p:cNvCxnSpPr/>
+            <p:nvPr/>
+          </p:nvCxnSpPr>
+          <p:spPr>
+            <a:xfrm flipV="1">
+              <a:off x="6876256" y="4062339"/>
+              <a:ext cx="432048" cy="432048"/>
+            </a:xfrm>
+            <a:prstGeom prst="straightConnector1">
+              <a:avLst/>
+            </a:prstGeom>
+            <a:ln w="28575">
+              <a:solidFill>
+                <a:schemeClr val="accent2"/>
+              </a:solidFill>
+              <a:tailEnd type="arrow"/>
+            </a:ln>
+          </p:spPr>
+          <p:style>
+            <a:lnRef idx="1">
+              <a:schemeClr val="accent1"/>
+            </a:lnRef>
+            <a:fillRef idx="0">
+              <a:schemeClr val="accent1"/>
+            </a:fillRef>
+            <a:effectRef idx="0">
+              <a:schemeClr val="accent1"/>
+            </a:effectRef>
+            <a:fontRef idx="minor">
+              <a:schemeClr val="tx1"/>
+            </a:fontRef>
+          </p:style>
+        </p:cxnSp>
+        <p:sp>
+          <p:nvSpPr>
+            <p:cNvPr id="26" name="TextBox 25"/>
+            <p:cNvSpPr txBox="1"/>
+            <p:nvPr/>
+          </p:nvSpPr>
+          <p:spPr>
+            <a:xfrm>
+              <a:off x="7321223" y="4063500"/>
+              <a:ext cx="1535998" cy="430887"/>
+            </a:xfrm>
+            <a:prstGeom prst="rect">
+              <a:avLst/>
+            </a:prstGeom>
+            <a:noFill/>
+          </p:spPr>
+          <p:txBody>
+            <a:bodyPr wrap="none" rtlCol="0">
+              <a:spAutoFit/>
+            </a:bodyPr>
+            <a:lstStyle/>
+            <a:p>
+              <a:r>
+                <a:rPr lang="en-US" sz="1100" b="1" dirty="0" smtClean="0"/>
+                <a:t>Event</a:t>
+              </a:r>
+              <a:r>
+                <a:rPr lang="en-US" sz="1100" dirty="0" smtClean="0"/>
+                <a:t/>
+              </a:r>
+              <a:br>
+                <a:rPr lang="en-US" sz="1100" dirty="0" smtClean="0"/>
+              </a:br>
+              <a:r>
+                <a:rPr lang="en-US" sz="1100" dirty="0" smtClean="0"/>
+                <a:t>Published or Consumed</a:t>
+              </a:r>
+              <a:endParaRPr lang="de-CH" sz="1100" dirty="0"/>
+            </a:p>
+          </p:txBody>
+        </p:sp>
+        <p:cxnSp>
+          <p:nvCxnSpPr>
+            <p:cNvPr id="27" name="Straight Arrow Connector 26"/>
+            <p:cNvCxnSpPr/>
+            <p:nvPr/>
+          </p:nvCxnSpPr>
+          <p:spPr>
+            <a:xfrm>
+              <a:off x="6876256" y="4864395"/>
+              <a:ext cx="444967" cy="0"/>
+            </a:xfrm>
+            <a:prstGeom prst="straightConnector1">
+              <a:avLst/>
+            </a:prstGeom>
+            <a:ln w="28575">
+              <a:tailEnd type="arrow"/>
+            </a:ln>
+          </p:spPr>
+          <p:style>
+            <a:lnRef idx="1">
+              <a:schemeClr val="accent1"/>
+            </a:lnRef>
+            <a:fillRef idx="0">
+              <a:schemeClr val="accent1"/>
+            </a:fillRef>
+            <a:effectRef idx="0">
+              <a:schemeClr val="accent1"/>
+            </a:effectRef>
+            <a:fontRef idx="minor">
+              <a:schemeClr val="tx1"/>
+            </a:fontRef>
+          </p:style>
+        </p:cxnSp>
+        <p:sp>
+          <p:nvSpPr>
+            <p:cNvPr id="28" name="TextBox 27"/>
+            <p:cNvSpPr txBox="1"/>
+            <p:nvPr/>
+          </p:nvSpPr>
+          <p:spPr>
+            <a:xfrm>
+              <a:off x="7321223" y="4641659"/>
+              <a:ext cx="785793" cy="430887"/>
+            </a:xfrm>
+            <a:prstGeom prst="rect">
+              <a:avLst/>
+            </a:prstGeom>
+            <a:noFill/>
+          </p:spPr>
+          <p:txBody>
+            <a:bodyPr wrap="none" rtlCol="0">
+              <a:spAutoFit/>
+            </a:bodyPr>
+            <a:lstStyle/>
+            <a:p>
+              <a:r>
+                <a:rPr lang="en-US" sz="1100" b="1" dirty="0" smtClean="0"/>
+                <a:t>Command</a:t>
+              </a:r>
+              <a:r>
+                <a:rPr lang="en-US" sz="1100" dirty="0" smtClean="0"/>
+                <a:t/>
+              </a:r>
+              <a:br>
+                <a:rPr lang="en-US" sz="1100" dirty="0" smtClean="0"/>
+              </a:br>
+              <a:r>
+                <a:rPr lang="en-US" sz="1100" dirty="0" smtClean="0"/>
+                <a:t>Received</a:t>
+              </a:r>
+              <a:endParaRPr lang="de-CH" sz="1100" dirty="0"/>
+            </a:p>
+          </p:txBody>
+        </p:sp>
+      </p:grpSp>
+      <p:sp>
+        <p:nvSpPr>
+          <p:cNvPr id="31" name="Rectangle 30"/>
+          <p:cNvSpPr/>
+          <p:nvPr/>
+        </p:nvSpPr>
+        <p:spPr>
+          <a:xfrm>
+            <a:off x="3721505" y="5661248"/>
+            <a:ext cx="432048" cy="936104"/>
+          </a:xfrm>
+          <a:prstGeom prst="rect">
+            <a:avLst/>
+          </a:prstGeom>
+          <a:solidFill>
+            <a:schemeClr val="accent6">
+              <a:lumMod val="75000"/>
+            </a:schemeClr>
+          </a:solidFill>
+          <a:ln>
+            <a:noFill/>
+          </a:ln>
+        </p:spPr>
+        <p:style>
+          <a:lnRef idx="2">
+            <a:schemeClr val="accent1">
+              <a:shade val="50000"/>
+            </a:schemeClr>
+          </a:lnRef>
+          <a:fillRef idx="1">
+            <a:schemeClr val="accent1"/>
+          </a:fillRef>
+          <a:effectRef idx="0">
+            <a:schemeClr val="accent1"/>
+          </a:effectRef>
+          <a:fontRef idx="minor">
+            <a:schemeClr val="lt1"/>
+          </a:fontRef>
+        </p:style>
+        <p:txBody>
+          <a:bodyPr vert="vert" rtlCol="0" anchor="ctr"/>
+          <a:lstStyle/>
+          <a:p>
+            <a:pPr algn="ctr"/>
+            <a:r>
+              <a:rPr lang="en-US" sz="1200" dirty="0" smtClean="0"/>
+              <a:t>Frontend</a:t>
+            </a:r>
+            <a:endParaRPr lang="de-CH" sz="1200" dirty="0"/>
+          </a:p>
+        </p:txBody>
+      </p:sp>
+      <p:sp>
+        <p:nvSpPr>
+          <p:cNvPr id="32" name="Rectangle 31"/>
+          <p:cNvSpPr/>
+          <p:nvPr/>
+        </p:nvSpPr>
+        <p:spPr>
+          <a:xfrm>
+            <a:off x="4339717" y="5661248"/>
+            <a:ext cx="432048" cy="936104"/>
+          </a:xfrm>
+          <a:prstGeom prst="rect">
+            <a:avLst/>
+          </a:prstGeom>
+          <a:solidFill>
+            <a:schemeClr val="accent6">
+              <a:lumMod val="75000"/>
+            </a:schemeClr>
+          </a:solidFill>
+          <a:ln>
+            <a:noFill/>
+          </a:ln>
+        </p:spPr>
+        <p:style>
+          <a:lnRef idx="2">
+            <a:schemeClr val="accent1">
+              <a:shade val="50000"/>
+            </a:schemeClr>
+          </a:lnRef>
+          <a:fillRef idx="1">
+            <a:schemeClr val="accent1"/>
+          </a:fillRef>
+          <a:effectRef idx="0">
+            <a:schemeClr val="accent1"/>
+          </a:effectRef>
+          <a:fontRef idx="minor">
+            <a:schemeClr val="lt1"/>
+          </a:fontRef>
+        </p:style>
+        <p:txBody>
+          <a:bodyPr vert="vert" rtlCol="0" anchor="ctr"/>
+          <a:lstStyle/>
+          <a:p>
+            <a:pPr algn="ctr"/>
+            <a:r>
+              <a:rPr lang="en-US" sz="1200" dirty="0" smtClean="0"/>
+              <a:t>Backend</a:t>
+            </a:r>
+            <a:endParaRPr lang="de-CH" sz="1200" dirty="0"/>
+          </a:p>
+        </p:txBody>
+      </p:sp>
+    </p:spTree>
+    <p:extLst>
+      <p:ext uri="{BB962C8B-B14F-4D97-AF65-F5344CB8AC3E}">
+        <p14:creationId xmlns:p14="http://schemas.microsoft.com/office/powerpoint/2010/main" val="401044705"/>
+      </p:ext>
+    </p:extLst>
+  </p:cSld>
+  <p:clrMapOvr>
+    <a:masterClrMapping/>
+  </p:clrMapOvr>
+</p:sld>
+</file>
+
+<file path=ppt/slides/slide5.xml><?xml version="1.0" encoding="utf-8"?>
+<p:sld xmlns:a="http://schemas.openxmlformats.org/drawingml/2006/main" xmlns:r="http://schemas.openxmlformats.org/officeDocument/2006/relationships" xmlns:p="http://schemas.openxmlformats.org/presentationml/2006/main">
+  <p:cSld>
+    <p:spTree>
+      <p:nvGrpSpPr>
+        <p:cNvPr id="1" name=""/>
+        <p:cNvGrpSpPr/>
+        <p:nvPr/>
+      </p:nvGrpSpPr>
+      <p:grpSpPr>
+        <a:xfrm>
+          <a:off x="0" y="0"/>
+          <a:ext cx="0" cy="0"/>
+          <a:chOff x="0" y="0"/>
+          <a:chExt cx="0" cy="0"/>
+        </a:xfrm>
+      </p:grpSpPr>
+      <p:sp>
+        <p:nvSpPr>
+          <p:cNvPr id="4" name="Rectangle 3"/>
+          <p:cNvSpPr/>
+          <p:nvPr/>
+        </p:nvSpPr>
+        <p:spPr>
+          <a:xfrm>
+            <a:off x="3563888" y="3933056"/>
+            <a:ext cx="1368152" cy="1728192"/>
+          </a:xfrm>
+          <a:prstGeom prst="rect">
+            <a:avLst/>
+          </a:prstGeom>
+          <a:solidFill>
+            <a:schemeClr val="accent6">
+              <a:lumMod val="60000"/>
+              <a:lumOff val="40000"/>
+            </a:schemeClr>
+          </a:solidFill>
+          <a:ln>
+            <a:noFill/>
+          </a:ln>
+        </p:spPr>
+        <p:style>
+          <a:lnRef idx="2">
+            <a:schemeClr val="accent1">
+              <a:shade val="50000"/>
+            </a:schemeClr>
+          </a:lnRef>
+          <a:fillRef idx="1">
+            <a:schemeClr val="accent1"/>
+          </a:fillRef>
+          <a:effectRef idx="0">
+            <a:schemeClr val="accent1"/>
+          </a:effectRef>
+          <a:fontRef idx="minor">
+            <a:schemeClr val="lt1"/>
+          </a:fontRef>
+        </p:style>
+        <p:txBody>
+          <a:bodyPr rtlCol="0" anchor="ctr"/>
+          <a:lstStyle/>
+          <a:p>
+            <a:pPr algn="ctr"/>
+            <a:r>
+              <a:rPr lang="en-US" dirty="0" smtClean="0">
+                <a:solidFill>
+                  <a:schemeClr val="tx1">
+                    <a:lumMod val="95000"/>
+                    <a:lumOff val="5000"/>
+                  </a:schemeClr>
+                </a:solidFill>
+              </a:rPr>
+              <a:t>Complaint</a:t>
+            </a:r>
+            <a:endParaRPr lang="de-CH" dirty="0">
+              <a:solidFill>
+                <a:schemeClr val="tx1">
+                  <a:lumMod val="95000"/>
+                  <a:lumOff val="5000"/>
+                </a:schemeClr>
+              </a:solidFill>
+            </a:endParaRPr>
+          </a:p>
+        </p:txBody>
+      </p:sp>
+      <p:cxnSp>
+        <p:nvCxnSpPr>
+          <p:cNvPr id="12" name="Straight Arrow Connector 11"/>
+          <p:cNvCxnSpPr/>
+          <p:nvPr/>
+        </p:nvCxnSpPr>
+        <p:spPr>
+          <a:xfrm>
+            <a:off x="2699792" y="4581128"/>
+            <a:ext cx="864096" cy="0"/>
+          </a:xfrm>
+          <a:prstGeom prst="straightConnector1">
+            <a:avLst/>
+          </a:prstGeom>
+          <a:ln w="28575">
+            <a:tailEnd type="arrow"/>
+          </a:ln>
+        </p:spPr>
+        <p:style>
+          <a:lnRef idx="1">
+            <a:schemeClr val="accent1"/>
+          </a:lnRef>
+          <a:fillRef idx="0">
+            <a:schemeClr val="accent1"/>
+          </a:fillRef>
+          <a:effectRef idx="0">
+            <a:schemeClr val="accent1"/>
+          </a:effectRef>
+          <a:fontRef idx="minor">
+            <a:schemeClr val="tx1"/>
+          </a:fontRef>
+        </p:style>
+      </p:cxnSp>
+      <p:sp>
+        <p:nvSpPr>
+          <p:cNvPr id="13" name="TextBox 12"/>
+          <p:cNvSpPr txBox="1"/>
+          <p:nvPr/>
+        </p:nvSpPr>
+        <p:spPr>
+          <a:xfrm>
+            <a:off x="2237884" y="4576363"/>
+            <a:ext cx="1326004" cy="307777"/>
+          </a:xfrm>
+          <a:prstGeom prst="rect">
+            <a:avLst/>
+          </a:prstGeom>
+          <a:noFill/>
+        </p:spPr>
+        <p:txBody>
+          <a:bodyPr wrap="none" rtlCol="0">
+            <a:spAutoFit/>
+          </a:bodyPr>
+          <a:lstStyle/>
+          <a:p>
+            <a:r>
+              <a:rPr lang="en-US" sz="1400" dirty="0" err="1" smtClean="0"/>
+              <a:t>ComplainAbout</a:t>
+            </a:r>
+            <a:endParaRPr lang="de-CH" dirty="0"/>
+          </a:p>
+        </p:txBody>
+      </p:sp>
+      <p:grpSp>
+        <p:nvGrpSpPr>
+          <p:cNvPr id="36" name="Group 35"/>
+          <p:cNvGrpSpPr/>
+          <p:nvPr/>
+        </p:nvGrpSpPr>
+        <p:grpSpPr>
+          <a:xfrm>
+            <a:off x="6557754" y="5359063"/>
+            <a:ext cx="2375756" cy="1296144"/>
+            <a:chOff x="6768244" y="4005064"/>
+            <a:chExt cx="2375756" cy="1296144"/>
+          </a:xfrm>
+        </p:grpSpPr>
+        <p:sp>
+          <p:nvSpPr>
+            <p:cNvPr id="31" name="Rectangle 30"/>
+            <p:cNvSpPr/>
+            <p:nvPr/>
+          </p:nvSpPr>
+          <p:spPr>
+            <a:xfrm>
+              <a:off x="6768244" y="4005064"/>
+              <a:ext cx="2375756" cy="1296144"/>
+            </a:xfrm>
+            <a:prstGeom prst="rect">
+              <a:avLst/>
+            </a:prstGeom>
+            <a:solidFill>
+              <a:schemeClr val="bg1">
+                <a:lumMod val="85000"/>
+              </a:schemeClr>
+            </a:solidFill>
+            <a:ln>
+              <a:noFill/>
+            </a:ln>
+          </p:spPr>
+          <p:style>
+            <a:lnRef idx="2">
+              <a:schemeClr val="accent1">
+                <a:shade val="50000"/>
+              </a:schemeClr>
+            </a:lnRef>
+            <a:fillRef idx="1">
+              <a:schemeClr val="accent1"/>
+            </a:fillRef>
+            <a:effectRef idx="0">
+              <a:schemeClr val="accent1"/>
+            </a:effectRef>
+            <a:fontRef idx="minor">
+              <a:schemeClr val="lt1"/>
+            </a:fontRef>
+          </p:style>
+          <p:txBody>
+            <a:bodyPr rtlCol="0" anchor="ctr"/>
+            <a:lstStyle/>
+            <a:p>
+              <a:pPr algn="ctr"/>
+              <a:endParaRPr lang="de-CH"/>
+            </a:p>
+          </p:txBody>
+        </p:sp>
+        <p:cxnSp>
+          <p:nvCxnSpPr>
+            <p:cNvPr id="30" name="Straight Arrow Connector 29"/>
+            <p:cNvCxnSpPr/>
+            <p:nvPr/>
+          </p:nvCxnSpPr>
+          <p:spPr>
+            <a:xfrm flipV="1">
+              <a:off x="6876256" y="4062339"/>
+              <a:ext cx="432048" cy="432048"/>
+            </a:xfrm>
+            <a:prstGeom prst="straightConnector1">
+              <a:avLst/>
+            </a:prstGeom>
+            <a:ln w="28575">
+              <a:solidFill>
+                <a:schemeClr val="accent2"/>
+              </a:solidFill>
+              <a:tailEnd type="arrow"/>
+            </a:ln>
+          </p:spPr>
+          <p:style>
+            <a:lnRef idx="1">
+              <a:schemeClr val="accent1"/>
+            </a:lnRef>
+            <a:fillRef idx="0">
+              <a:schemeClr val="accent1"/>
+            </a:fillRef>
+            <a:effectRef idx="0">
+              <a:schemeClr val="accent1"/>
+            </a:effectRef>
+            <a:fontRef idx="minor">
+              <a:schemeClr val="tx1"/>
+            </a:fontRef>
+          </p:style>
+        </p:cxnSp>
+        <p:sp>
+          <p:nvSpPr>
+            <p:cNvPr id="32" name="TextBox 31"/>
+            <p:cNvSpPr txBox="1"/>
+            <p:nvPr/>
+          </p:nvSpPr>
+          <p:spPr>
+            <a:xfrm>
+              <a:off x="7321223" y="4063500"/>
+              <a:ext cx="1535998" cy="430887"/>
+            </a:xfrm>
+            <a:prstGeom prst="rect">
+              <a:avLst/>
+            </a:prstGeom>
+            <a:noFill/>
+          </p:spPr>
+          <p:txBody>
+            <a:bodyPr wrap="none" rtlCol="0">
+              <a:spAutoFit/>
+            </a:bodyPr>
+            <a:lstStyle/>
+            <a:p>
+              <a:r>
+                <a:rPr lang="en-US" sz="1100" b="1" dirty="0" smtClean="0"/>
+                <a:t>Event</a:t>
+              </a:r>
+              <a:r>
+                <a:rPr lang="en-US" sz="1100" dirty="0" smtClean="0"/>
+                <a:t/>
+              </a:r>
+              <a:br>
+                <a:rPr lang="en-US" sz="1100" dirty="0" smtClean="0"/>
+              </a:br>
+              <a:r>
+                <a:rPr lang="en-US" sz="1100" dirty="0" smtClean="0"/>
+                <a:t>Published or Consumed</a:t>
+              </a:r>
+              <a:endParaRPr lang="de-CH" sz="1100" dirty="0"/>
+            </a:p>
+          </p:txBody>
+        </p:sp>
+        <p:cxnSp>
+          <p:nvCxnSpPr>
+            <p:cNvPr id="33" name="Straight Arrow Connector 32"/>
+            <p:cNvCxnSpPr/>
+            <p:nvPr/>
+          </p:nvCxnSpPr>
+          <p:spPr>
+            <a:xfrm>
+              <a:off x="6876256" y="4864395"/>
+              <a:ext cx="444967" cy="0"/>
+            </a:xfrm>
+            <a:prstGeom prst="straightConnector1">
+              <a:avLst/>
+            </a:prstGeom>
+            <a:ln w="28575">
+              <a:tailEnd type="arrow"/>
+            </a:ln>
+          </p:spPr>
+          <p:style>
+            <a:lnRef idx="1">
+              <a:schemeClr val="accent1"/>
+            </a:lnRef>
+            <a:fillRef idx="0">
+              <a:schemeClr val="accent1"/>
+            </a:fillRef>
+            <a:effectRef idx="0">
+              <a:schemeClr val="accent1"/>
+            </a:effectRef>
+            <a:fontRef idx="minor">
+              <a:schemeClr val="tx1"/>
+            </a:fontRef>
+          </p:style>
+        </p:cxnSp>
+        <p:sp>
+          <p:nvSpPr>
+            <p:cNvPr id="35" name="TextBox 34"/>
+            <p:cNvSpPr txBox="1"/>
+            <p:nvPr/>
+          </p:nvSpPr>
+          <p:spPr>
+            <a:xfrm>
+              <a:off x="7321223" y="4641659"/>
+              <a:ext cx="785793" cy="430887"/>
+            </a:xfrm>
+            <a:prstGeom prst="rect">
+              <a:avLst/>
+            </a:prstGeom>
+            <a:noFill/>
+          </p:spPr>
+          <p:txBody>
+            <a:bodyPr wrap="none" rtlCol="0">
+              <a:spAutoFit/>
+            </a:bodyPr>
+            <a:lstStyle/>
+            <a:p>
+              <a:r>
+                <a:rPr lang="en-US" sz="1100" b="1" dirty="0" smtClean="0"/>
+                <a:t>Command</a:t>
+              </a:r>
+              <a:r>
+                <a:rPr lang="en-US" sz="1100" dirty="0" smtClean="0"/>
+                <a:t/>
+              </a:r>
+              <a:br>
+                <a:rPr lang="en-US" sz="1100" dirty="0" smtClean="0"/>
+              </a:br>
+              <a:r>
+                <a:rPr lang="en-US" sz="1100" dirty="0" smtClean="0"/>
+                <a:t>Received</a:t>
+              </a:r>
+              <a:endParaRPr lang="de-CH" sz="1100" dirty="0"/>
+            </a:p>
+          </p:txBody>
+        </p:sp>
+      </p:grpSp>
+      <p:sp>
+        <p:nvSpPr>
+          <p:cNvPr id="39" name="Rectangle 38"/>
+          <p:cNvSpPr/>
+          <p:nvPr/>
+        </p:nvSpPr>
+        <p:spPr>
+          <a:xfrm>
+            <a:off x="3721505" y="5661248"/>
+            <a:ext cx="432048" cy="936104"/>
+          </a:xfrm>
+          <a:prstGeom prst="rect">
+            <a:avLst/>
+          </a:prstGeom>
+          <a:solidFill>
+            <a:schemeClr val="accent6">
+              <a:lumMod val="75000"/>
+            </a:schemeClr>
+          </a:solidFill>
+          <a:ln>
+            <a:noFill/>
+          </a:ln>
+        </p:spPr>
+        <p:style>
+          <a:lnRef idx="2">
+            <a:schemeClr val="accent1">
+              <a:shade val="50000"/>
+            </a:schemeClr>
+          </a:lnRef>
+          <a:fillRef idx="1">
+            <a:schemeClr val="accent1"/>
+          </a:fillRef>
+          <a:effectRef idx="0">
+            <a:schemeClr val="accent1"/>
+          </a:effectRef>
+          <a:fontRef idx="minor">
+            <a:schemeClr val="lt1"/>
+          </a:fontRef>
+        </p:style>
+        <p:txBody>
+          <a:bodyPr vert="vert" rtlCol="0" anchor="ctr"/>
+          <a:lstStyle/>
+          <a:p>
+            <a:pPr algn="ctr"/>
+            <a:r>
+              <a:rPr lang="en-US" sz="1200" dirty="0" smtClean="0"/>
+              <a:t>Frontend</a:t>
+            </a:r>
+            <a:endParaRPr lang="de-CH" sz="1200" dirty="0"/>
+          </a:p>
+        </p:txBody>
+      </p:sp>
+      <p:sp>
+        <p:nvSpPr>
+          <p:cNvPr id="40" name="Rectangle 39"/>
+          <p:cNvSpPr/>
+          <p:nvPr/>
+        </p:nvSpPr>
+        <p:spPr>
+          <a:xfrm>
+            <a:off x="4339717" y="5661248"/>
+            <a:ext cx="432048" cy="936104"/>
+          </a:xfrm>
+          <a:prstGeom prst="rect">
+            <a:avLst/>
+          </a:prstGeom>
+          <a:solidFill>
+            <a:schemeClr val="accent6">
+              <a:lumMod val="75000"/>
+            </a:schemeClr>
+          </a:solidFill>
+          <a:ln>
+            <a:noFill/>
+          </a:ln>
+        </p:spPr>
+        <p:style>
+          <a:lnRef idx="2">
+            <a:schemeClr val="accent1">
+              <a:shade val="50000"/>
+            </a:schemeClr>
+          </a:lnRef>
+          <a:fillRef idx="1">
+            <a:schemeClr val="accent1"/>
+          </a:fillRef>
+          <a:effectRef idx="0">
+            <a:schemeClr val="accent1"/>
+          </a:effectRef>
+          <a:fontRef idx="minor">
+            <a:schemeClr val="lt1"/>
+          </a:fontRef>
+        </p:style>
+        <p:txBody>
+          <a:bodyPr vert="vert" rtlCol="0" anchor="ctr"/>
+          <a:lstStyle/>
+          <a:p>
+            <a:pPr algn="ctr"/>
+            <a:r>
+              <a:rPr lang="en-US" sz="1200" dirty="0" smtClean="0"/>
+              <a:t>Backend</a:t>
+            </a:r>
+            <a:endParaRPr lang="de-CH" sz="1200" dirty="0"/>
+          </a:p>
+        </p:txBody>
+      </p:sp>
+    </p:spTree>
+    <p:extLst>
+      <p:ext uri="{BB962C8B-B14F-4D97-AF65-F5344CB8AC3E}">
+        <p14:creationId xmlns:p14="http://schemas.microsoft.com/office/powerpoint/2010/main" val="2385980465"/>
+      </p:ext>
+    </p:extLst>
+  </p:cSld>
+  <p:clrMapOvr>
+    <a:masterClrMapping/>
+  </p:clrMapOvr>
+  <p:timing>
+    <p:tnLst>
+      <p:par>
+        <p:cTn id="1" dur="indefinite" restart="never" nodeType="tmRoot"/>
+      </p:par>
+    </p:tnLst>
+  </p:timing>
+</p:sld>
+</file>
+
+<file path=ppt/slides/slide6.xml><?xml version="1.0" encoding="utf-8"?>
+<p:sld xmlns:a="http://schemas.openxmlformats.org/drawingml/2006/main" xmlns:r="http://schemas.openxmlformats.org/officeDocument/2006/relationships" xmlns:p="http://schemas.openxmlformats.org/presentationml/2006/main">
+  <p:cSld>
+    <p:spTree>
+      <p:nvGrpSpPr>
+        <p:cNvPr id="1" name=""/>
+        <p:cNvGrpSpPr/>
+        <p:nvPr/>
+      </p:nvGrpSpPr>
+      <p:grpSpPr>
+        <a:xfrm>
+          <a:off x="0" y="0"/>
+          <a:ext cx="0" cy="0"/>
+          <a:chOff x="0" y="0"/>
+          <a:chExt cx="0" cy="0"/>
+        </a:xfrm>
+      </p:grpSpPr>
+      <p:sp>
+        <p:nvSpPr>
+          <p:cNvPr id="2" name="Rectangle 1"/>
+          <p:cNvSpPr/>
+          <p:nvPr/>
+        </p:nvSpPr>
+        <p:spPr>
+          <a:xfrm>
+            <a:off x="1259632" y="764704"/>
+            <a:ext cx="1368152" cy="1728192"/>
+          </a:xfrm>
+          <a:prstGeom prst="rect">
+            <a:avLst/>
+          </a:prstGeom>
+          <a:solidFill>
+            <a:schemeClr val="tx2">
+              <a:lumMod val="20000"/>
+              <a:lumOff val="80000"/>
+            </a:schemeClr>
+          </a:solidFill>
+          <a:ln>
+            <a:noFill/>
+          </a:ln>
+        </p:spPr>
+        <p:style>
+          <a:lnRef idx="2">
+            <a:schemeClr val="accent1">
+              <a:shade val="50000"/>
+            </a:schemeClr>
+          </a:lnRef>
+          <a:fillRef idx="1">
+            <a:schemeClr val="accent1"/>
+          </a:fillRef>
+          <a:effectRef idx="0">
+            <a:schemeClr val="accent1"/>
+          </a:effectRef>
+          <a:fontRef idx="minor">
+            <a:schemeClr val="lt1"/>
+          </a:fontRef>
+        </p:style>
+        <p:txBody>
+          <a:bodyPr rtlCol="0" anchor="ctr"/>
+          <a:lstStyle/>
+          <a:p>
+            <a:pPr algn="ctr"/>
+            <a:r>
+              <a:rPr lang="en-US" dirty="0" smtClean="0">
+                <a:solidFill>
+                  <a:schemeClr val="tx1">
+                    <a:lumMod val="95000"/>
+                    <a:lumOff val="5000"/>
+                  </a:schemeClr>
+                </a:solidFill>
+              </a:rPr>
+              <a:t>Sales</a:t>
+            </a:r>
+            <a:endParaRPr lang="de-CH" dirty="0">
+              <a:solidFill>
+                <a:schemeClr val="tx1">
+                  <a:lumMod val="95000"/>
+                  <a:lumOff val="5000"/>
+                </a:schemeClr>
+              </a:solidFill>
+            </a:endParaRPr>
+          </a:p>
+        </p:txBody>
+      </p:sp>
+      <p:sp>
+        <p:nvSpPr>
+          <p:cNvPr id="3" name="Rectangle 2"/>
+          <p:cNvSpPr/>
+          <p:nvPr/>
+        </p:nvSpPr>
+        <p:spPr>
+          <a:xfrm>
+            <a:off x="6084168" y="821591"/>
+            <a:ext cx="1368152" cy="1728192"/>
+          </a:xfrm>
+          <a:prstGeom prst="rect">
+            <a:avLst/>
+          </a:prstGeom>
+          <a:solidFill>
+            <a:schemeClr val="accent4">
+              <a:lumMod val="40000"/>
+              <a:lumOff val="60000"/>
+            </a:schemeClr>
+          </a:solidFill>
+          <a:ln>
+            <a:noFill/>
+          </a:ln>
+        </p:spPr>
+        <p:style>
+          <a:lnRef idx="2">
+            <a:schemeClr val="accent1">
+              <a:shade val="50000"/>
+            </a:schemeClr>
+          </a:lnRef>
+          <a:fillRef idx="1">
+            <a:schemeClr val="accent1"/>
+          </a:fillRef>
+          <a:effectRef idx="0">
+            <a:schemeClr val="accent1"/>
+          </a:effectRef>
+          <a:fontRef idx="minor">
+            <a:schemeClr val="lt1"/>
+          </a:fontRef>
+        </p:style>
+        <p:txBody>
+          <a:bodyPr rtlCol="0" anchor="ctr"/>
+          <a:lstStyle/>
+          <a:p>
+            <a:pPr algn="ctr"/>
+            <a:r>
+              <a:rPr lang="en-US" dirty="0" smtClean="0">
+                <a:solidFill>
+                  <a:schemeClr val="tx1">
+                    <a:lumMod val="95000"/>
+                    <a:lumOff val="5000"/>
+                  </a:schemeClr>
+                </a:solidFill>
+              </a:rPr>
+              <a:t>Facility</a:t>
+            </a:r>
+            <a:endParaRPr lang="de-CH" dirty="0">
+              <a:solidFill>
+                <a:schemeClr val="tx1">
+                  <a:lumMod val="95000"/>
+                  <a:lumOff val="5000"/>
+                </a:schemeClr>
+              </a:solidFill>
+            </a:endParaRPr>
+          </a:p>
+        </p:txBody>
+      </p:sp>
+      <p:sp>
+        <p:nvSpPr>
+          <p:cNvPr id="4" name="Rectangle 3"/>
+          <p:cNvSpPr/>
+          <p:nvPr/>
+        </p:nvSpPr>
+        <p:spPr>
+          <a:xfrm>
+            <a:off x="3563888" y="3933056"/>
+            <a:ext cx="1368152" cy="1728192"/>
+          </a:xfrm>
+          <a:prstGeom prst="rect">
+            <a:avLst/>
+          </a:prstGeom>
+          <a:solidFill>
+            <a:schemeClr val="accent6">
+              <a:lumMod val="60000"/>
+              <a:lumOff val="40000"/>
+            </a:schemeClr>
+          </a:solidFill>
+          <a:ln>
+            <a:noFill/>
+          </a:ln>
+        </p:spPr>
+        <p:style>
+          <a:lnRef idx="2">
+            <a:schemeClr val="accent1">
+              <a:shade val="50000"/>
+            </a:schemeClr>
+          </a:lnRef>
+          <a:fillRef idx="1">
+            <a:schemeClr val="accent1"/>
+          </a:fillRef>
+          <a:effectRef idx="0">
+            <a:schemeClr val="accent1"/>
+          </a:effectRef>
+          <a:fontRef idx="minor">
+            <a:schemeClr val="lt1"/>
+          </a:fontRef>
+        </p:style>
+        <p:txBody>
+          <a:bodyPr rtlCol="0" anchor="ctr"/>
+          <a:lstStyle/>
+          <a:p>
+            <a:pPr algn="ctr"/>
+            <a:r>
+              <a:rPr lang="en-US" dirty="0" smtClean="0">
+                <a:solidFill>
+                  <a:schemeClr val="tx1">
+                    <a:lumMod val="95000"/>
+                    <a:lumOff val="5000"/>
+                  </a:schemeClr>
+                </a:solidFill>
+              </a:rPr>
+              <a:t>Complaint</a:t>
+            </a:r>
+            <a:endParaRPr lang="de-CH" dirty="0">
+              <a:solidFill>
+                <a:schemeClr val="tx1">
+                  <a:lumMod val="95000"/>
+                  <a:lumOff val="5000"/>
+                </a:schemeClr>
+              </a:solidFill>
+            </a:endParaRPr>
+          </a:p>
+        </p:txBody>
+      </p:sp>
+      <p:cxnSp>
+        <p:nvCxnSpPr>
+          <p:cNvPr id="6" name="Straight Arrow Connector 5"/>
+          <p:cNvCxnSpPr/>
+          <p:nvPr/>
+        </p:nvCxnSpPr>
+        <p:spPr>
+          <a:xfrm>
+            <a:off x="395536" y="980728"/>
+            <a:ext cx="864096" cy="0"/>
+          </a:xfrm>
+          <a:prstGeom prst="straightConnector1">
+            <a:avLst/>
+          </a:prstGeom>
+          <a:ln w="28575">
+            <a:tailEnd type="arrow"/>
+          </a:ln>
+        </p:spPr>
+        <p:style>
+          <a:lnRef idx="1">
+            <a:schemeClr val="accent1"/>
+          </a:lnRef>
+          <a:fillRef idx="0">
+            <a:schemeClr val="accent1"/>
+          </a:fillRef>
+          <a:effectRef idx="0">
+            <a:schemeClr val="accent1"/>
+          </a:effectRef>
+          <a:fontRef idx="minor">
+            <a:schemeClr val="tx1"/>
+          </a:fontRef>
+        </p:style>
+      </p:cxnSp>
+      <p:sp>
+        <p:nvSpPr>
+          <p:cNvPr id="8" name="TextBox 7"/>
+          <p:cNvSpPr txBox="1"/>
+          <p:nvPr/>
+        </p:nvSpPr>
+        <p:spPr>
+          <a:xfrm>
+            <a:off x="142851" y="980728"/>
+            <a:ext cx="1116781" cy="307777"/>
+          </a:xfrm>
+          <a:prstGeom prst="rect">
+            <a:avLst/>
+          </a:prstGeom>
+          <a:noFill/>
+        </p:spPr>
+        <p:txBody>
+          <a:bodyPr wrap="none" rtlCol="0">
+            <a:spAutoFit/>
+          </a:bodyPr>
+          <a:lstStyle/>
+          <a:p>
+            <a:r>
+              <a:rPr lang="en-US" sz="1400" dirty="0" err="1" smtClean="0"/>
+              <a:t>OrderFacility</a:t>
+            </a:r>
+            <a:endParaRPr lang="de-CH" dirty="0"/>
+          </a:p>
+        </p:txBody>
+      </p:sp>
+      <p:cxnSp>
+        <p:nvCxnSpPr>
+          <p:cNvPr id="10" name="Straight Arrow Connector 9"/>
+          <p:cNvCxnSpPr/>
+          <p:nvPr/>
+        </p:nvCxnSpPr>
+        <p:spPr>
+          <a:xfrm flipV="1">
+            <a:off x="2627784" y="764704"/>
+            <a:ext cx="432048" cy="432048"/>
+          </a:xfrm>
+          <a:prstGeom prst="straightConnector1">
+            <a:avLst/>
+          </a:prstGeom>
+          <a:ln w="28575">
+            <a:solidFill>
+              <a:schemeClr val="accent2"/>
+            </a:solidFill>
+            <a:tailEnd type="arrow"/>
+          </a:ln>
+        </p:spPr>
+        <p:style>
+          <a:lnRef idx="1">
+            <a:schemeClr val="accent1"/>
+          </a:lnRef>
+          <a:fillRef idx="0">
+            <a:schemeClr val="accent1"/>
+          </a:fillRef>
+          <a:effectRef idx="0">
+            <a:schemeClr val="accent1"/>
+          </a:effectRef>
+          <a:fontRef idx="minor">
+            <a:schemeClr val="tx1"/>
+          </a:fontRef>
+        </p:style>
+      </p:cxnSp>
+      <p:sp>
+        <p:nvSpPr>
+          <p:cNvPr id="11" name="TextBox 10"/>
+          <p:cNvSpPr txBox="1"/>
+          <p:nvPr/>
+        </p:nvSpPr>
+        <p:spPr>
+          <a:xfrm>
+            <a:off x="2843808" y="907787"/>
+            <a:ext cx="792205" cy="307777"/>
+          </a:xfrm>
+          <a:prstGeom prst="rect">
+            <a:avLst/>
+          </a:prstGeom>
+          <a:noFill/>
+        </p:spPr>
+        <p:txBody>
+          <a:bodyPr wrap="none" rtlCol="0">
+            <a:spAutoFit/>
+          </a:bodyPr>
+          <a:lstStyle/>
+          <a:p>
+            <a:r>
+              <a:rPr lang="en-US" sz="1400" dirty="0" smtClean="0"/>
+              <a:t>Ordered</a:t>
+            </a:r>
+            <a:endParaRPr lang="de-CH" sz="1400" dirty="0"/>
+          </a:p>
+        </p:txBody>
+      </p:sp>
+      <p:cxnSp>
+        <p:nvCxnSpPr>
+          <p:cNvPr id="12" name="Straight Arrow Connector 11"/>
+          <p:cNvCxnSpPr/>
+          <p:nvPr/>
+        </p:nvCxnSpPr>
+        <p:spPr>
+          <a:xfrm>
+            <a:off x="2699792" y="4581128"/>
+            <a:ext cx="864096" cy="0"/>
+          </a:xfrm>
+          <a:prstGeom prst="straightConnector1">
+            <a:avLst/>
+          </a:prstGeom>
+          <a:ln w="28575">
+            <a:tailEnd type="arrow"/>
+          </a:ln>
+        </p:spPr>
+        <p:style>
+          <a:lnRef idx="1">
+            <a:schemeClr val="accent1"/>
+          </a:lnRef>
+          <a:fillRef idx="0">
+            <a:schemeClr val="accent1"/>
+          </a:fillRef>
+          <a:effectRef idx="0">
+            <a:schemeClr val="accent1"/>
+          </a:effectRef>
+          <a:fontRef idx="minor">
+            <a:schemeClr val="tx1"/>
+          </a:fontRef>
+        </p:style>
+      </p:cxnSp>
+      <p:sp>
+        <p:nvSpPr>
+          <p:cNvPr id="13" name="TextBox 12"/>
+          <p:cNvSpPr txBox="1"/>
+          <p:nvPr/>
+        </p:nvSpPr>
+        <p:spPr>
+          <a:xfrm>
+            <a:off x="2237884" y="4576363"/>
+            <a:ext cx="1326004" cy="307777"/>
+          </a:xfrm>
+          <a:prstGeom prst="rect">
+            <a:avLst/>
+          </a:prstGeom>
+          <a:noFill/>
+        </p:spPr>
+        <p:txBody>
+          <a:bodyPr wrap="none" rtlCol="0">
+            <a:spAutoFit/>
+          </a:bodyPr>
+          <a:lstStyle/>
+          <a:p>
+            <a:r>
+              <a:rPr lang="en-US" sz="1400" dirty="0" err="1" smtClean="0"/>
+              <a:t>ComplainAbout</a:t>
+            </a:r>
+            <a:endParaRPr lang="de-CH" dirty="0"/>
+          </a:p>
+        </p:txBody>
+      </p:sp>
+      <p:cxnSp>
+        <p:nvCxnSpPr>
+          <p:cNvPr id="14" name="Straight Arrow Connector 13"/>
+          <p:cNvCxnSpPr/>
+          <p:nvPr/>
+        </p:nvCxnSpPr>
+        <p:spPr>
+          <a:xfrm flipV="1">
+            <a:off x="4932040" y="4149080"/>
+            <a:ext cx="432048" cy="432048"/>
+          </a:xfrm>
+          <a:prstGeom prst="straightConnector1">
+            <a:avLst/>
+          </a:prstGeom>
+          <a:ln w="28575">
+            <a:solidFill>
+              <a:schemeClr val="accent2"/>
+            </a:solidFill>
+            <a:tailEnd type="arrow"/>
+          </a:ln>
+        </p:spPr>
+        <p:style>
+          <a:lnRef idx="1">
+            <a:schemeClr val="accent1"/>
+          </a:lnRef>
+          <a:fillRef idx="0">
+            <a:schemeClr val="accent1"/>
+          </a:fillRef>
+          <a:effectRef idx="0">
+            <a:schemeClr val="accent1"/>
+          </a:effectRef>
+          <a:fontRef idx="minor">
+            <a:schemeClr val="tx1"/>
+          </a:fontRef>
+        </p:style>
+      </p:cxnSp>
+      <p:sp>
+        <p:nvSpPr>
+          <p:cNvPr id="15" name="TextBox 14"/>
+          <p:cNvSpPr txBox="1"/>
+          <p:nvPr/>
+        </p:nvSpPr>
+        <p:spPr>
+          <a:xfrm>
+            <a:off x="5148064" y="4292163"/>
+            <a:ext cx="1510350" cy="307777"/>
+          </a:xfrm>
+          <a:prstGeom prst="rect">
+            <a:avLst/>
+          </a:prstGeom>
+          <a:noFill/>
+        </p:spPr>
+        <p:txBody>
+          <a:bodyPr wrap="none" rtlCol="0">
+            <a:spAutoFit/>
+          </a:bodyPr>
+          <a:lstStyle/>
+          <a:p>
+            <a:r>
+              <a:rPr lang="en-US" sz="1400" dirty="0" err="1" smtClean="0"/>
+              <a:t>ComplainedAbout</a:t>
+            </a:r>
+            <a:endParaRPr lang="de-CH" sz="1400" dirty="0"/>
+          </a:p>
+        </p:txBody>
+      </p:sp>
+      <p:cxnSp>
+        <p:nvCxnSpPr>
+          <p:cNvPr id="16" name="Straight Arrow Connector 15"/>
+          <p:cNvCxnSpPr/>
+          <p:nvPr/>
+        </p:nvCxnSpPr>
+        <p:spPr>
+          <a:xfrm flipV="1">
+            <a:off x="7452320" y="774021"/>
+            <a:ext cx="432048" cy="432048"/>
+          </a:xfrm>
+          <a:prstGeom prst="straightConnector1">
+            <a:avLst/>
+          </a:prstGeom>
+          <a:ln w="28575">
+            <a:solidFill>
+              <a:schemeClr val="accent2"/>
+            </a:solidFill>
+            <a:tailEnd type="arrow"/>
+          </a:ln>
+        </p:spPr>
+        <p:style>
+          <a:lnRef idx="1">
+            <a:schemeClr val="accent1"/>
+          </a:lnRef>
+          <a:fillRef idx="0">
+            <a:schemeClr val="accent1"/>
+          </a:fillRef>
+          <a:effectRef idx="0">
+            <a:schemeClr val="accent1"/>
+          </a:effectRef>
+          <a:fontRef idx="minor">
+            <a:schemeClr val="tx1"/>
+          </a:fontRef>
+        </p:style>
+      </p:cxnSp>
+      <p:sp>
+        <p:nvSpPr>
+          <p:cNvPr id="17" name="TextBox 16"/>
+          <p:cNvSpPr txBox="1"/>
+          <p:nvPr/>
+        </p:nvSpPr>
+        <p:spPr>
+          <a:xfrm>
+            <a:off x="7668344" y="917104"/>
+            <a:ext cx="805670" cy="307777"/>
+          </a:xfrm>
+          <a:prstGeom prst="rect">
+            <a:avLst/>
+          </a:prstGeom>
+          <a:noFill/>
+        </p:spPr>
+        <p:txBody>
+          <a:bodyPr wrap="none" rtlCol="0">
+            <a:spAutoFit/>
+          </a:bodyPr>
+          <a:lstStyle/>
+          <a:p>
+            <a:r>
+              <a:rPr lang="en-US" sz="1400" dirty="0" smtClean="0"/>
+              <a:t>Installed</a:t>
+            </a:r>
+            <a:endParaRPr lang="de-CH" sz="1400" dirty="0"/>
+          </a:p>
+        </p:txBody>
+      </p:sp>
+      <p:cxnSp>
+        <p:nvCxnSpPr>
+          <p:cNvPr id="22" name="Straight Arrow Connector 21"/>
+          <p:cNvCxnSpPr/>
+          <p:nvPr/>
+        </p:nvCxnSpPr>
+        <p:spPr>
+          <a:xfrm>
+            <a:off x="5076056" y="1439416"/>
+            <a:ext cx="1008112" cy="0"/>
+          </a:xfrm>
+          <a:prstGeom prst="straightConnector1">
+            <a:avLst/>
+          </a:prstGeom>
+          <a:ln w="28575">
+            <a:solidFill>
+              <a:schemeClr val="accent2"/>
+            </a:solidFill>
+            <a:tailEnd type="arrow"/>
+          </a:ln>
+        </p:spPr>
+        <p:style>
+          <a:lnRef idx="1">
+            <a:schemeClr val="accent1"/>
+          </a:lnRef>
+          <a:fillRef idx="0">
+            <a:schemeClr val="accent1"/>
+          </a:fillRef>
+          <a:effectRef idx="0">
+            <a:schemeClr val="accent1"/>
+          </a:effectRef>
+          <a:fontRef idx="minor">
+            <a:schemeClr val="tx1"/>
+          </a:fontRef>
+        </p:style>
+      </p:cxnSp>
+      <p:sp>
+        <p:nvSpPr>
+          <p:cNvPr id="25" name="TextBox 24"/>
+          <p:cNvSpPr txBox="1"/>
+          <p:nvPr/>
+        </p:nvSpPr>
+        <p:spPr>
+          <a:xfrm>
+            <a:off x="5184009" y="1135933"/>
+            <a:ext cx="792205" cy="307777"/>
+          </a:xfrm>
+          <a:prstGeom prst="rect">
+            <a:avLst/>
+          </a:prstGeom>
+          <a:noFill/>
+        </p:spPr>
+        <p:txBody>
+          <a:bodyPr wrap="none" rtlCol="0">
+            <a:spAutoFit/>
+          </a:bodyPr>
+          <a:lstStyle/>
+          <a:p>
+            <a:r>
+              <a:rPr lang="en-US" sz="1400" dirty="0" smtClean="0"/>
+              <a:t>Ordered</a:t>
+            </a:r>
+            <a:endParaRPr lang="de-CH" sz="1400" dirty="0"/>
+          </a:p>
+        </p:txBody>
+      </p:sp>
+      <p:cxnSp>
+        <p:nvCxnSpPr>
+          <p:cNvPr id="26" name="Straight Arrow Connector 25"/>
+          <p:cNvCxnSpPr/>
+          <p:nvPr/>
+        </p:nvCxnSpPr>
+        <p:spPr>
+          <a:xfrm rot="5400000">
+            <a:off x="4139952" y="3428999"/>
+            <a:ext cx="1008112" cy="0"/>
+          </a:xfrm>
+          <a:prstGeom prst="straightConnector1">
+            <a:avLst/>
+          </a:prstGeom>
+          <a:ln w="28575">
+            <a:solidFill>
+              <a:schemeClr val="accent2"/>
+            </a:solidFill>
+            <a:tailEnd type="arrow"/>
+          </a:ln>
+        </p:spPr>
+        <p:style>
+          <a:lnRef idx="1">
+            <a:schemeClr val="accent1"/>
+          </a:lnRef>
+          <a:fillRef idx="0">
+            <a:schemeClr val="accent1"/>
+          </a:fillRef>
+          <a:effectRef idx="0">
+            <a:schemeClr val="accent1"/>
+          </a:effectRef>
+          <a:fontRef idx="minor">
+            <a:schemeClr val="tx1"/>
+          </a:fontRef>
+        </p:style>
+      </p:cxnSp>
+      <p:sp>
+        <p:nvSpPr>
+          <p:cNvPr id="27" name="TextBox 26"/>
+          <p:cNvSpPr txBox="1"/>
+          <p:nvPr/>
+        </p:nvSpPr>
+        <p:spPr>
+          <a:xfrm rot="5400000">
+            <a:off x="4424994" y="3275110"/>
+            <a:ext cx="805670" cy="307777"/>
+          </a:xfrm>
+          <a:prstGeom prst="rect">
+            <a:avLst/>
+          </a:prstGeom>
+          <a:noFill/>
+        </p:spPr>
+        <p:txBody>
+          <a:bodyPr wrap="none" rtlCol="0">
+            <a:spAutoFit/>
+          </a:bodyPr>
+          <a:lstStyle/>
+          <a:p>
+            <a:r>
+              <a:rPr lang="en-US" sz="1400" dirty="0" smtClean="0"/>
+              <a:t>Installed</a:t>
+            </a:r>
+            <a:endParaRPr lang="de-CH" sz="1400" dirty="0"/>
+          </a:p>
+        </p:txBody>
+      </p:sp>
+      <p:grpSp>
+        <p:nvGrpSpPr>
+          <p:cNvPr id="36" name="Group 35"/>
+          <p:cNvGrpSpPr/>
+          <p:nvPr/>
+        </p:nvGrpSpPr>
+        <p:grpSpPr>
+          <a:xfrm>
+            <a:off x="6557754" y="5359063"/>
+            <a:ext cx="2375756" cy="1296144"/>
+            <a:chOff x="6768244" y="4005064"/>
+            <a:chExt cx="2375756" cy="1296144"/>
+          </a:xfrm>
+        </p:grpSpPr>
+        <p:sp>
+          <p:nvSpPr>
+            <p:cNvPr id="31" name="Rectangle 30"/>
+            <p:cNvSpPr/>
+            <p:nvPr/>
+          </p:nvSpPr>
+          <p:spPr>
+            <a:xfrm>
+              <a:off x="6768244" y="4005064"/>
+              <a:ext cx="2375756" cy="1296144"/>
+            </a:xfrm>
+            <a:prstGeom prst="rect">
+              <a:avLst/>
+            </a:prstGeom>
+            <a:solidFill>
+              <a:schemeClr val="bg1">
+                <a:lumMod val="85000"/>
+              </a:schemeClr>
+            </a:solidFill>
+            <a:ln>
+              <a:noFill/>
+            </a:ln>
+          </p:spPr>
+          <p:style>
+            <a:lnRef idx="2">
+              <a:schemeClr val="accent1">
+                <a:shade val="50000"/>
+              </a:schemeClr>
+            </a:lnRef>
+            <a:fillRef idx="1">
+              <a:schemeClr val="accent1"/>
+            </a:fillRef>
+            <a:effectRef idx="0">
+              <a:schemeClr val="accent1"/>
+            </a:effectRef>
+            <a:fontRef idx="minor">
+              <a:schemeClr val="lt1"/>
+            </a:fontRef>
+          </p:style>
+          <p:txBody>
+            <a:bodyPr rtlCol="0" anchor="ctr"/>
+            <a:lstStyle/>
+            <a:p>
+              <a:pPr algn="ctr"/>
+              <a:endParaRPr lang="de-CH"/>
+            </a:p>
+          </p:txBody>
+        </p:sp>
+        <p:cxnSp>
+          <p:nvCxnSpPr>
+            <p:cNvPr id="30" name="Straight Arrow Connector 29"/>
+            <p:cNvCxnSpPr/>
+            <p:nvPr/>
+          </p:nvCxnSpPr>
+          <p:spPr>
+            <a:xfrm flipV="1">
+              <a:off x="6876256" y="4062339"/>
+              <a:ext cx="432048" cy="432048"/>
+            </a:xfrm>
+            <a:prstGeom prst="straightConnector1">
+              <a:avLst/>
+            </a:prstGeom>
+            <a:ln w="28575">
+              <a:solidFill>
+                <a:schemeClr val="accent2"/>
+              </a:solidFill>
+              <a:tailEnd type="arrow"/>
+            </a:ln>
+          </p:spPr>
+          <p:style>
+            <a:lnRef idx="1">
+              <a:schemeClr val="accent1"/>
+            </a:lnRef>
+            <a:fillRef idx="0">
+              <a:schemeClr val="accent1"/>
+            </a:fillRef>
+            <a:effectRef idx="0">
+              <a:schemeClr val="accent1"/>
+            </a:effectRef>
+            <a:fontRef idx="minor">
+              <a:schemeClr val="tx1"/>
+            </a:fontRef>
+          </p:style>
+        </p:cxnSp>
+        <p:sp>
+          <p:nvSpPr>
+            <p:cNvPr id="32" name="TextBox 31"/>
+            <p:cNvSpPr txBox="1"/>
+            <p:nvPr/>
+          </p:nvSpPr>
+          <p:spPr>
+            <a:xfrm>
+              <a:off x="7321223" y="4063500"/>
+              <a:ext cx="1535998" cy="430887"/>
+            </a:xfrm>
+            <a:prstGeom prst="rect">
+              <a:avLst/>
+            </a:prstGeom>
+            <a:noFill/>
+          </p:spPr>
+          <p:txBody>
+            <a:bodyPr wrap="none" rtlCol="0">
+              <a:spAutoFit/>
+            </a:bodyPr>
+            <a:lstStyle/>
+            <a:p>
+              <a:r>
+                <a:rPr lang="en-US" sz="1100" b="1" dirty="0" smtClean="0"/>
+                <a:t>Event</a:t>
+              </a:r>
+              <a:r>
+                <a:rPr lang="en-US" sz="1100" dirty="0" smtClean="0"/>
+                <a:t/>
+              </a:r>
+              <a:br>
+                <a:rPr lang="en-US" sz="1100" dirty="0" smtClean="0"/>
+              </a:br>
+              <a:r>
+                <a:rPr lang="en-US" sz="1100" dirty="0" smtClean="0"/>
+                <a:t>Published or Consumed</a:t>
+              </a:r>
+              <a:endParaRPr lang="de-CH" sz="1100" dirty="0"/>
+            </a:p>
+          </p:txBody>
+        </p:sp>
+        <p:cxnSp>
+          <p:nvCxnSpPr>
+            <p:cNvPr id="33" name="Straight Arrow Connector 32"/>
+            <p:cNvCxnSpPr/>
+            <p:nvPr/>
+          </p:nvCxnSpPr>
+          <p:spPr>
+            <a:xfrm>
+              <a:off x="6876256" y="4864395"/>
+              <a:ext cx="444967" cy="0"/>
+            </a:xfrm>
+            <a:prstGeom prst="straightConnector1">
+              <a:avLst/>
+            </a:prstGeom>
+            <a:ln w="28575">
+              <a:tailEnd type="arrow"/>
+            </a:ln>
+          </p:spPr>
+          <p:style>
+            <a:lnRef idx="1">
+              <a:schemeClr val="accent1"/>
+            </a:lnRef>
+            <a:fillRef idx="0">
+              <a:schemeClr val="accent1"/>
+            </a:fillRef>
+            <a:effectRef idx="0">
+              <a:schemeClr val="accent1"/>
+            </a:effectRef>
+            <a:fontRef idx="minor">
+              <a:schemeClr val="tx1"/>
+            </a:fontRef>
+          </p:style>
+        </p:cxnSp>
+        <p:sp>
+          <p:nvSpPr>
+            <p:cNvPr id="35" name="TextBox 34"/>
+            <p:cNvSpPr txBox="1"/>
+            <p:nvPr/>
+          </p:nvSpPr>
+          <p:spPr>
+            <a:xfrm>
+              <a:off x="7321223" y="4641659"/>
+              <a:ext cx="785793" cy="430887"/>
+            </a:xfrm>
+            <a:prstGeom prst="rect">
+              <a:avLst/>
+            </a:prstGeom>
+            <a:noFill/>
+          </p:spPr>
+          <p:txBody>
+            <a:bodyPr wrap="none" rtlCol="0">
+              <a:spAutoFit/>
+            </a:bodyPr>
+            <a:lstStyle/>
+            <a:p>
+              <a:r>
+                <a:rPr lang="en-US" sz="1100" b="1" dirty="0" smtClean="0"/>
+                <a:t>Command</a:t>
+              </a:r>
+              <a:r>
+                <a:rPr lang="en-US" sz="1100" dirty="0" smtClean="0"/>
+                <a:t/>
+              </a:r>
+              <a:br>
+                <a:rPr lang="en-US" sz="1100" dirty="0" smtClean="0"/>
+              </a:br>
+              <a:r>
+                <a:rPr lang="en-US" sz="1100" dirty="0" smtClean="0"/>
+                <a:t>Received</a:t>
+              </a:r>
+              <a:endParaRPr lang="de-CH" sz="1100" dirty="0"/>
+            </a:p>
+          </p:txBody>
+        </p:sp>
+      </p:grpSp>
+      <p:sp>
+        <p:nvSpPr>
+          <p:cNvPr id="37" name="Rectangle 36"/>
+          <p:cNvSpPr/>
+          <p:nvPr/>
+        </p:nvSpPr>
+        <p:spPr>
+          <a:xfrm>
+            <a:off x="1403648" y="2492896"/>
+            <a:ext cx="432048" cy="936104"/>
+          </a:xfrm>
+          <a:prstGeom prst="rect">
+            <a:avLst/>
+          </a:prstGeom>
+          <a:solidFill>
+            <a:schemeClr val="accent5">
+              <a:lumMod val="75000"/>
+            </a:schemeClr>
+          </a:solidFill>
+          <a:ln>
+            <a:noFill/>
+          </a:ln>
+        </p:spPr>
+        <p:style>
+          <a:lnRef idx="2">
+            <a:schemeClr val="accent1">
+              <a:shade val="50000"/>
+            </a:schemeClr>
+          </a:lnRef>
+          <a:fillRef idx="1">
+            <a:schemeClr val="accent1"/>
+          </a:fillRef>
+          <a:effectRef idx="0">
+            <a:schemeClr val="accent1"/>
+          </a:effectRef>
+          <a:fontRef idx="minor">
+            <a:schemeClr val="lt1"/>
+          </a:fontRef>
+        </p:style>
+        <p:txBody>
+          <a:bodyPr vert="vert" rtlCol="0" anchor="ctr"/>
+          <a:lstStyle/>
+          <a:p>
+            <a:pPr algn="ctr"/>
+            <a:r>
+              <a:rPr lang="en-US" sz="1200" dirty="0" smtClean="0"/>
+              <a:t>Frontend</a:t>
+            </a:r>
+            <a:endParaRPr lang="de-CH" sz="1200" dirty="0"/>
+          </a:p>
+        </p:txBody>
+      </p:sp>
+      <p:sp>
+        <p:nvSpPr>
+          <p:cNvPr id="38" name="Rectangle 37"/>
+          <p:cNvSpPr/>
+          <p:nvPr/>
+        </p:nvSpPr>
+        <p:spPr>
+          <a:xfrm>
+            <a:off x="2021860" y="2492896"/>
+            <a:ext cx="432048" cy="936104"/>
+          </a:xfrm>
+          <a:prstGeom prst="rect">
+            <a:avLst/>
+          </a:prstGeom>
+          <a:solidFill>
+            <a:schemeClr val="accent5">
+              <a:lumMod val="75000"/>
+            </a:schemeClr>
+          </a:solidFill>
+          <a:ln>
+            <a:noFill/>
+          </a:ln>
+        </p:spPr>
+        <p:style>
+          <a:lnRef idx="2">
+            <a:schemeClr val="accent1">
+              <a:shade val="50000"/>
+            </a:schemeClr>
+          </a:lnRef>
+          <a:fillRef idx="1">
+            <a:schemeClr val="accent1"/>
+          </a:fillRef>
+          <a:effectRef idx="0">
+            <a:schemeClr val="accent1"/>
+          </a:effectRef>
+          <a:fontRef idx="minor">
+            <a:schemeClr val="lt1"/>
+          </a:fontRef>
+        </p:style>
+        <p:txBody>
+          <a:bodyPr vert="vert" rtlCol="0" anchor="ctr"/>
+          <a:lstStyle/>
+          <a:p>
+            <a:pPr algn="ctr"/>
+            <a:r>
+              <a:rPr lang="en-US" sz="1200" dirty="0" smtClean="0"/>
+              <a:t>Backend</a:t>
+            </a:r>
+            <a:endParaRPr lang="de-CH" sz="1200" dirty="0"/>
+          </a:p>
+        </p:txBody>
+      </p:sp>
+      <p:sp>
+        <p:nvSpPr>
+          <p:cNvPr id="39" name="Rectangle 38"/>
+          <p:cNvSpPr/>
+          <p:nvPr/>
+        </p:nvSpPr>
+        <p:spPr>
+          <a:xfrm>
+            <a:off x="3721505" y="5661248"/>
+            <a:ext cx="432048" cy="936104"/>
+          </a:xfrm>
+          <a:prstGeom prst="rect">
+            <a:avLst/>
+          </a:prstGeom>
+          <a:solidFill>
+            <a:schemeClr val="accent6">
+              <a:lumMod val="75000"/>
+            </a:schemeClr>
+          </a:solidFill>
+          <a:ln>
+            <a:noFill/>
+          </a:ln>
+        </p:spPr>
+        <p:style>
+          <a:lnRef idx="2">
+            <a:schemeClr val="accent1">
+              <a:shade val="50000"/>
+            </a:schemeClr>
+          </a:lnRef>
+          <a:fillRef idx="1">
+            <a:schemeClr val="accent1"/>
+          </a:fillRef>
+          <a:effectRef idx="0">
+            <a:schemeClr val="accent1"/>
+          </a:effectRef>
+          <a:fontRef idx="minor">
+            <a:schemeClr val="lt1"/>
+          </a:fontRef>
+        </p:style>
+        <p:txBody>
+          <a:bodyPr vert="vert" rtlCol="0" anchor="ctr"/>
+          <a:lstStyle/>
+          <a:p>
+            <a:pPr algn="ctr"/>
+            <a:r>
+              <a:rPr lang="en-US" sz="1200" dirty="0" smtClean="0"/>
+              <a:t>Frontend</a:t>
+            </a:r>
+            <a:endParaRPr lang="de-CH" sz="1200" dirty="0"/>
+          </a:p>
+        </p:txBody>
+      </p:sp>
+      <p:sp>
+        <p:nvSpPr>
+          <p:cNvPr id="40" name="Rectangle 39"/>
+          <p:cNvSpPr/>
+          <p:nvPr/>
+        </p:nvSpPr>
+        <p:spPr>
+          <a:xfrm>
+            <a:off x="4339717" y="5661248"/>
+            <a:ext cx="432048" cy="936104"/>
+          </a:xfrm>
+          <a:prstGeom prst="rect">
+            <a:avLst/>
+          </a:prstGeom>
+          <a:solidFill>
+            <a:schemeClr val="accent6">
+              <a:lumMod val="75000"/>
+            </a:schemeClr>
+          </a:solidFill>
+          <a:ln>
+            <a:noFill/>
+          </a:ln>
+        </p:spPr>
+        <p:style>
+          <a:lnRef idx="2">
+            <a:schemeClr val="accent1">
+              <a:shade val="50000"/>
+            </a:schemeClr>
+          </a:lnRef>
+          <a:fillRef idx="1">
+            <a:schemeClr val="accent1"/>
+          </a:fillRef>
+          <a:effectRef idx="0">
+            <a:schemeClr val="accent1"/>
+          </a:effectRef>
+          <a:fontRef idx="minor">
+            <a:schemeClr val="lt1"/>
+          </a:fontRef>
+        </p:style>
+        <p:txBody>
+          <a:bodyPr vert="vert" rtlCol="0" anchor="ctr"/>
+          <a:lstStyle/>
+          <a:p>
+            <a:pPr algn="ctr"/>
+            <a:r>
+              <a:rPr lang="en-US" sz="1200" dirty="0" smtClean="0"/>
+              <a:t>Backend</a:t>
+            </a:r>
+            <a:endParaRPr lang="de-CH" sz="1200" dirty="0"/>
+          </a:p>
+        </p:txBody>
+      </p:sp>
+      <p:sp>
+        <p:nvSpPr>
+          <p:cNvPr id="41" name="Rectangle 40"/>
+          <p:cNvSpPr/>
+          <p:nvPr/>
+        </p:nvSpPr>
+        <p:spPr>
+          <a:xfrm>
+            <a:off x="6557754" y="2549783"/>
+            <a:ext cx="432048" cy="936104"/>
+          </a:xfrm>
+          <a:prstGeom prst="rect">
+            <a:avLst/>
+          </a:prstGeom>
+          <a:solidFill>
+            <a:schemeClr val="accent4">
+              <a:lumMod val="75000"/>
+            </a:schemeClr>
+          </a:solidFill>
+          <a:ln>
+            <a:noFill/>
+          </a:ln>
+        </p:spPr>
+        <p:style>
+          <a:lnRef idx="2">
+            <a:schemeClr val="accent1">
+              <a:shade val="50000"/>
+            </a:schemeClr>
+          </a:lnRef>
+          <a:fillRef idx="1">
+            <a:schemeClr val="accent1"/>
+          </a:fillRef>
+          <a:effectRef idx="0">
+            <a:schemeClr val="accent1"/>
+          </a:effectRef>
+          <a:fontRef idx="minor">
+            <a:schemeClr val="lt1"/>
+          </a:fontRef>
+        </p:style>
+        <p:txBody>
+          <a:bodyPr vert="vert" rtlCol="0" anchor="ctr"/>
+          <a:lstStyle/>
+          <a:p>
+            <a:pPr algn="ctr"/>
+            <a:r>
+              <a:rPr lang="en-US" sz="1200" dirty="0" smtClean="0"/>
+              <a:t>Backend</a:t>
+            </a:r>
+            <a:endParaRPr lang="de-CH" sz="1200" dirty="0"/>
+          </a:p>
+        </p:txBody>
+      </p:sp>
+      <p:cxnSp>
+        <p:nvCxnSpPr>
+          <p:cNvPr id="34" name="Straight Arrow Connector 33"/>
+          <p:cNvCxnSpPr/>
+          <p:nvPr/>
+        </p:nvCxnSpPr>
+        <p:spPr>
+          <a:xfrm>
+            <a:off x="5076056" y="2105719"/>
+            <a:ext cx="1008112" cy="0"/>
+          </a:xfrm>
+          <a:prstGeom prst="straightConnector1">
+            <a:avLst/>
+          </a:prstGeom>
+          <a:ln w="28575">
+            <a:solidFill>
+              <a:schemeClr val="accent2"/>
+            </a:solidFill>
+            <a:tailEnd type="arrow"/>
+          </a:ln>
+        </p:spPr>
+        <p:style>
+          <a:lnRef idx="1">
+            <a:schemeClr val="accent1"/>
+          </a:lnRef>
+          <a:fillRef idx="0">
+            <a:schemeClr val="accent1"/>
+          </a:fillRef>
+          <a:effectRef idx="0">
+            <a:schemeClr val="accent1"/>
+          </a:effectRef>
+          <a:fontRef idx="minor">
+            <a:schemeClr val="tx1"/>
+          </a:fontRef>
+        </p:style>
+      </p:cxnSp>
+      <p:sp>
+        <p:nvSpPr>
+          <p:cNvPr id="42" name="TextBox 41"/>
+          <p:cNvSpPr txBox="1"/>
+          <p:nvPr/>
+        </p:nvSpPr>
+        <p:spPr>
+          <a:xfrm>
+            <a:off x="4465864" y="1735806"/>
+            <a:ext cx="1510350" cy="307777"/>
+          </a:xfrm>
+          <a:prstGeom prst="rect">
+            <a:avLst/>
+          </a:prstGeom>
+          <a:noFill/>
+        </p:spPr>
+        <p:txBody>
+          <a:bodyPr wrap="none" rtlCol="0">
+            <a:spAutoFit/>
+          </a:bodyPr>
+          <a:lstStyle/>
+          <a:p>
+            <a:r>
+              <a:rPr lang="en-US" sz="1400" dirty="0" err="1" smtClean="0"/>
+              <a:t>ComplainedAbout</a:t>
+            </a:r>
+            <a:endParaRPr lang="de-CH" sz="1400" dirty="0"/>
+          </a:p>
+        </p:txBody>
+      </p:sp>
+    </p:spTree>
+    <p:extLst>
+      <p:ext uri="{BB962C8B-B14F-4D97-AF65-F5344CB8AC3E}">
+        <p14:creationId xmlns:p14="http://schemas.microsoft.com/office/powerpoint/2010/main" val="2938915228"/>
+      </p:ext>
+    </p:extLst>
+  </p:cSld>
+  <p:clrMapOvr>
+    <a:masterClrMapping/>
+  </p:clrMapOvr>
+  <p:timing>
+    <p:tnLst>
+      <p:par>
+        <p:cTn id="1" dur="indefinite" restart="never" nodeType="tmRoot"/>
+      </p:par>
+    </p:tnLst>
+  </p:timing>
+</p:sld>
+</file>
+
+<file path=ppt/slides/slide7.xml><?xml version="1.0" encoding="utf-8"?>
+<p:sld xmlns:a="http://schemas.openxmlformats.org/drawingml/2006/main" xmlns:r="http://schemas.openxmlformats.org/officeDocument/2006/relationships" xmlns:p="http://schemas.openxmlformats.org/presentationml/2006/main">
+  <p:cSld>
+    <p:spTree>
+      <p:nvGrpSpPr>
+        <p:cNvPr id="1" name=""/>
+        <p:cNvGrpSpPr/>
+        <p:nvPr/>
+      </p:nvGrpSpPr>
+      <p:grpSpPr>
+        <a:xfrm>
+          <a:off x="0" y="0"/>
+          <a:ext cx="0" cy="0"/>
+          <a:chOff x="0" y="0"/>
+          <a:chExt cx="0" cy="0"/>
+        </a:xfrm>
+      </p:grpSpPr>
+      <p:sp>
+        <p:nvSpPr>
+          <p:cNvPr id="2" name="Rectangle 1"/>
+          <p:cNvSpPr/>
+          <p:nvPr/>
+        </p:nvSpPr>
+        <p:spPr>
+          <a:xfrm>
+            <a:off x="1259632" y="764704"/>
+            <a:ext cx="1368152" cy="1728192"/>
+          </a:xfrm>
+          <a:prstGeom prst="rect">
+            <a:avLst/>
+          </a:prstGeom>
+          <a:solidFill>
+            <a:schemeClr val="tx2">
+              <a:lumMod val="20000"/>
+              <a:lumOff val="80000"/>
+            </a:schemeClr>
+          </a:solidFill>
+          <a:ln>
+            <a:noFill/>
+          </a:ln>
+        </p:spPr>
+        <p:style>
+          <a:lnRef idx="2">
+            <a:schemeClr val="accent1">
+              <a:shade val="50000"/>
+            </a:schemeClr>
+          </a:lnRef>
+          <a:fillRef idx="1">
+            <a:schemeClr val="accent1"/>
+          </a:fillRef>
+          <a:effectRef idx="0">
+            <a:schemeClr val="accent1"/>
+          </a:effectRef>
+          <a:fontRef idx="minor">
+            <a:schemeClr val="lt1"/>
+          </a:fontRef>
+        </p:style>
+        <p:txBody>
+          <a:bodyPr rtlCol="0" anchor="ctr"/>
+          <a:lstStyle/>
+          <a:p>
+            <a:pPr algn="ctr"/>
+            <a:r>
+              <a:rPr lang="en-US" dirty="0" smtClean="0">
+                <a:solidFill>
+                  <a:schemeClr val="tx1">
+                    <a:lumMod val="95000"/>
+                    <a:lumOff val="5000"/>
+                  </a:schemeClr>
+                </a:solidFill>
+              </a:rPr>
+              <a:t>Sales</a:t>
+            </a:r>
+            <a:endParaRPr lang="de-CH" dirty="0">
+              <a:solidFill>
+                <a:schemeClr val="tx1">
+                  <a:lumMod val="95000"/>
+                  <a:lumOff val="5000"/>
+                </a:schemeClr>
+              </a:solidFill>
+            </a:endParaRPr>
+          </a:p>
+        </p:txBody>
+      </p:sp>
+      <p:sp>
+        <p:nvSpPr>
+          <p:cNvPr id="3" name="Rectangle 2"/>
+          <p:cNvSpPr/>
+          <p:nvPr/>
+        </p:nvSpPr>
+        <p:spPr>
+          <a:xfrm>
+            <a:off x="6084168" y="821591"/>
+            <a:ext cx="1368152" cy="1728192"/>
+          </a:xfrm>
+          <a:prstGeom prst="rect">
+            <a:avLst/>
+          </a:prstGeom>
+          <a:solidFill>
+            <a:schemeClr val="accent4">
+              <a:lumMod val="40000"/>
+              <a:lumOff val="60000"/>
+            </a:schemeClr>
+          </a:solidFill>
+          <a:ln>
+            <a:noFill/>
+          </a:ln>
+        </p:spPr>
+        <p:style>
+          <a:lnRef idx="2">
+            <a:schemeClr val="accent1">
+              <a:shade val="50000"/>
+            </a:schemeClr>
+          </a:lnRef>
+          <a:fillRef idx="1">
+            <a:schemeClr val="accent1"/>
+          </a:fillRef>
+          <a:effectRef idx="0">
+            <a:schemeClr val="accent1"/>
+          </a:effectRef>
+          <a:fontRef idx="minor">
+            <a:schemeClr val="lt1"/>
+          </a:fontRef>
+        </p:style>
+        <p:txBody>
+          <a:bodyPr rtlCol="0" anchor="ctr"/>
+          <a:lstStyle/>
+          <a:p>
+            <a:pPr algn="ctr"/>
+            <a:r>
+              <a:rPr lang="en-US" dirty="0" smtClean="0">
+                <a:solidFill>
+                  <a:schemeClr val="tx1">
+                    <a:lumMod val="95000"/>
+                    <a:lumOff val="5000"/>
+                  </a:schemeClr>
+                </a:solidFill>
+              </a:rPr>
+              <a:t>Facility</a:t>
+            </a:r>
+            <a:endParaRPr lang="de-CH" dirty="0">
+              <a:solidFill>
+                <a:schemeClr val="tx1">
+                  <a:lumMod val="95000"/>
+                  <a:lumOff val="5000"/>
+                </a:schemeClr>
+              </a:solidFill>
+            </a:endParaRPr>
+          </a:p>
+        </p:txBody>
+      </p:sp>
+      <p:sp>
+        <p:nvSpPr>
+          <p:cNvPr id="4" name="Rectangle 3"/>
+          <p:cNvSpPr/>
+          <p:nvPr/>
+        </p:nvSpPr>
+        <p:spPr>
+          <a:xfrm>
+            <a:off x="3563888" y="3933056"/>
+            <a:ext cx="1368152" cy="1728192"/>
+          </a:xfrm>
+          <a:prstGeom prst="rect">
+            <a:avLst/>
+          </a:prstGeom>
+          <a:solidFill>
+            <a:schemeClr val="accent6">
+              <a:lumMod val="60000"/>
+              <a:lumOff val="40000"/>
+            </a:schemeClr>
+          </a:solidFill>
+          <a:ln>
+            <a:noFill/>
+          </a:ln>
+        </p:spPr>
+        <p:style>
+          <a:lnRef idx="2">
+            <a:schemeClr val="accent1">
+              <a:shade val="50000"/>
+            </a:schemeClr>
+          </a:lnRef>
+          <a:fillRef idx="1">
+            <a:schemeClr val="accent1"/>
+          </a:fillRef>
+          <a:effectRef idx="0">
+            <a:schemeClr val="accent1"/>
+          </a:effectRef>
+          <a:fontRef idx="minor">
+            <a:schemeClr val="lt1"/>
+          </a:fontRef>
+        </p:style>
+        <p:txBody>
+          <a:bodyPr rtlCol="0" anchor="ctr"/>
+          <a:lstStyle/>
+          <a:p>
+            <a:pPr algn="ctr"/>
+            <a:r>
+              <a:rPr lang="en-US" dirty="0" smtClean="0">
+                <a:solidFill>
+                  <a:schemeClr val="tx1">
+                    <a:lumMod val="95000"/>
+                    <a:lumOff val="5000"/>
+                  </a:schemeClr>
+                </a:solidFill>
+              </a:rPr>
+              <a:t>Complaint</a:t>
+            </a:r>
+            <a:endParaRPr lang="de-CH" dirty="0">
+              <a:solidFill>
+                <a:schemeClr val="tx1">
+                  <a:lumMod val="95000"/>
+                  <a:lumOff val="5000"/>
+                </a:schemeClr>
+              </a:solidFill>
+            </a:endParaRPr>
+          </a:p>
+        </p:txBody>
+      </p:sp>
+      <p:cxnSp>
+        <p:nvCxnSpPr>
+          <p:cNvPr id="6" name="Straight Arrow Connector 5"/>
+          <p:cNvCxnSpPr/>
+          <p:nvPr/>
+        </p:nvCxnSpPr>
+        <p:spPr>
+          <a:xfrm>
+            <a:off x="395536" y="980728"/>
+            <a:ext cx="864096" cy="0"/>
+          </a:xfrm>
+          <a:prstGeom prst="straightConnector1">
+            <a:avLst/>
+          </a:prstGeom>
+          <a:ln w="28575">
+            <a:tailEnd type="arrow"/>
+          </a:ln>
+        </p:spPr>
+        <p:style>
+          <a:lnRef idx="1">
+            <a:schemeClr val="accent1"/>
+          </a:lnRef>
+          <a:fillRef idx="0">
+            <a:schemeClr val="accent1"/>
+          </a:fillRef>
+          <a:effectRef idx="0">
+            <a:schemeClr val="accent1"/>
+          </a:effectRef>
+          <a:fontRef idx="minor">
+            <a:schemeClr val="tx1"/>
+          </a:fontRef>
+        </p:style>
+      </p:cxnSp>
+      <p:sp>
+        <p:nvSpPr>
+          <p:cNvPr id="8" name="TextBox 7"/>
+          <p:cNvSpPr txBox="1"/>
+          <p:nvPr/>
+        </p:nvSpPr>
+        <p:spPr>
+          <a:xfrm>
+            <a:off x="142851" y="980728"/>
+            <a:ext cx="1116781" cy="307777"/>
+          </a:xfrm>
+          <a:prstGeom prst="rect">
+            <a:avLst/>
+          </a:prstGeom>
+          <a:noFill/>
+        </p:spPr>
+        <p:txBody>
+          <a:bodyPr wrap="none" rtlCol="0">
+            <a:spAutoFit/>
+          </a:bodyPr>
+          <a:lstStyle/>
+          <a:p>
+            <a:r>
+              <a:rPr lang="en-US" sz="1400" dirty="0" err="1" smtClean="0"/>
+              <a:t>OrderFacility</a:t>
+            </a:r>
+            <a:endParaRPr lang="de-CH" dirty="0"/>
+          </a:p>
+        </p:txBody>
+      </p:sp>
+      <p:cxnSp>
+        <p:nvCxnSpPr>
+          <p:cNvPr id="10" name="Straight Arrow Connector 9"/>
+          <p:cNvCxnSpPr/>
+          <p:nvPr/>
+        </p:nvCxnSpPr>
+        <p:spPr>
+          <a:xfrm flipV="1">
+            <a:off x="2627784" y="764704"/>
+            <a:ext cx="432048" cy="432048"/>
+          </a:xfrm>
+          <a:prstGeom prst="straightConnector1">
+            <a:avLst/>
+          </a:prstGeom>
+          <a:ln w="28575">
+            <a:solidFill>
+              <a:schemeClr val="accent2"/>
+            </a:solidFill>
+            <a:tailEnd type="arrow"/>
+          </a:ln>
+        </p:spPr>
+        <p:style>
+          <a:lnRef idx="1">
+            <a:schemeClr val="accent1"/>
+          </a:lnRef>
+          <a:fillRef idx="0">
+            <a:schemeClr val="accent1"/>
+          </a:fillRef>
+          <a:effectRef idx="0">
+            <a:schemeClr val="accent1"/>
+          </a:effectRef>
+          <a:fontRef idx="minor">
+            <a:schemeClr val="tx1"/>
+          </a:fontRef>
+        </p:style>
+      </p:cxnSp>
+      <p:sp>
+        <p:nvSpPr>
+          <p:cNvPr id="11" name="TextBox 10"/>
+          <p:cNvSpPr txBox="1"/>
+          <p:nvPr/>
+        </p:nvSpPr>
+        <p:spPr>
+          <a:xfrm>
+            <a:off x="2843808" y="907787"/>
+            <a:ext cx="792205" cy="307777"/>
+          </a:xfrm>
+          <a:prstGeom prst="rect">
+            <a:avLst/>
+          </a:prstGeom>
+          <a:noFill/>
+        </p:spPr>
+        <p:txBody>
+          <a:bodyPr wrap="none" rtlCol="0">
+            <a:spAutoFit/>
+          </a:bodyPr>
+          <a:lstStyle/>
+          <a:p>
+            <a:r>
+              <a:rPr lang="en-US" sz="1400" dirty="0" smtClean="0"/>
+              <a:t>Ordered</a:t>
+            </a:r>
+            <a:endParaRPr lang="de-CH" sz="1400" dirty="0"/>
+          </a:p>
+        </p:txBody>
+      </p:sp>
+      <p:cxnSp>
+        <p:nvCxnSpPr>
+          <p:cNvPr id="12" name="Straight Arrow Connector 11"/>
+          <p:cNvCxnSpPr/>
+          <p:nvPr/>
+        </p:nvCxnSpPr>
+        <p:spPr>
+          <a:xfrm>
+            <a:off x="2699792" y="4581128"/>
+            <a:ext cx="864096" cy="0"/>
+          </a:xfrm>
+          <a:prstGeom prst="straightConnector1">
+            <a:avLst/>
+          </a:prstGeom>
+          <a:ln w="28575">
+            <a:tailEnd type="arrow"/>
+          </a:ln>
+        </p:spPr>
+        <p:style>
+          <a:lnRef idx="1">
+            <a:schemeClr val="accent1"/>
+          </a:lnRef>
+          <a:fillRef idx="0">
+            <a:schemeClr val="accent1"/>
+          </a:fillRef>
+          <a:effectRef idx="0">
+            <a:schemeClr val="accent1"/>
+          </a:effectRef>
+          <a:fontRef idx="minor">
+            <a:schemeClr val="tx1"/>
+          </a:fontRef>
+        </p:style>
+      </p:cxnSp>
+      <p:sp>
+        <p:nvSpPr>
+          <p:cNvPr id="13" name="TextBox 12"/>
+          <p:cNvSpPr txBox="1"/>
+          <p:nvPr/>
+        </p:nvSpPr>
+        <p:spPr>
+          <a:xfrm>
+            <a:off x="2237884" y="4576363"/>
+            <a:ext cx="1326004" cy="307777"/>
+          </a:xfrm>
+          <a:prstGeom prst="rect">
+            <a:avLst/>
+          </a:prstGeom>
+          <a:noFill/>
+        </p:spPr>
+        <p:txBody>
+          <a:bodyPr wrap="none" rtlCol="0">
+            <a:spAutoFit/>
+          </a:bodyPr>
+          <a:lstStyle/>
+          <a:p>
+            <a:r>
+              <a:rPr lang="en-US" sz="1400" dirty="0" err="1" smtClean="0"/>
+              <a:t>ComplainAbout</a:t>
+            </a:r>
+            <a:endParaRPr lang="de-CH" dirty="0"/>
+          </a:p>
+        </p:txBody>
+      </p:sp>
+      <p:cxnSp>
+        <p:nvCxnSpPr>
+          <p:cNvPr id="14" name="Straight Arrow Connector 13"/>
+          <p:cNvCxnSpPr/>
+          <p:nvPr/>
+        </p:nvCxnSpPr>
+        <p:spPr>
+          <a:xfrm flipV="1">
+            <a:off x="4932040" y="4149080"/>
+            <a:ext cx="432048" cy="432048"/>
+          </a:xfrm>
+          <a:prstGeom prst="straightConnector1">
+            <a:avLst/>
+          </a:prstGeom>
+          <a:ln w="28575">
+            <a:solidFill>
+              <a:schemeClr val="accent2"/>
+            </a:solidFill>
+            <a:tailEnd type="arrow"/>
+          </a:ln>
+        </p:spPr>
+        <p:style>
+          <a:lnRef idx="1">
+            <a:schemeClr val="accent1"/>
+          </a:lnRef>
+          <a:fillRef idx="0">
+            <a:schemeClr val="accent1"/>
+          </a:fillRef>
+          <a:effectRef idx="0">
+            <a:schemeClr val="accent1"/>
+          </a:effectRef>
+          <a:fontRef idx="minor">
+            <a:schemeClr val="tx1"/>
+          </a:fontRef>
+        </p:style>
+      </p:cxnSp>
+      <p:sp>
+        <p:nvSpPr>
+          <p:cNvPr id="15" name="TextBox 14"/>
+          <p:cNvSpPr txBox="1"/>
+          <p:nvPr/>
+        </p:nvSpPr>
+        <p:spPr>
+          <a:xfrm>
+            <a:off x="5148064" y="4292163"/>
+            <a:ext cx="1510350" cy="307777"/>
+          </a:xfrm>
+          <a:prstGeom prst="rect">
+            <a:avLst/>
+          </a:prstGeom>
+          <a:noFill/>
+        </p:spPr>
+        <p:txBody>
+          <a:bodyPr wrap="none" rtlCol="0">
+            <a:spAutoFit/>
+          </a:bodyPr>
+          <a:lstStyle/>
+          <a:p>
+            <a:r>
+              <a:rPr lang="en-US" sz="1400" dirty="0" err="1" smtClean="0"/>
+              <a:t>ComplainedAbout</a:t>
+            </a:r>
+            <a:endParaRPr lang="de-CH" sz="1400" dirty="0"/>
+          </a:p>
+        </p:txBody>
+      </p:sp>
+      <p:cxnSp>
+        <p:nvCxnSpPr>
+          <p:cNvPr id="16" name="Straight Arrow Connector 15"/>
+          <p:cNvCxnSpPr/>
+          <p:nvPr/>
+        </p:nvCxnSpPr>
+        <p:spPr>
+          <a:xfrm flipV="1">
+            <a:off x="7452320" y="774021"/>
+            <a:ext cx="432048" cy="432048"/>
+          </a:xfrm>
+          <a:prstGeom prst="straightConnector1">
+            <a:avLst/>
+          </a:prstGeom>
+          <a:ln w="28575">
+            <a:solidFill>
+              <a:schemeClr val="accent2"/>
+            </a:solidFill>
+            <a:tailEnd type="arrow"/>
+          </a:ln>
+        </p:spPr>
+        <p:style>
+          <a:lnRef idx="1">
+            <a:schemeClr val="accent1"/>
+          </a:lnRef>
+          <a:fillRef idx="0">
+            <a:schemeClr val="accent1"/>
+          </a:fillRef>
+          <a:effectRef idx="0">
+            <a:schemeClr val="accent1"/>
+          </a:effectRef>
+          <a:fontRef idx="minor">
+            <a:schemeClr val="tx1"/>
+          </a:fontRef>
+        </p:style>
+      </p:cxnSp>
+      <p:sp>
+        <p:nvSpPr>
+          <p:cNvPr id="17" name="TextBox 16"/>
+          <p:cNvSpPr txBox="1"/>
+          <p:nvPr/>
+        </p:nvSpPr>
+        <p:spPr>
+          <a:xfrm>
+            <a:off x="7668344" y="917104"/>
+            <a:ext cx="805670" cy="307777"/>
+          </a:xfrm>
+          <a:prstGeom prst="rect">
+            <a:avLst/>
+          </a:prstGeom>
+          <a:noFill/>
+        </p:spPr>
+        <p:txBody>
+          <a:bodyPr wrap="none" rtlCol="0">
+            <a:spAutoFit/>
+          </a:bodyPr>
+          <a:lstStyle/>
+          <a:p>
+            <a:r>
+              <a:rPr lang="en-US" sz="1400" dirty="0" smtClean="0"/>
+              <a:t>Installed</a:t>
+            </a:r>
+            <a:endParaRPr lang="de-CH" sz="1400" dirty="0"/>
+          </a:p>
+        </p:txBody>
+      </p:sp>
+      <p:cxnSp>
+        <p:nvCxnSpPr>
+          <p:cNvPr id="18" name="Straight Arrow Connector 17"/>
+          <p:cNvCxnSpPr/>
+          <p:nvPr/>
+        </p:nvCxnSpPr>
+        <p:spPr>
+          <a:xfrm flipV="1">
+            <a:off x="7452320" y="1223392"/>
+            <a:ext cx="432048" cy="432048"/>
+          </a:xfrm>
+          <a:prstGeom prst="straightConnector1">
+            <a:avLst/>
+          </a:prstGeom>
+          <a:ln w="28575">
+            <a:solidFill>
+              <a:schemeClr val="accent2"/>
+            </a:solidFill>
+            <a:tailEnd type="arrow"/>
+          </a:ln>
+        </p:spPr>
+        <p:style>
+          <a:lnRef idx="1">
+            <a:schemeClr val="accent1"/>
+          </a:lnRef>
+          <a:fillRef idx="0">
+            <a:schemeClr val="accent1"/>
+          </a:fillRef>
+          <a:effectRef idx="0">
+            <a:schemeClr val="accent1"/>
+          </a:effectRef>
+          <a:fontRef idx="minor">
+            <a:schemeClr val="tx1"/>
+          </a:fontRef>
+        </p:style>
+      </p:cxnSp>
+      <p:sp>
+        <p:nvSpPr>
+          <p:cNvPr id="19" name="TextBox 18"/>
+          <p:cNvSpPr txBox="1"/>
+          <p:nvPr/>
+        </p:nvSpPr>
+        <p:spPr>
+          <a:xfrm>
+            <a:off x="7668344" y="1366475"/>
+            <a:ext cx="991490" cy="523220"/>
+          </a:xfrm>
+          <a:prstGeom prst="rect">
+            <a:avLst/>
+          </a:prstGeom>
+          <a:noFill/>
+        </p:spPr>
+        <p:txBody>
+          <a:bodyPr wrap="none" rtlCol="0">
+            <a:spAutoFit/>
+          </a:bodyPr>
+          <a:lstStyle/>
+          <a:p>
+            <a:r>
+              <a:rPr lang="en-US" sz="1400" dirty="0" smtClean="0"/>
+              <a:t>Motivation</a:t>
+            </a:r>
+            <a:br>
+              <a:rPr lang="en-US" sz="1400" dirty="0" smtClean="0"/>
+            </a:br>
+            <a:r>
+              <a:rPr lang="en-US" sz="1400" dirty="0" smtClean="0"/>
+              <a:t>Decreased</a:t>
+            </a:r>
+            <a:endParaRPr lang="de-CH" sz="1400" dirty="0"/>
+          </a:p>
+        </p:txBody>
+      </p:sp>
+      <p:cxnSp>
+        <p:nvCxnSpPr>
+          <p:cNvPr id="20" name="Straight Arrow Connector 19"/>
+          <p:cNvCxnSpPr/>
+          <p:nvPr/>
+        </p:nvCxnSpPr>
+        <p:spPr>
+          <a:xfrm flipV="1">
+            <a:off x="7451781" y="1889695"/>
+            <a:ext cx="432048" cy="432048"/>
+          </a:xfrm>
+          <a:prstGeom prst="straightConnector1">
+            <a:avLst/>
+          </a:prstGeom>
+          <a:ln w="28575">
+            <a:solidFill>
+              <a:schemeClr val="accent2"/>
+            </a:solidFill>
+            <a:tailEnd type="arrow"/>
+          </a:ln>
+        </p:spPr>
+        <p:style>
+          <a:lnRef idx="1">
+            <a:schemeClr val="accent1"/>
+          </a:lnRef>
+          <a:fillRef idx="0">
+            <a:schemeClr val="accent1"/>
+          </a:fillRef>
+          <a:effectRef idx="0">
+            <a:schemeClr val="accent1"/>
+          </a:effectRef>
+          <a:fontRef idx="minor">
+            <a:schemeClr val="tx1"/>
+          </a:fontRef>
+        </p:style>
+      </p:cxnSp>
+      <p:sp>
+        <p:nvSpPr>
+          <p:cNvPr id="21" name="TextBox 20"/>
+          <p:cNvSpPr txBox="1"/>
+          <p:nvPr/>
+        </p:nvSpPr>
+        <p:spPr>
+          <a:xfrm>
+            <a:off x="7667805" y="2032778"/>
+            <a:ext cx="1132233" cy="523220"/>
+          </a:xfrm>
+          <a:prstGeom prst="rect">
+            <a:avLst/>
+          </a:prstGeom>
+          <a:noFill/>
+        </p:spPr>
+        <p:txBody>
+          <a:bodyPr wrap="none" rtlCol="0">
+            <a:spAutoFit/>
+          </a:bodyPr>
+          <a:lstStyle/>
+          <a:p>
+            <a:r>
+              <a:rPr lang="en-US" sz="1400" dirty="0" smtClean="0"/>
+              <a:t>Became</a:t>
+            </a:r>
+            <a:br>
+              <a:rPr lang="en-US" sz="1400" dirty="0" smtClean="0"/>
+            </a:br>
+            <a:r>
+              <a:rPr lang="en-US" sz="1400" dirty="0" smtClean="0"/>
+              <a:t>Demotivated</a:t>
+            </a:r>
+            <a:endParaRPr lang="de-CH" sz="1400" dirty="0"/>
+          </a:p>
+        </p:txBody>
+      </p:sp>
+      <p:cxnSp>
+        <p:nvCxnSpPr>
+          <p:cNvPr id="22" name="Straight Arrow Connector 21"/>
+          <p:cNvCxnSpPr/>
+          <p:nvPr/>
+        </p:nvCxnSpPr>
+        <p:spPr>
+          <a:xfrm>
+            <a:off x="5076056" y="1439416"/>
+            <a:ext cx="1008112" cy="0"/>
+          </a:xfrm>
+          <a:prstGeom prst="straightConnector1">
+            <a:avLst/>
+          </a:prstGeom>
+          <a:ln w="28575">
+            <a:solidFill>
+              <a:schemeClr val="accent2"/>
+            </a:solidFill>
+            <a:tailEnd type="arrow"/>
+          </a:ln>
+        </p:spPr>
+        <p:style>
+          <a:lnRef idx="1">
+            <a:schemeClr val="accent1"/>
+          </a:lnRef>
+          <a:fillRef idx="0">
+            <a:schemeClr val="accent1"/>
+          </a:fillRef>
+          <a:effectRef idx="0">
+            <a:schemeClr val="accent1"/>
+          </a:effectRef>
+          <a:fontRef idx="minor">
+            <a:schemeClr val="tx1"/>
+          </a:fontRef>
+        </p:style>
+      </p:cxnSp>
+      <p:sp>
+        <p:nvSpPr>
+          <p:cNvPr id="25" name="TextBox 24"/>
+          <p:cNvSpPr txBox="1"/>
+          <p:nvPr/>
+        </p:nvSpPr>
+        <p:spPr>
+          <a:xfrm>
+            <a:off x="5184009" y="1135933"/>
+            <a:ext cx="792205" cy="307777"/>
+          </a:xfrm>
+          <a:prstGeom prst="rect">
+            <a:avLst/>
+          </a:prstGeom>
+          <a:noFill/>
+        </p:spPr>
+        <p:txBody>
+          <a:bodyPr wrap="none" rtlCol="0">
+            <a:spAutoFit/>
+          </a:bodyPr>
+          <a:lstStyle/>
+          <a:p>
+            <a:r>
+              <a:rPr lang="en-US" sz="1400" dirty="0" smtClean="0"/>
+              <a:t>Ordered</a:t>
+            </a:r>
+            <a:endParaRPr lang="de-CH" sz="1400" dirty="0"/>
+          </a:p>
+        </p:txBody>
+      </p:sp>
+      <p:cxnSp>
+        <p:nvCxnSpPr>
+          <p:cNvPr id="26" name="Straight Arrow Connector 25"/>
+          <p:cNvCxnSpPr/>
+          <p:nvPr/>
+        </p:nvCxnSpPr>
+        <p:spPr>
+          <a:xfrm rot="5400000">
+            <a:off x="4139952" y="3428999"/>
+            <a:ext cx="1008112" cy="0"/>
+          </a:xfrm>
+          <a:prstGeom prst="straightConnector1">
+            <a:avLst/>
+          </a:prstGeom>
+          <a:ln w="28575">
+            <a:solidFill>
+              <a:schemeClr val="accent2"/>
+            </a:solidFill>
+            <a:tailEnd type="arrow"/>
+          </a:ln>
+        </p:spPr>
+        <p:style>
+          <a:lnRef idx="1">
+            <a:schemeClr val="accent1"/>
+          </a:lnRef>
+          <a:fillRef idx="0">
+            <a:schemeClr val="accent1"/>
+          </a:fillRef>
+          <a:effectRef idx="0">
+            <a:schemeClr val="accent1"/>
+          </a:effectRef>
+          <a:fontRef idx="minor">
+            <a:schemeClr val="tx1"/>
+          </a:fontRef>
+        </p:style>
+      </p:cxnSp>
+      <p:sp>
+        <p:nvSpPr>
+          <p:cNvPr id="27" name="TextBox 26"/>
+          <p:cNvSpPr txBox="1"/>
+          <p:nvPr/>
+        </p:nvSpPr>
+        <p:spPr>
+          <a:xfrm rot="5400000">
+            <a:off x="4424994" y="3275110"/>
+            <a:ext cx="805670" cy="307777"/>
+          </a:xfrm>
+          <a:prstGeom prst="rect">
+            <a:avLst/>
+          </a:prstGeom>
+          <a:noFill/>
+        </p:spPr>
+        <p:txBody>
+          <a:bodyPr wrap="none" rtlCol="0">
+            <a:spAutoFit/>
+          </a:bodyPr>
+          <a:lstStyle/>
+          <a:p>
+            <a:r>
+              <a:rPr lang="en-US" sz="1400" dirty="0" smtClean="0"/>
+              <a:t>Installed</a:t>
+            </a:r>
+            <a:endParaRPr lang="de-CH" sz="1400" dirty="0"/>
+          </a:p>
+        </p:txBody>
+      </p:sp>
+      <p:grpSp>
+        <p:nvGrpSpPr>
+          <p:cNvPr id="36" name="Group 35"/>
+          <p:cNvGrpSpPr/>
+          <p:nvPr/>
+        </p:nvGrpSpPr>
+        <p:grpSpPr>
+          <a:xfrm>
+            <a:off x="6557754" y="5359063"/>
+            <a:ext cx="2375756" cy="1296144"/>
+            <a:chOff x="6768244" y="4005064"/>
+            <a:chExt cx="2375756" cy="1296144"/>
+          </a:xfrm>
+        </p:grpSpPr>
+        <p:sp>
+          <p:nvSpPr>
+            <p:cNvPr id="31" name="Rectangle 30"/>
+            <p:cNvSpPr/>
+            <p:nvPr/>
+          </p:nvSpPr>
+          <p:spPr>
+            <a:xfrm>
+              <a:off x="6768244" y="4005064"/>
+              <a:ext cx="2375756" cy="1296144"/>
+            </a:xfrm>
+            <a:prstGeom prst="rect">
+              <a:avLst/>
+            </a:prstGeom>
+            <a:solidFill>
+              <a:schemeClr val="bg1">
+                <a:lumMod val="85000"/>
+              </a:schemeClr>
+            </a:solidFill>
+            <a:ln>
+              <a:noFill/>
+            </a:ln>
+          </p:spPr>
+          <p:style>
+            <a:lnRef idx="2">
+              <a:schemeClr val="accent1">
+                <a:shade val="50000"/>
+              </a:schemeClr>
+            </a:lnRef>
+            <a:fillRef idx="1">
+              <a:schemeClr val="accent1"/>
+            </a:fillRef>
+            <a:effectRef idx="0">
+              <a:schemeClr val="accent1"/>
+            </a:effectRef>
+            <a:fontRef idx="minor">
+              <a:schemeClr val="lt1"/>
+            </a:fontRef>
+          </p:style>
+          <p:txBody>
+            <a:bodyPr rtlCol="0" anchor="ctr"/>
+            <a:lstStyle/>
+            <a:p>
+              <a:pPr algn="ctr"/>
+              <a:endParaRPr lang="de-CH"/>
+            </a:p>
+          </p:txBody>
+        </p:sp>
+        <p:cxnSp>
+          <p:nvCxnSpPr>
+            <p:cNvPr id="30" name="Straight Arrow Connector 29"/>
+            <p:cNvCxnSpPr/>
+            <p:nvPr/>
+          </p:nvCxnSpPr>
+          <p:spPr>
+            <a:xfrm flipV="1">
+              <a:off x="6876256" y="4062339"/>
+              <a:ext cx="432048" cy="432048"/>
+            </a:xfrm>
+            <a:prstGeom prst="straightConnector1">
+              <a:avLst/>
+            </a:prstGeom>
+            <a:ln w="28575">
+              <a:solidFill>
+                <a:schemeClr val="accent2"/>
+              </a:solidFill>
+              <a:tailEnd type="arrow"/>
+            </a:ln>
+          </p:spPr>
+          <p:style>
+            <a:lnRef idx="1">
+              <a:schemeClr val="accent1"/>
+            </a:lnRef>
+            <a:fillRef idx="0">
+              <a:schemeClr val="accent1"/>
+            </a:fillRef>
+            <a:effectRef idx="0">
+              <a:schemeClr val="accent1"/>
+            </a:effectRef>
+            <a:fontRef idx="minor">
+              <a:schemeClr val="tx1"/>
+            </a:fontRef>
+          </p:style>
+        </p:cxnSp>
+        <p:sp>
+          <p:nvSpPr>
+            <p:cNvPr id="32" name="TextBox 31"/>
+            <p:cNvSpPr txBox="1"/>
+            <p:nvPr/>
+          </p:nvSpPr>
+          <p:spPr>
+            <a:xfrm>
+              <a:off x="7321223" y="4063500"/>
+              <a:ext cx="1535998" cy="430887"/>
+            </a:xfrm>
+            <a:prstGeom prst="rect">
+              <a:avLst/>
+            </a:prstGeom>
+            <a:noFill/>
+          </p:spPr>
+          <p:txBody>
+            <a:bodyPr wrap="none" rtlCol="0">
+              <a:spAutoFit/>
+            </a:bodyPr>
+            <a:lstStyle/>
+            <a:p>
+              <a:r>
+                <a:rPr lang="en-US" sz="1100" b="1" dirty="0" smtClean="0"/>
+                <a:t>Event</a:t>
+              </a:r>
+              <a:r>
+                <a:rPr lang="en-US" sz="1100" dirty="0" smtClean="0"/>
+                <a:t/>
+              </a:r>
+              <a:br>
+                <a:rPr lang="en-US" sz="1100" dirty="0" smtClean="0"/>
+              </a:br>
+              <a:r>
+                <a:rPr lang="en-US" sz="1100" dirty="0" smtClean="0"/>
+                <a:t>Published or Consumed</a:t>
+              </a:r>
+              <a:endParaRPr lang="de-CH" sz="1100" dirty="0"/>
+            </a:p>
+          </p:txBody>
+        </p:sp>
+        <p:cxnSp>
+          <p:nvCxnSpPr>
+            <p:cNvPr id="33" name="Straight Arrow Connector 32"/>
+            <p:cNvCxnSpPr/>
+            <p:nvPr/>
+          </p:nvCxnSpPr>
+          <p:spPr>
+            <a:xfrm>
+              <a:off x="6876256" y="4864395"/>
+              <a:ext cx="444967" cy="0"/>
+            </a:xfrm>
+            <a:prstGeom prst="straightConnector1">
+              <a:avLst/>
+            </a:prstGeom>
+            <a:ln w="28575">
+              <a:tailEnd type="arrow"/>
+            </a:ln>
+          </p:spPr>
+          <p:style>
+            <a:lnRef idx="1">
+              <a:schemeClr val="accent1"/>
+            </a:lnRef>
+            <a:fillRef idx="0">
+              <a:schemeClr val="accent1"/>
+            </a:fillRef>
+            <a:effectRef idx="0">
+              <a:schemeClr val="accent1"/>
+            </a:effectRef>
+            <a:fontRef idx="minor">
+              <a:schemeClr val="tx1"/>
+            </a:fontRef>
+          </p:style>
+        </p:cxnSp>
+        <p:sp>
+          <p:nvSpPr>
+            <p:cNvPr id="35" name="TextBox 34"/>
+            <p:cNvSpPr txBox="1"/>
+            <p:nvPr/>
+          </p:nvSpPr>
+          <p:spPr>
+            <a:xfrm>
+              <a:off x="7321223" y="4641659"/>
+              <a:ext cx="785793" cy="430887"/>
+            </a:xfrm>
+            <a:prstGeom prst="rect">
+              <a:avLst/>
+            </a:prstGeom>
+            <a:noFill/>
+          </p:spPr>
+          <p:txBody>
+            <a:bodyPr wrap="none" rtlCol="0">
+              <a:spAutoFit/>
+            </a:bodyPr>
+            <a:lstStyle/>
+            <a:p>
+              <a:r>
+                <a:rPr lang="en-US" sz="1100" b="1" dirty="0" smtClean="0"/>
+                <a:t>Command</a:t>
+              </a:r>
+              <a:r>
+                <a:rPr lang="en-US" sz="1100" dirty="0" smtClean="0"/>
+                <a:t/>
+              </a:r>
+              <a:br>
+                <a:rPr lang="en-US" sz="1100" dirty="0" smtClean="0"/>
+              </a:br>
+              <a:r>
+                <a:rPr lang="en-US" sz="1100" dirty="0" smtClean="0"/>
+                <a:t>Received</a:t>
+              </a:r>
+              <a:endParaRPr lang="de-CH" sz="1100" dirty="0"/>
+            </a:p>
+          </p:txBody>
+        </p:sp>
+      </p:grpSp>
+      <p:sp>
+        <p:nvSpPr>
+          <p:cNvPr id="37" name="Rectangle 36"/>
+          <p:cNvSpPr/>
+          <p:nvPr/>
+        </p:nvSpPr>
+        <p:spPr>
+          <a:xfrm>
+            <a:off x="1403648" y="2492896"/>
+            <a:ext cx="432048" cy="936104"/>
+          </a:xfrm>
+          <a:prstGeom prst="rect">
+            <a:avLst/>
+          </a:prstGeom>
+          <a:solidFill>
+            <a:schemeClr val="accent5">
+              <a:lumMod val="75000"/>
+            </a:schemeClr>
+          </a:solidFill>
+          <a:ln>
+            <a:noFill/>
+          </a:ln>
+        </p:spPr>
+        <p:style>
+          <a:lnRef idx="2">
+            <a:schemeClr val="accent1">
+              <a:shade val="50000"/>
+            </a:schemeClr>
+          </a:lnRef>
+          <a:fillRef idx="1">
+            <a:schemeClr val="accent1"/>
+          </a:fillRef>
+          <a:effectRef idx="0">
+            <a:schemeClr val="accent1"/>
+          </a:effectRef>
+          <a:fontRef idx="minor">
+            <a:schemeClr val="lt1"/>
+          </a:fontRef>
+        </p:style>
+        <p:txBody>
+          <a:bodyPr vert="vert" rtlCol="0" anchor="ctr"/>
+          <a:lstStyle/>
+          <a:p>
+            <a:pPr algn="ctr"/>
+            <a:r>
+              <a:rPr lang="en-US" sz="1200" dirty="0" smtClean="0"/>
+              <a:t>Frontend</a:t>
+            </a:r>
+            <a:endParaRPr lang="de-CH" sz="1200" dirty="0"/>
+          </a:p>
+        </p:txBody>
+      </p:sp>
+      <p:sp>
+        <p:nvSpPr>
+          <p:cNvPr id="38" name="Rectangle 37"/>
+          <p:cNvSpPr/>
+          <p:nvPr/>
+        </p:nvSpPr>
+        <p:spPr>
+          <a:xfrm>
+            <a:off x="2021860" y="2492896"/>
+            <a:ext cx="432048" cy="936104"/>
+          </a:xfrm>
+          <a:prstGeom prst="rect">
+            <a:avLst/>
+          </a:prstGeom>
+          <a:solidFill>
+            <a:schemeClr val="accent5">
+              <a:lumMod val="75000"/>
+            </a:schemeClr>
+          </a:solidFill>
+          <a:ln>
+            <a:noFill/>
+          </a:ln>
+        </p:spPr>
+        <p:style>
+          <a:lnRef idx="2">
+            <a:schemeClr val="accent1">
+              <a:shade val="50000"/>
+            </a:schemeClr>
+          </a:lnRef>
+          <a:fillRef idx="1">
+            <a:schemeClr val="accent1"/>
+          </a:fillRef>
+          <a:effectRef idx="0">
+            <a:schemeClr val="accent1"/>
+          </a:effectRef>
+          <a:fontRef idx="minor">
+            <a:schemeClr val="lt1"/>
+          </a:fontRef>
+        </p:style>
+        <p:txBody>
+          <a:bodyPr vert="vert" rtlCol="0" anchor="ctr"/>
+          <a:lstStyle/>
+          <a:p>
+            <a:pPr algn="ctr"/>
+            <a:r>
+              <a:rPr lang="en-US" sz="1200" dirty="0" smtClean="0"/>
+              <a:t>Backend</a:t>
+            </a:r>
+            <a:endParaRPr lang="de-CH" sz="1200" dirty="0"/>
+          </a:p>
+        </p:txBody>
+      </p:sp>
+      <p:sp>
+        <p:nvSpPr>
+          <p:cNvPr id="39" name="Rectangle 38"/>
+          <p:cNvSpPr/>
+          <p:nvPr/>
+        </p:nvSpPr>
+        <p:spPr>
+          <a:xfrm>
+            <a:off x="3721505" y="5661248"/>
+            <a:ext cx="432048" cy="936104"/>
+          </a:xfrm>
+          <a:prstGeom prst="rect">
+            <a:avLst/>
+          </a:prstGeom>
+          <a:solidFill>
+            <a:schemeClr val="accent6">
+              <a:lumMod val="75000"/>
+            </a:schemeClr>
+          </a:solidFill>
+          <a:ln>
+            <a:noFill/>
+          </a:ln>
+        </p:spPr>
+        <p:style>
+          <a:lnRef idx="2">
+            <a:schemeClr val="accent1">
+              <a:shade val="50000"/>
+            </a:schemeClr>
+          </a:lnRef>
+          <a:fillRef idx="1">
+            <a:schemeClr val="accent1"/>
+          </a:fillRef>
+          <a:effectRef idx="0">
+            <a:schemeClr val="accent1"/>
+          </a:effectRef>
+          <a:fontRef idx="minor">
+            <a:schemeClr val="lt1"/>
+          </a:fontRef>
+        </p:style>
+        <p:txBody>
+          <a:bodyPr vert="vert" rtlCol="0" anchor="ctr"/>
+          <a:lstStyle/>
+          <a:p>
+            <a:pPr algn="ctr"/>
+            <a:r>
+              <a:rPr lang="en-US" sz="1200" dirty="0" smtClean="0"/>
+              <a:t>Frontend</a:t>
+            </a:r>
+            <a:endParaRPr lang="de-CH" sz="1200" dirty="0"/>
+          </a:p>
+        </p:txBody>
+      </p:sp>
+      <p:sp>
+        <p:nvSpPr>
+          <p:cNvPr id="40" name="Rectangle 39"/>
+          <p:cNvSpPr/>
+          <p:nvPr/>
+        </p:nvSpPr>
+        <p:spPr>
+          <a:xfrm>
+            <a:off x="4339717" y="5661248"/>
+            <a:ext cx="432048" cy="936104"/>
+          </a:xfrm>
+          <a:prstGeom prst="rect">
+            <a:avLst/>
+          </a:prstGeom>
+          <a:solidFill>
+            <a:schemeClr val="accent6">
+              <a:lumMod val="75000"/>
+            </a:schemeClr>
+          </a:solidFill>
+          <a:ln>
+            <a:noFill/>
+          </a:ln>
+        </p:spPr>
+        <p:style>
+          <a:lnRef idx="2">
+            <a:schemeClr val="accent1">
+              <a:shade val="50000"/>
+            </a:schemeClr>
+          </a:lnRef>
+          <a:fillRef idx="1">
+            <a:schemeClr val="accent1"/>
+          </a:fillRef>
+          <a:effectRef idx="0">
+            <a:schemeClr val="accent1"/>
+          </a:effectRef>
+          <a:fontRef idx="minor">
+            <a:schemeClr val="lt1"/>
+          </a:fontRef>
+        </p:style>
+        <p:txBody>
+          <a:bodyPr vert="vert" rtlCol="0" anchor="ctr"/>
+          <a:lstStyle/>
+          <a:p>
+            <a:pPr algn="ctr"/>
+            <a:r>
+              <a:rPr lang="en-US" sz="1200" dirty="0" smtClean="0"/>
+              <a:t>Backend</a:t>
+            </a:r>
+            <a:endParaRPr lang="de-CH" sz="1200" dirty="0"/>
+          </a:p>
+        </p:txBody>
+      </p:sp>
+      <p:sp>
+        <p:nvSpPr>
+          <p:cNvPr id="41" name="Rectangle 40"/>
+          <p:cNvSpPr/>
+          <p:nvPr/>
+        </p:nvSpPr>
+        <p:spPr>
+          <a:xfrm>
+            <a:off x="6557754" y="2549783"/>
+            <a:ext cx="432048" cy="936104"/>
+          </a:xfrm>
+          <a:prstGeom prst="rect">
+            <a:avLst/>
+          </a:prstGeom>
+          <a:solidFill>
+            <a:schemeClr val="accent4">
+              <a:lumMod val="75000"/>
+            </a:schemeClr>
+          </a:solidFill>
+          <a:ln>
+            <a:noFill/>
+          </a:ln>
+        </p:spPr>
+        <p:style>
+          <a:lnRef idx="2">
+            <a:schemeClr val="accent1">
+              <a:shade val="50000"/>
+            </a:schemeClr>
+          </a:lnRef>
+          <a:fillRef idx="1">
+            <a:schemeClr val="accent1"/>
+          </a:fillRef>
+          <a:effectRef idx="0">
+            <a:schemeClr val="accent1"/>
+          </a:effectRef>
+          <a:fontRef idx="minor">
+            <a:schemeClr val="lt1"/>
+          </a:fontRef>
+        </p:style>
+        <p:txBody>
+          <a:bodyPr vert="vert" rtlCol="0" anchor="ctr"/>
+          <a:lstStyle/>
+          <a:p>
+            <a:pPr algn="ctr"/>
+            <a:r>
+              <a:rPr lang="en-US" sz="1200" dirty="0" smtClean="0"/>
+              <a:t>Backend</a:t>
+            </a:r>
+            <a:endParaRPr lang="de-CH" sz="1200" dirty="0"/>
+          </a:p>
+        </p:txBody>
+      </p:sp>
+      <p:cxnSp>
+        <p:nvCxnSpPr>
+          <p:cNvPr id="34" name="Straight Arrow Connector 33"/>
+          <p:cNvCxnSpPr/>
+          <p:nvPr/>
+        </p:nvCxnSpPr>
+        <p:spPr>
+          <a:xfrm>
+            <a:off x="5076056" y="2105719"/>
+            <a:ext cx="1008112" cy="0"/>
+          </a:xfrm>
+          <a:prstGeom prst="straightConnector1">
+            <a:avLst/>
+          </a:prstGeom>
+          <a:ln w="28575">
+            <a:solidFill>
+              <a:schemeClr val="accent2"/>
+            </a:solidFill>
+            <a:tailEnd type="arrow"/>
+          </a:ln>
+        </p:spPr>
+        <p:style>
+          <a:lnRef idx="1">
+            <a:schemeClr val="accent1"/>
+          </a:lnRef>
+          <a:fillRef idx="0">
+            <a:schemeClr val="accent1"/>
+          </a:fillRef>
+          <a:effectRef idx="0">
+            <a:schemeClr val="accent1"/>
+          </a:effectRef>
+          <a:fontRef idx="minor">
+            <a:schemeClr val="tx1"/>
+          </a:fontRef>
+        </p:style>
+      </p:cxnSp>
+      <p:sp>
+        <p:nvSpPr>
+          <p:cNvPr id="42" name="TextBox 41"/>
+          <p:cNvSpPr txBox="1"/>
+          <p:nvPr/>
+        </p:nvSpPr>
+        <p:spPr>
+          <a:xfrm>
+            <a:off x="4465864" y="1735806"/>
+            <a:ext cx="1510350" cy="307777"/>
+          </a:xfrm>
+          <a:prstGeom prst="rect">
+            <a:avLst/>
+          </a:prstGeom>
+          <a:noFill/>
+        </p:spPr>
+        <p:txBody>
+          <a:bodyPr wrap="none" rtlCol="0">
+            <a:spAutoFit/>
+          </a:bodyPr>
+          <a:lstStyle/>
+          <a:p>
+            <a:r>
+              <a:rPr lang="en-US" sz="1400" dirty="0" err="1" smtClean="0"/>
+              <a:t>ComplainedAbout</a:t>
+            </a:r>
+            <a:endParaRPr lang="de-CH" sz="1400" dirty="0"/>
+          </a:p>
+        </p:txBody>
+      </p:sp>
+      <p:cxnSp>
+        <p:nvCxnSpPr>
+          <p:cNvPr id="43" name="Straight Arrow Connector 42"/>
+          <p:cNvCxnSpPr/>
+          <p:nvPr/>
+        </p:nvCxnSpPr>
+        <p:spPr>
+          <a:xfrm rot="5400000">
+            <a:off x="3217449" y="3428998"/>
+            <a:ext cx="1008112" cy="0"/>
+          </a:xfrm>
+          <a:prstGeom prst="straightConnector1">
+            <a:avLst/>
+          </a:prstGeom>
+          <a:ln w="28575">
+            <a:solidFill>
+              <a:schemeClr val="accent2"/>
+            </a:solidFill>
+            <a:tailEnd type="arrow"/>
+          </a:ln>
+        </p:spPr>
+        <p:style>
+          <a:lnRef idx="1">
+            <a:schemeClr val="accent1"/>
+          </a:lnRef>
+          <a:fillRef idx="0">
+            <a:schemeClr val="accent1"/>
+          </a:fillRef>
+          <a:effectRef idx="0">
+            <a:schemeClr val="accent1"/>
+          </a:effectRef>
+          <a:fontRef idx="minor">
+            <a:schemeClr val="tx1"/>
+          </a:fontRef>
+        </p:style>
+      </p:cxnSp>
+      <p:sp>
+        <p:nvSpPr>
+          <p:cNvPr id="44" name="TextBox 43"/>
+          <p:cNvSpPr txBox="1"/>
+          <p:nvPr/>
+        </p:nvSpPr>
+        <p:spPr>
+          <a:xfrm rot="5400000">
+            <a:off x="3026050" y="2863947"/>
+            <a:ext cx="1758558" cy="307777"/>
+          </a:xfrm>
+          <a:prstGeom prst="rect">
+            <a:avLst/>
+          </a:prstGeom>
+          <a:noFill/>
+        </p:spPr>
+        <p:txBody>
+          <a:bodyPr wrap="none" rtlCol="0">
+            <a:spAutoFit/>
+          </a:bodyPr>
+          <a:lstStyle/>
+          <a:p>
+            <a:r>
+              <a:rPr lang="en-US" sz="1400" dirty="0" err="1" smtClean="0"/>
+              <a:t>MotivationDecreased</a:t>
+            </a:r>
+            <a:endParaRPr lang="de-CH" sz="1400" dirty="0"/>
+          </a:p>
+        </p:txBody>
+      </p:sp>
+      <p:cxnSp>
+        <p:nvCxnSpPr>
+          <p:cNvPr id="45" name="Straight Arrow Connector 44"/>
+          <p:cNvCxnSpPr/>
+          <p:nvPr/>
+        </p:nvCxnSpPr>
+        <p:spPr>
+          <a:xfrm rot="5400000">
+            <a:off x="3649497" y="3442545"/>
+            <a:ext cx="1008112" cy="0"/>
+          </a:xfrm>
+          <a:prstGeom prst="straightConnector1">
+            <a:avLst/>
+          </a:prstGeom>
+          <a:ln w="28575">
+            <a:solidFill>
+              <a:schemeClr val="accent2"/>
+            </a:solidFill>
+            <a:tailEnd type="arrow"/>
+          </a:ln>
+        </p:spPr>
+        <p:style>
+          <a:lnRef idx="1">
+            <a:schemeClr val="accent1"/>
+          </a:lnRef>
+          <a:fillRef idx="0">
+            <a:schemeClr val="accent1"/>
+          </a:fillRef>
+          <a:effectRef idx="0">
+            <a:schemeClr val="accent1"/>
+          </a:effectRef>
+          <a:fontRef idx="minor">
+            <a:schemeClr val="tx1"/>
+          </a:fontRef>
+        </p:style>
+      </p:cxnSp>
+      <p:sp>
+        <p:nvSpPr>
+          <p:cNvPr id="46" name="TextBox 45"/>
+          <p:cNvSpPr txBox="1"/>
+          <p:nvPr/>
+        </p:nvSpPr>
+        <p:spPr>
+          <a:xfrm rot="5400000">
+            <a:off x="3481054" y="2913920"/>
+            <a:ext cx="1712648" cy="307777"/>
+          </a:xfrm>
+          <a:prstGeom prst="rect">
+            <a:avLst/>
+          </a:prstGeom>
+          <a:noFill/>
+        </p:spPr>
+        <p:txBody>
+          <a:bodyPr wrap="none" rtlCol="0">
+            <a:spAutoFit/>
+          </a:bodyPr>
+          <a:lstStyle/>
+          <a:p>
+            <a:r>
+              <a:rPr lang="en-US" sz="1400" dirty="0" err="1" smtClean="0"/>
+              <a:t>BecameDemotivated</a:t>
+            </a:r>
+            <a:endParaRPr lang="de-CH" sz="1400" dirty="0"/>
+          </a:p>
+        </p:txBody>
+      </p:sp>
+    </p:spTree>
+    <p:extLst>
+      <p:ext uri="{BB962C8B-B14F-4D97-AF65-F5344CB8AC3E}">
+        <p14:creationId xmlns:p14="http://schemas.microsoft.com/office/powerpoint/2010/main" val="428407826"/>
+      </p:ext>
+    </p:extLst>
+  </p:cSld>
+  <p:clrMapOvr>
+    <a:masterClrMapping/>
+  </p:clrMapOvr>
+  <p:timing>
+    <p:tnLst>
+      <p:par>
+        <p:cTn id="1" dur="indefinite" restart="never" nodeType="tmRoot"/>
+      </p:par>
+    </p:tnLst>
+  </p:timing>
+</p:sld>
+</file>
+
+<file path=ppt/slides/slide8.xml><?xml version="1.0" encoding="utf-8"?>
 <p:sld xmlns:a="http://schemas.openxmlformats.org/drawingml/2006/main" xmlns:r="http://schemas.openxmlformats.org/officeDocument/2006/relationships" xmlns:p="http://schemas.openxmlformats.org/presentationml/2006/main">
   <p:cSld>
     <p:spTree>
@@ -5357,4 +9781,289 @@
   <a:objectDefaults/>
   <a:extraClrSchemeLst/>
 </a:theme>
+</file>
+
+<file path=ppt/theme/theme2.xml><?xml version="1.0" encoding="utf-8"?>
+<a:theme xmlns:a="http://schemas.openxmlformats.org/drawingml/2006/main" name="Office Theme">
+  <a:themeElements>
+    <a:clrScheme name="Office">
+      <a:dk1>
+        <a:sysClr val="windowText" lastClr="000000"/>
+      </a:dk1>
+      <a:lt1>
+        <a:sysClr val="window" lastClr="FFFFFF"/>
+      </a:lt1>
+      <a:dk2>
+        <a:srgbClr val="1F497D"/>
+      </a:dk2>
+      <a:lt2>
+        <a:srgbClr val="EEECE1"/>
+      </a:lt2>
+      <a:accent1>
+        <a:srgbClr val="4F81BD"/>
+      </a:accent1>
+      <a:accent2>
+        <a:srgbClr val="C0504D"/>
+      </a:accent2>
+      <a:accent3>
+        <a:srgbClr val="9BBB59"/>
+      </a:accent3>
+      <a:accent4>
+        <a:srgbClr val="8064A2"/>
+      </a:accent4>
+      <a:accent5>
+        <a:srgbClr val="4BACC6"/>
+      </a:accent5>
+      <a:accent6>
+        <a:srgbClr val="F79646"/>
+      </a:accent6>
+      <a:hlink>
+        <a:srgbClr val="0000FF"/>
+      </a:hlink>
+      <a:folHlink>
+        <a:srgbClr val="800080"/>
+      </a:folHlink>
+    </a:clrScheme>
+    <a:fontScheme name="Office">
+      <a:majorFont>
+        <a:latin typeface="Calibri"/>
+        <a:ea typeface=""/>
+        <a:cs typeface=""/>
+        <a:font script="Jpan" typeface="ＭＳ Ｐゴシック"/>
+        <a:font script="Hang" typeface="맑은 고딕"/>
+        <a:font script="Hans" typeface="宋体"/>
+        <a:font script="Hant" typeface="新細明體"/>
+        <a:font script="Arab" typeface="Times New Roman"/>
+        <a:font script="Hebr" typeface="Times New Roman"/>
+        <a:font script="Thai" typeface="Angsana New"/>
+        <a:font script="Ethi" typeface="Nyala"/>
+        <a:font script="Beng" typeface="Vrinda"/>
+        <a:font script="Gujr" typeface="Shruti"/>
+        <a:font script="Khmr" typeface="MoolBoran"/>
+        <a:font script="Knda" typeface="Tunga"/>
+        <a:font script="Guru" typeface="Raavi"/>
+        <a:font script="Cans" typeface="Euphemia"/>
+        <a:font script="Cher" typeface="Plantagenet Cherokee"/>
+        <a:font script="Yiii" typeface="Microsoft Yi Baiti"/>
+        <a:font script="Tibt" typeface="Microsoft Himalaya"/>
+        <a:font script="Thaa" typeface="MV Boli"/>
+        <a:font script="Deva" typeface="Mangal"/>
+        <a:font script="Telu" typeface="Gautami"/>
+        <a:font script="Taml" typeface="Latha"/>
+        <a:font script="Syrc" typeface="Estrangelo Edessa"/>
+        <a:font script="Orya" typeface="Kalinga"/>
+        <a:font script="Mlym" typeface="Kartika"/>
+        <a:font script="Laoo" typeface="DokChampa"/>
+        <a:font script="Sinh" typeface="Iskoola Pota"/>
+        <a:font script="Mong" typeface="Mongolian Baiti"/>
+        <a:font script="Viet" typeface="Times New Roman"/>
+        <a:font script="Uigh" typeface="Microsoft Uighur"/>
+        <a:font script="Geor" typeface="Sylfaen"/>
+      </a:majorFont>
+      <a:minorFont>
+        <a:latin typeface="Calibri"/>
+        <a:ea typeface=""/>
+        <a:cs typeface=""/>
+        <a:font script="Jpan" typeface="ＭＳ Ｐゴシック"/>
+        <a:font script="Hang" typeface="맑은 고딕"/>
+        <a:font script="Hans" typeface="宋体"/>
+        <a:font script="Hant" typeface="新細明體"/>
+        <a:font script="Arab" typeface="Arial"/>
+        <a:font script="Hebr" typeface="Arial"/>
+        <a:font script="Thai" typeface="Cordia New"/>
+        <a:font script="Ethi" typeface="Nyala"/>
+        <a:font script="Beng" typeface="Vrinda"/>
+        <a:font script="Gujr" typeface="Shruti"/>
+        <a:font script="Khmr" typeface="DaunPenh"/>
+        <a:font script="Knda" typeface="Tunga"/>
+        <a:font script="Guru" typeface="Raavi"/>
+        <a:font script="Cans" typeface="Euphemia"/>
+        <a:font script="Cher" typeface="Plantagenet Cherokee"/>
+        <a:font script="Yiii" typeface="Microsoft Yi Baiti"/>
+        <a:font script="Tibt" typeface="Microsoft Himalaya"/>
+        <a:font script="Thaa" typeface="MV Boli"/>
+        <a:font script="Deva" typeface="Mangal"/>
+        <a:font script="Telu" typeface="Gautami"/>
+        <a:font script="Taml" typeface="Latha"/>
+        <a:font script="Syrc" typeface="Estrangelo Edessa"/>
+        <a:font script="Orya" typeface="Kalinga"/>
+        <a:font script="Mlym" typeface="Kartika"/>
+        <a:font script="Laoo" typeface="DokChampa"/>
+        <a:font script="Sinh" typeface="Iskoola Pota"/>
+        <a:font script="Mong" typeface="Mongolian Baiti"/>
+        <a:font script="Viet" typeface="Arial"/>
+        <a:font script="Uigh" typeface="Microsoft Uighur"/>
+        <a:font script="Geor" typeface="Sylfaen"/>
+      </a:minorFont>
+    </a:fontScheme>
+    <a:fmtScheme name="Office">
+      <a:fillStyleLst>
+        <a:solidFill>
+          <a:schemeClr val="phClr"/>
+        </a:solidFill>
+        <a:gradFill rotWithShape="1">
+          <a:gsLst>
+            <a:gs pos="0">
+              <a:schemeClr val="phClr">
+                <a:tint val="50000"/>
+                <a:satMod val="300000"/>
+              </a:schemeClr>
+            </a:gs>
+            <a:gs pos="35000">
+              <a:schemeClr val="phClr">
+                <a:tint val="37000"/>
+                <a:satMod val="300000"/>
+              </a:schemeClr>
+            </a:gs>
+            <a:gs pos="100000">
+              <a:schemeClr val="phClr">
+                <a:tint val="15000"/>
+                <a:satMod val="350000"/>
+              </a:schemeClr>
+            </a:gs>
+          </a:gsLst>
+          <a:lin ang="16200000" scaled="1"/>
+        </a:gradFill>
+        <a:gradFill rotWithShape="1">
+          <a:gsLst>
+            <a:gs pos="0">
+              <a:schemeClr val="phClr">
+                <a:shade val="51000"/>
+                <a:satMod val="130000"/>
+              </a:schemeClr>
+            </a:gs>
+            <a:gs pos="80000">
+              <a:schemeClr val="phClr">
+                <a:shade val="93000"/>
+                <a:satMod val="130000"/>
+              </a:schemeClr>
+            </a:gs>
+            <a:gs pos="100000">
+              <a:schemeClr val="phClr">
+                <a:shade val="94000"/>
+                <a:satMod val="135000"/>
+              </a:schemeClr>
+            </a:gs>
+          </a:gsLst>
+          <a:lin ang="16200000" scaled="0"/>
+        </a:gradFill>
+      </a:fillStyleLst>
+      <a:lnStyleLst>
+        <a:ln w="9525" cap="flat" cmpd="sng" algn="ctr">
+          <a:solidFill>
+            <a:schemeClr val="phClr">
+              <a:shade val="95000"/>
+              <a:satMod val="105000"/>
+            </a:schemeClr>
+          </a:solidFill>
+          <a:prstDash val="solid"/>
+        </a:ln>
+        <a:ln w="25400" cap="flat" cmpd="sng" algn="ctr">
+          <a:solidFill>
+            <a:schemeClr val="phClr"/>
+          </a:solidFill>
+          <a:prstDash val="solid"/>
+        </a:ln>
+        <a:ln w="38100" cap="flat" cmpd="sng" algn="ctr">
+          <a:solidFill>
+            <a:schemeClr val="phClr"/>
+          </a:solidFill>
+          <a:prstDash val="solid"/>
+        </a:ln>
+      </a:lnStyleLst>
+      <a:effectStyleLst>
+        <a:effectStyle>
+          <a:effectLst>
+            <a:outerShdw blurRad="40000" dist="20000" dir="5400000" rotWithShape="0">
+              <a:srgbClr val="000000">
+                <a:alpha val="38000"/>
+              </a:srgbClr>
+            </a:outerShdw>
+          </a:effectLst>
+        </a:effectStyle>
+        <a:effectStyle>
+          <a:effectLst>
+            <a:outerShdw blurRad="40000" dist="23000" dir="5400000" rotWithShape="0">
+              <a:srgbClr val="000000">
+                <a:alpha val="35000"/>
+              </a:srgbClr>
+            </a:outerShdw>
+          </a:effectLst>
+        </a:effectStyle>
+        <a:effectStyle>
+          <a:effectLst>
+            <a:outerShdw blurRad="40000" dist="23000" dir="5400000" rotWithShape="0">
+              <a:srgbClr val="000000">
+                <a:alpha val="35000"/>
+              </a:srgbClr>
+            </a:outerShdw>
+          </a:effectLst>
+          <a:scene3d>
+            <a:camera prst="orthographicFront">
+              <a:rot lat="0" lon="0" rev="0"/>
+            </a:camera>
+            <a:lightRig rig="threePt" dir="t">
+              <a:rot lat="0" lon="0" rev="1200000"/>
+            </a:lightRig>
+          </a:scene3d>
+          <a:sp3d>
+            <a:bevelT w="63500" h="25400"/>
+          </a:sp3d>
+        </a:effectStyle>
+      </a:effectStyleLst>
+      <a:bgFillStyleLst>
+        <a:solidFill>
+          <a:schemeClr val="phClr"/>
+        </a:solidFill>
+        <a:gradFill rotWithShape="1">
+          <a:gsLst>
+            <a:gs pos="0">
+              <a:schemeClr val="phClr">
+                <a:tint val="40000"/>
+                <a:satMod val="350000"/>
+              </a:schemeClr>
+            </a:gs>
+            <a:gs pos="40000">
+              <a:schemeClr val="phClr">
+                <a:tint val="45000"/>
+                <a:shade val="99000"/>
+                <a:satMod val="350000"/>
+              </a:schemeClr>
+            </a:gs>
+            <a:gs pos="100000">
+              <a:schemeClr val="phClr">
+                <a:shade val="20000"/>
+                <a:satMod val="255000"/>
+              </a:schemeClr>
+            </a:gs>
+          </a:gsLst>
+          <a:path path="circle">
+            <a:fillToRect l="50000" t="-80000" r="50000" b="180000"/>
+          </a:path>
+        </a:gradFill>
+        <a:gradFill rotWithShape="1">
+          <a:gsLst>
+            <a:gs pos="0">
+              <a:schemeClr val="phClr">
+                <a:tint val="80000"/>
+                <a:satMod val="300000"/>
+              </a:schemeClr>
+            </a:gs>
+            <a:gs pos="100000">
+              <a:schemeClr val="phClr">
+                <a:shade val="30000"/>
+                <a:satMod val="200000"/>
+              </a:schemeClr>
+            </a:gs>
+          </a:gsLst>
+          <a:path path="circle">
+            <a:fillToRect l="50000" t="50000" r="50000" b="50000"/>
+          </a:path>
+        </a:gradFill>
+      </a:bgFillStyleLst>
+    </a:fmtScheme>
+  </a:themeElements>
+  <a:objectDefaults/>
+  <a:extraClrSchemeLst/>
+</a:theme>
 </file>
--- a/SiriusCyberneticsCorp.ComplaintsDevision.pptx
+++ b/SiriusCyberneticsCorp.ComplaintsDevision.pptx
@@ -199,7 +199,7 @@
           <a:p>
             <a:fld id="{9BCC8486-670A-4C00-AE60-61D7276FEF41}" type="datetimeFigureOut">
               <a:rPr lang="de-CH" smtClean="0"/>
-              <a:t>20.09.2012</a:t>
+              <a:t>26.09.2012</a:t>
             </a:fld>
             <a:endParaRPr lang="de-CH"/>
           </a:p>
@@ -1069,7 +1069,7 @@
           <a:p>
             <a:fld id="{4CE2CE21-8E88-45A7-8312-239BEB16CE9A}" type="datetimeFigureOut">
               <a:rPr lang="de-CH" smtClean="0"/>
-              <a:t>20.09.2012</a:t>
+              <a:t>26.09.2012</a:t>
             </a:fld>
             <a:endParaRPr lang="de-CH"/>
           </a:p>
@@ -1239,7 +1239,7 @@
           <a:p>
             <a:fld id="{4CE2CE21-8E88-45A7-8312-239BEB16CE9A}" type="datetimeFigureOut">
               <a:rPr lang="de-CH" smtClean="0"/>
-              <a:t>20.09.2012</a:t>
+              <a:t>26.09.2012</a:t>
             </a:fld>
             <a:endParaRPr lang="de-CH"/>
           </a:p>
@@ -1419,7 +1419,7 @@
           <a:p>
             <a:fld id="{4CE2CE21-8E88-45A7-8312-239BEB16CE9A}" type="datetimeFigureOut">
               <a:rPr lang="de-CH" smtClean="0"/>
-              <a:t>20.09.2012</a:t>
+              <a:t>26.09.2012</a:t>
             </a:fld>
             <a:endParaRPr lang="de-CH"/>
           </a:p>
@@ -1589,7 +1589,7 @@
           <a:p>
             <a:fld id="{4CE2CE21-8E88-45A7-8312-239BEB16CE9A}" type="datetimeFigureOut">
               <a:rPr lang="de-CH" smtClean="0"/>
-              <a:t>20.09.2012</a:t>
+              <a:t>26.09.2012</a:t>
             </a:fld>
             <a:endParaRPr lang="de-CH"/>
           </a:p>
@@ -1835,7 +1835,7 @@
           <a:p>
             <a:fld id="{4CE2CE21-8E88-45A7-8312-239BEB16CE9A}" type="datetimeFigureOut">
               <a:rPr lang="de-CH" smtClean="0"/>
-              <a:t>20.09.2012</a:t>
+              <a:t>26.09.2012</a:t>
             </a:fld>
             <a:endParaRPr lang="de-CH"/>
           </a:p>
@@ -2123,7 +2123,7 @@
           <a:p>
             <a:fld id="{4CE2CE21-8E88-45A7-8312-239BEB16CE9A}" type="datetimeFigureOut">
               <a:rPr lang="de-CH" smtClean="0"/>
-              <a:t>20.09.2012</a:t>
+              <a:t>26.09.2012</a:t>
             </a:fld>
             <a:endParaRPr lang="de-CH"/>
           </a:p>
@@ -2545,7 +2545,7 @@
           <a:p>
             <a:fld id="{4CE2CE21-8E88-45A7-8312-239BEB16CE9A}" type="datetimeFigureOut">
               <a:rPr lang="de-CH" smtClean="0"/>
-              <a:t>20.09.2012</a:t>
+              <a:t>26.09.2012</a:t>
             </a:fld>
             <a:endParaRPr lang="de-CH"/>
           </a:p>
@@ -2663,7 +2663,7 @@
           <a:p>
             <a:fld id="{4CE2CE21-8E88-45A7-8312-239BEB16CE9A}" type="datetimeFigureOut">
               <a:rPr lang="de-CH" smtClean="0"/>
-              <a:t>20.09.2012</a:t>
+              <a:t>26.09.2012</a:t>
             </a:fld>
             <a:endParaRPr lang="de-CH"/>
           </a:p>
@@ -2758,7 +2758,7 @@
           <a:p>
             <a:fld id="{4CE2CE21-8E88-45A7-8312-239BEB16CE9A}" type="datetimeFigureOut">
               <a:rPr lang="de-CH" smtClean="0"/>
-              <a:t>20.09.2012</a:t>
+              <a:t>26.09.2012</a:t>
             </a:fld>
             <a:endParaRPr lang="de-CH"/>
           </a:p>
@@ -3035,7 +3035,7 @@
           <a:p>
             <a:fld id="{4CE2CE21-8E88-45A7-8312-239BEB16CE9A}" type="datetimeFigureOut">
               <a:rPr lang="de-CH" smtClean="0"/>
-              <a:t>20.09.2012</a:t>
+              <a:t>26.09.2012</a:t>
             </a:fld>
             <a:endParaRPr lang="de-CH"/>
           </a:p>
@@ -3288,7 +3288,7 @@
           <a:p>
             <a:fld id="{4CE2CE21-8E88-45A7-8312-239BEB16CE9A}" type="datetimeFigureOut">
               <a:rPr lang="de-CH" smtClean="0"/>
-              <a:t>20.09.2012</a:t>
+              <a:t>26.09.2012</a:t>
             </a:fld>
             <a:endParaRPr lang="de-CH"/>
           </a:p>
@@ -3501,7 +3501,7 @@
           <a:p>
             <a:fld id="{4CE2CE21-8E88-45A7-8312-239BEB16CE9A}" type="datetimeFigureOut">
               <a:rPr lang="de-CH" smtClean="0"/>
-              <a:t>20.09.2012</a:t>
+              <a:t>26.09.2012</a:t>
             </a:fld>
             <a:endParaRPr lang="de-CH"/>
           </a:p>
@@ -5742,6 +5742,140 @@
           </a:p>
         </p:txBody>
       </p:sp>
+      <p:cxnSp>
+        <p:nvCxnSpPr>
+          <p:cNvPr id="47" name="Straight Arrow Connector 46"/>
+          <p:cNvCxnSpPr/>
+          <p:nvPr/>
+        </p:nvCxnSpPr>
+        <p:spPr>
+          <a:xfrm>
+            <a:off x="395536" y="2105719"/>
+            <a:ext cx="864096" cy="0"/>
+          </a:xfrm>
+          <a:prstGeom prst="straightConnector1">
+            <a:avLst/>
+          </a:prstGeom>
+          <a:ln w="28575">
+            <a:solidFill>
+              <a:schemeClr val="accent2"/>
+            </a:solidFill>
+            <a:tailEnd type="arrow"/>
+          </a:ln>
+        </p:spPr>
+        <p:style>
+          <a:lnRef idx="1">
+            <a:schemeClr val="accent1"/>
+          </a:lnRef>
+          <a:fillRef idx="0">
+            <a:schemeClr val="accent1"/>
+          </a:fillRef>
+          <a:effectRef idx="0">
+            <a:schemeClr val="accent1"/>
+          </a:effectRef>
+          <a:fontRef idx="minor">
+            <a:schemeClr val="tx1"/>
+          </a:fontRef>
+        </p:style>
+      </p:cxnSp>
+      <p:sp>
+        <p:nvSpPr>
+          <p:cNvPr id="48" name="TextBox 47"/>
+          <p:cNvSpPr txBox="1"/>
+          <p:nvPr/>
+        </p:nvSpPr>
+        <p:spPr>
+          <a:xfrm>
+            <a:off x="323528" y="1756695"/>
+            <a:ext cx="805670" cy="307777"/>
+          </a:xfrm>
+          <a:prstGeom prst="rect">
+            <a:avLst/>
+          </a:prstGeom>
+          <a:noFill/>
+        </p:spPr>
+        <p:txBody>
+          <a:bodyPr wrap="none" rtlCol="0">
+            <a:spAutoFit/>
+          </a:bodyPr>
+          <a:lstStyle/>
+          <a:p>
+            <a:r>
+              <a:rPr lang="en-US" sz="1400" dirty="0" smtClean="0"/>
+              <a:t>Installed</a:t>
+            </a:r>
+            <a:endParaRPr lang="de-CH" sz="1400" dirty="0"/>
+          </a:p>
+        </p:txBody>
+      </p:sp>
+      <p:cxnSp>
+        <p:nvCxnSpPr>
+          <p:cNvPr id="50" name="Straight Arrow Connector 49"/>
+          <p:cNvCxnSpPr>
+            <a:stCxn id="38" idx="2"/>
+            <a:endCxn id="37" idx="2"/>
+          </p:cNvCxnSpPr>
+          <p:nvPr/>
+        </p:nvCxnSpPr>
+        <p:spPr>
+          <a:xfrm rot="5400000">
+            <a:off x="1928778" y="3119894"/>
+            <a:ext cx="12700" cy="618212"/>
+          </a:xfrm>
+          <a:prstGeom prst="bentConnector3">
+            <a:avLst>
+              <a:gd name="adj1" fmla="val 1800000"/>
+            </a:avLst>
+          </a:prstGeom>
+          <a:ln w="28575">
+            <a:tailEnd type="arrow"/>
+          </a:ln>
+        </p:spPr>
+        <p:style>
+          <a:lnRef idx="1">
+            <a:schemeClr val="accent1"/>
+          </a:lnRef>
+          <a:fillRef idx="0">
+            <a:schemeClr val="accent1"/>
+          </a:fillRef>
+          <a:effectRef idx="0">
+            <a:schemeClr val="accent1"/>
+          </a:effectRef>
+          <a:fontRef idx="minor">
+            <a:schemeClr val="tx1"/>
+          </a:fontRef>
+        </p:style>
+      </p:cxnSp>
+      <p:sp>
+        <p:nvSpPr>
+          <p:cNvPr id="55" name="TextBox 54"/>
+          <p:cNvSpPr txBox="1"/>
+          <p:nvPr/>
+        </p:nvSpPr>
+        <p:spPr>
+          <a:xfrm>
+            <a:off x="1239262" y="3760053"/>
+            <a:ext cx="1388522" cy="307777"/>
+          </a:xfrm>
+          <a:prstGeom prst="rect">
+            <a:avLst/>
+          </a:prstGeom>
+          <a:noFill/>
+        </p:spPr>
+        <p:txBody>
+          <a:bodyPr wrap="none" rtlCol="0">
+            <a:spAutoFit/>
+          </a:bodyPr>
+          <a:lstStyle/>
+          <a:p>
+            <a:r>
+              <a:rPr lang="en-US" sz="1400" dirty="0" smtClean="0"/>
+              <a:t>Fulfilled / Failed</a:t>
+            </a:r>
+            <a:endParaRPr lang="de-CH" dirty="0"/>
+          </a:p>
+        </p:txBody>
+      </p:sp>
     </p:spTree>
     <p:extLst>
       <p:ext uri="{BB962C8B-B14F-4D97-AF65-F5344CB8AC3E}">
@@ -7876,6 +8010,72 @@
           </a:p>
         </p:txBody>
       </p:sp>
+      <p:cxnSp>
+        <p:nvCxnSpPr>
+          <p:cNvPr id="43" name="Straight Arrow Connector 42"/>
+          <p:cNvCxnSpPr/>
+          <p:nvPr/>
+        </p:nvCxnSpPr>
+        <p:spPr>
+          <a:xfrm>
+            <a:off x="395536" y="2105719"/>
+            <a:ext cx="864096" cy="0"/>
+          </a:xfrm>
+          <a:prstGeom prst="straightConnector1">
+            <a:avLst/>
+          </a:prstGeom>
+          <a:ln w="28575">
+            <a:solidFill>
+              <a:schemeClr val="accent2"/>
+            </a:solidFill>
+            <a:tailEnd type="arrow"/>
+          </a:ln>
+        </p:spPr>
+        <p:style>
+          <a:lnRef idx="1">
+            <a:schemeClr val="accent1"/>
+          </a:lnRef>
+          <a:fillRef idx="0">
+            <a:schemeClr val="accent1"/>
+          </a:fillRef>
+          <a:effectRef idx="0">
+            <a:schemeClr val="accent1"/>
+          </a:effectRef>
+          <a:fontRef idx="minor">
+            <a:schemeClr val="tx1"/>
+          </a:fontRef>
+        </p:style>
+      </p:cxnSp>
+      <p:sp>
+        <p:nvSpPr>
+          <p:cNvPr id="44" name="TextBox 43"/>
+          <p:cNvSpPr txBox="1"/>
+          <p:nvPr/>
+        </p:nvSpPr>
+        <p:spPr>
+          <a:xfrm>
+            <a:off x="323528" y="1756695"/>
+            <a:ext cx="805670" cy="307777"/>
+          </a:xfrm>
+          <a:prstGeom prst="rect">
+            <a:avLst/>
+          </a:prstGeom>
+          <a:noFill/>
+        </p:spPr>
+        <p:txBody>
+          <a:bodyPr wrap="none" rtlCol="0">
+            <a:spAutoFit/>
+          </a:bodyPr>
+          <a:lstStyle/>
+          <a:p>
+            <a:r>
+              <a:rPr lang="en-US" sz="1400" dirty="0" smtClean="0"/>
+              <a:t>Installed</a:t>
+            </a:r>
+            <a:endParaRPr lang="de-CH" sz="1400" dirty="0"/>
+          </a:p>
+        </p:txBody>
+      </p:sp>
     </p:spTree>
     <p:extLst>
       <p:ext uri="{BB962C8B-B14F-4D97-AF65-F5344CB8AC3E}">
@@ -9385,6 +9585,137 @@
               <a:t>BecameDemotivated</a:t>
             </a:r>
             <a:endParaRPr lang="de-CH" sz="1400" dirty="0"/>
+          </a:p>
+        </p:txBody>
+      </p:sp>
+      <p:cxnSp>
+        <p:nvCxnSpPr>
+          <p:cNvPr id="47" name="Straight Arrow Connector 46"/>
+          <p:cNvCxnSpPr/>
+          <p:nvPr/>
+        </p:nvCxnSpPr>
+        <p:spPr>
+          <a:xfrm>
+            <a:off x="395536" y="2105719"/>
+            <a:ext cx="864096" cy="0"/>
+          </a:xfrm>
+          <a:prstGeom prst="straightConnector1">
+            <a:avLst/>
+          </a:prstGeom>
+          <a:ln w="28575">
+            <a:solidFill>
+              <a:schemeClr val="accent2"/>
+            </a:solidFill>
+            <a:tailEnd type="arrow"/>
+          </a:ln>
+        </p:spPr>
+        <p:style>
+          <a:lnRef idx="1">
+            <a:schemeClr val="accent1"/>
+          </a:lnRef>
+          <a:fillRef idx="0">
+            <a:schemeClr val="accent1"/>
+          </a:fillRef>
+          <a:effectRef idx="0">
+            <a:schemeClr val="accent1"/>
+          </a:effectRef>
+          <a:fontRef idx="minor">
+            <a:schemeClr val="tx1"/>
+          </a:fontRef>
+        </p:style>
+      </p:cxnSp>
+      <p:sp>
+        <p:nvSpPr>
+          <p:cNvPr id="48" name="TextBox 47"/>
+          <p:cNvSpPr txBox="1"/>
+          <p:nvPr/>
+        </p:nvSpPr>
+        <p:spPr>
+          <a:xfrm>
+            <a:off x="323528" y="1756695"/>
+            <a:ext cx="805670" cy="307777"/>
+          </a:xfrm>
+          <a:prstGeom prst="rect">
+            <a:avLst/>
+          </a:prstGeom>
+          <a:noFill/>
+        </p:spPr>
+        <p:txBody>
+          <a:bodyPr wrap="none" rtlCol="0">
+            <a:spAutoFit/>
+          </a:bodyPr>
+          <a:lstStyle/>
+          <a:p>
+            <a:r>
+              <a:rPr lang="en-US" sz="1400" dirty="0" smtClean="0"/>
+              <a:t>Installed</a:t>
+            </a:r>
+            <a:endParaRPr lang="de-CH" sz="1400" dirty="0"/>
+          </a:p>
+        </p:txBody>
+      </p:sp>
+      <p:cxnSp>
+        <p:nvCxnSpPr>
+          <p:cNvPr id="49" name="Straight Arrow Connector 49"/>
+          <p:cNvCxnSpPr/>
+          <p:nvPr/>
+        </p:nvCxnSpPr>
+        <p:spPr>
+          <a:xfrm rot="5400000">
+            <a:off x="1928778" y="3119894"/>
+            <a:ext cx="12700" cy="618212"/>
+          </a:xfrm>
+          <a:prstGeom prst="bentConnector3">
+            <a:avLst>
+              <a:gd name="adj1" fmla="val 1800000"/>
+            </a:avLst>
+          </a:prstGeom>
+          <a:ln w="28575">
+            <a:tailEnd type="arrow"/>
+          </a:ln>
+        </p:spPr>
+        <p:style>
+          <a:lnRef idx="1">
+            <a:schemeClr val="accent1"/>
+          </a:lnRef>
+          <a:fillRef idx="0">
+            <a:schemeClr val="accent1"/>
+          </a:fillRef>
+          <a:effectRef idx="0">
+            <a:schemeClr val="accent1"/>
+          </a:effectRef>
+          <a:fontRef idx="minor">
+            <a:schemeClr val="tx1"/>
+          </a:fontRef>
+        </p:style>
+      </p:cxnSp>
+      <p:sp>
+        <p:nvSpPr>
+          <p:cNvPr id="50" name="TextBox 49"/>
+          <p:cNvSpPr txBox="1"/>
+          <p:nvPr/>
+        </p:nvSpPr>
+        <p:spPr>
+          <a:xfrm>
+            <a:off x="1239262" y="3760053"/>
+            <a:ext cx="1388522" cy="307777"/>
+          </a:xfrm>
+          <a:prstGeom prst="rect">
+            <a:avLst/>
+          </a:prstGeom>
+          <a:noFill/>
+        </p:spPr>
+        <p:txBody>
+          <a:bodyPr wrap="none" rtlCol="0">
+            <a:spAutoFit/>
+          </a:bodyPr>
+          <a:lstStyle/>
+          <a:p>
+            <a:r>
+              <a:rPr lang="en-US" sz="1400" dirty="0" smtClean="0"/>
+              <a:t>Fulfilled / Failed</a:t>
+            </a:r>
+            <a:endParaRPr lang="de-CH" dirty="0"/>
           </a:p>
         </p:txBody>
       </p:sp>

--- a/SiriusCyberneticsCorp.ComplaintsDevision.pptx
+++ b/SiriusCyberneticsCorp.ComplaintsDevision.pptx
@@ -114,6 +114,22 @@
       </a:defRPr>
     </a:lvl9pPr>
   </p:defaultTextStyle>
+  <p:extLst>
+    <p:ext uri="{EFAFB233-063F-42B5-8137-9DF3F51BA10A}">
+      <p15:sldGuideLst xmlns:p15="http://schemas.microsoft.com/office/powerpoint/2012/main">
+        <p15:guide id="1" orient="horz" pos="2160">
+          <p15:clr>
+            <a:srgbClr val="A4A3A4"/>
+          </p15:clr>
+        </p15:guide>
+        <p15:guide id="2" pos="2880">
+          <p15:clr>
+            <a:srgbClr val="A4A3A4"/>
+          </p15:clr>
+        </p15:guide>
+      </p15:sldGuideLst>
+    </p:ext>
+  </p:extLst>
 </p:presentation>
 </file>
 
@@ -199,7 +215,7 @@
           <a:p>
             <a:fld id="{9BCC8486-670A-4C00-AE60-61D7276FEF41}" type="datetimeFigureOut">
               <a:rPr lang="de-CH" smtClean="0"/>
-              <a:t>26.09.2012</a:t>
+              <a:t>16.10.2013</a:t>
             </a:fld>
             <a:endParaRPr lang="de-CH"/>
           </a:p>
@@ -1069,7 +1085,7 @@
           <a:p>
             <a:fld id="{4CE2CE21-8E88-45A7-8312-239BEB16CE9A}" type="datetimeFigureOut">
               <a:rPr lang="de-CH" smtClean="0"/>
-              <a:t>26.09.2012</a:t>
+              <a:t>16.10.2013</a:t>
             </a:fld>
             <a:endParaRPr lang="de-CH"/>
           </a:p>
@@ -1239,7 +1255,7 @@
           <a:p>
             <a:fld id="{4CE2CE21-8E88-45A7-8312-239BEB16CE9A}" type="datetimeFigureOut">
               <a:rPr lang="de-CH" smtClean="0"/>
-              <a:t>26.09.2012</a:t>
+              <a:t>16.10.2013</a:t>
             </a:fld>
             <a:endParaRPr lang="de-CH"/>
           </a:p>
@@ -1419,7 +1435,7 @@
           <a:p>
             <a:fld id="{4CE2CE21-8E88-45A7-8312-239BEB16CE9A}" type="datetimeFigureOut">
               <a:rPr lang="de-CH" smtClean="0"/>
-              <a:t>26.09.2012</a:t>
+              <a:t>16.10.2013</a:t>
             </a:fld>
             <a:endParaRPr lang="de-CH"/>
           </a:p>
@@ -1589,7 +1605,7 @@
           <a:p>
             <a:fld id="{4CE2CE21-8E88-45A7-8312-239BEB16CE9A}" type="datetimeFigureOut">
               <a:rPr lang="de-CH" smtClean="0"/>
-              <a:t>26.09.2012</a:t>
+              <a:t>16.10.2013</a:t>
             </a:fld>
             <a:endParaRPr lang="de-CH"/>
           </a:p>
@@ -1835,7 +1851,7 @@
           <a:p>
             <a:fld id="{4CE2CE21-8E88-45A7-8312-239BEB16CE9A}" type="datetimeFigureOut">
               <a:rPr lang="de-CH" smtClean="0"/>
-              <a:t>26.09.2012</a:t>
+              <a:t>16.10.2013</a:t>
             </a:fld>
             <a:endParaRPr lang="de-CH"/>
           </a:p>
@@ -2123,7 +2139,7 @@
           <a:p>
             <a:fld id="{4CE2CE21-8E88-45A7-8312-239BEB16CE9A}" type="datetimeFigureOut">
               <a:rPr lang="de-CH" smtClean="0"/>
-              <a:t>26.09.2012</a:t>
+              <a:t>16.10.2013</a:t>
             </a:fld>
             <a:endParaRPr lang="de-CH"/>
           </a:p>
@@ -2545,7 +2561,7 @@
           <a:p>
             <a:fld id="{4CE2CE21-8E88-45A7-8312-239BEB16CE9A}" type="datetimeFigureOut">
               <a:rPr lang="de-CH" smtClean="0"/>
-              <a:t>26.09.2012</a:t>
+              <a:t>16.10.2013</a:t>
             </a:fld>
             <a:endParaRPr lang="de-CH"/>
           </a:p>
@@ -2663,7 +2679,7 @@
           <a:p>
             <a:fld id="{4CE2CE21-8E88-45A7-8312-239BEB16CE9A}" type="datetimeFigureOut">
               <a:rPr lang="de-CH" smtClean="0"/>
-              <a:t>26.09.2012</a:t>
+              <a:t>16.10.2013</a:t>
             </a:fld>
             <a:endParaRPr lang="de-CH"/>
           </a:p>
@@ -2758,7 +2774,7 @@
           <a:p>
             <a:fld id="{4CE2CE21-8E88-45A7-8312-239BEB16CE9A}" type="datetimeFigureOut">
               <a:rPr lang="de-CH" smtClean="0"/>
-              <a:t>26.09.2012</a:t>
+              <a:t>16.10.2013</a:t>
             </a:fld>
             <a:endParaRPr lang="de-CH"/>
           </a:p>
@@ -3035,7 +3051,7 @@
           <a:p>
             <a:fld id="{4CE2CE21-8E88-45A7-8312-239BEB16CE9A}" type="datetimeFigureOut">
               <a:rPr lang="de-CH" smtClean="0"/>
-              <a:t>26.09.2012</a:t>
+              <a:t>16.10.2013</a:t>
             </a:fld>
             <a:endParaRPr lang="de-CH"/>
           </a:p>
@@ -3288,7 +3304,7 @@
           <a:p>
             <a:fld id="{4CE2CE21-8E88-45A7-8312-239BEB16CE9A}" type="datetimeFigureOut">
               <a:rPr lang="de-CH" smtClean="0"/>
-              <a:t>26.09.2012</a:t>
+              <a:t>16.10.2013</a:t>
             </a:fld>
             <a:endParaRPr lang="de-CH"/>
           </a:p>
@@ -3501,7 +3517,7 @@
           <a:p>
             <a:fld id="{4CE2CE21-8E88-45A7-8312-239BEB16CE9A}" type="datetimeFigureOut">
               <a:rPr lang="de-CH" smtClean="0"/>
-              <a:t>26.09.2012</a:t>
+              <a:t>16.10.2013</a:t>
             </a:fld>
             <a:endParaRPr lang="de-CH"/>
           </a:p>
@@ -5855,7 +5871,7 @@
         <p:spPr>
           <a:xfrm>
             <a:off x="1239262" y="3760053"/>
-            <a:ext cx="1388522" cy="307777"/>
+            <a:ext cx="1504836" cy="307777"/>
           </a:xfrm>
           <a:prstGeom prst="rect">
             <a:avLst/>
@@ -5870,7 +5886,11 @@
           <a:p>
             <a:r>
               <a:rPr lang="en-US" sz="1400" dirty="0" smtClean="0"/>
-              <a:t>Fulfilled / Failed</a:t>
+              <a:t>Fulfilled / </a:t>
+            </a:r>
+            <a:r>
+              <a:rPr lang="en-US" sz="1400" dirty="0" smtClean="0"/>
+              <a:t>Delayed</a:t>
             </a:r>
             <a:endParaRPr lang="de-CH" dirty="0"/>
           </a:p>
@@ -9698,7 +9718,7 @@
         <p:spPr>
           <a:xfrm>
             <a:off x="1239262" y="3760053"/>
-            <a:ext cx="1388522" cy="307777"/>
+            <a:ext cx="1504836" cy="307777"/>
           </a:xfrm>
           <a:prstGeom prst="rect">
             <a:avLst/>
@@ -9713,7 +9733,11 @@
           <a:p>
             <a:r>
               <a:rPr lang="en-US" sz="1400" dirty="0" smtClean="0"/>
-              <a:t>Fulfilled / Failed</a:t>
+              <a:t>Fulfilled / </a:t>
+            </a:r>
+            <a:r>
+              <a:rPr lang="en-US" sz="1400" dirty="0" smtClean="0"/>
+              <a:t>Delayed</a:t>
             </a:r>
             <a:endParaRPr lang="de-CH" dirty="0"/>
           </a:p>
